--- a/大三上/C++ 李宗辉/session_8_Operator_overloading.pptx
+++ b/大三上/C++ 李宗辉/session_8_Operator_overloading.pptx
@@ -2,93 +2,93 @@
 <file path=ppt/presentation.xml><?xml version="1.0" encoding="utf-8"?>
 <p:presentation xmlns:a="http://schemas.openxmlformats.org/drawingml/2006/main" xmlns:r="http://schemas.openxmlformats.org/officeDocument/2006/relationships" xmlns:p="http://schemas.openxmlformats.org/presentationml/2006/main" strictFirstAndLastChars="0" embedTrueTypeFonts="1" saveSubsetFonts="1" autoCompressPictures="0">
   <p:sldMasterIdLst>
-    <p:sldMasterId id="2147483659" r:id="rId1"/>
+    <p:sldMasterId id="2147483648" r:id="rId1"/>
   </p:sldMasterIdLst>
   <p:notesMasterIdLst>
-    <p:notesMasterId r:id="rId57"/>
+    <p:notesMasterId r:id="rId4"/>
   </p:notesMasterIdLst>
   <p:sldIdLst>
-    <p:sldId id="256" r:id="rId2"/>
-    <p:sldId id="398" r:id="rId3"/>
-    <p:sldId id="489" r:id="rId4"/>
-    <p:sldId id="496" r:id="rId5"/>
-    <p:sldId id="546" r:id="rId6"/>
-    <p:sldId id="438" r:id="rId7"/>
-    <p:sldId id="490" r:id="rId8"/>
-    <p:sldId id="491" r:id="rId9"/>
-    <p:sldId id="492" r:id="rId10"/>
-    <p:sldId id="497" r:id="rId11"/>
-    <p:sldId id="498" r:id="rId12"/>
-    <p:sldId id="502" r:id="rId13"/>
-    <p:sldId id="503" r:id="rId14"/>
-    <p:sldId id="499" r:id="rId15"/>
-    <p:sldId id="500" r:id="rId16"/>
-    <p:sldId id="501" r:id="rId17"/>
-    <p:sldId id="478" r:id="rId18"/>
-    <p:sldId id="504" r:id="rId19"/>
-    <p:sldId id="505" r:id="rId20"/>
-    <p:sldId id="506" r:id="rId21"/>
-    <p:sldId id="507" r:id="rId22"/>
-    <p:sldId id="508" r:id="rId23"/>
-    <p:sldId id="509" r:id="rId24"/>
-    <p:sldId id="510" r:id="rId25"/>
-    <p:sldId id="511" r:id="rId26"/>
-    <p:sldId id="512" r:id="rId27"/>
-    <p:sldId id="513" r:id="rId28"/>
-    <p:sldId id="514" r:id="rId29"/>
-    <p:sldId id="547" r:id="rId30"/>
-    <p:sldId id="518" r:id="rId31"/>
-    <p:sldId id="519" r:id="rId32"/>
-    <p:sldId id="520" r:id="rId33"/>
-    <p:sldId id="532" r:id="rId34"/>
-    <p:sldId id="527" r:id="rId35"/>
-    <p:sldId id="521" r:id="rId36"/>
-    <p:sldId id="528" r:id="rId37"/>
-    <p:sldId id="529" r:id="rId38"/>
-    <p:sldId id="522" r:id="rId39"/>
-    <p:sldId id="524" r:id="rId40"/>
-    <p:sldId id="530" r:id="rId41"/>
-    <p:sldId id="525" r:id="rId42"/>
-    <p:sldId id="531" r:id="rId43"/>
-    <p:sldId id="523" r:id="rId44"/>
-    <p:sldId id="526" r:id="rId45"/>
-    <p:sldId id="533" r:id="rId46"/>
-    <p:sldId id="539" r:id="rId47"/>
-    <p:sldId id="535" r:id="rId48"/>
-    <p:sldId id="540" r:id="rId49"/>
-    <p:sldId id="536" r:id="rId50"/>
-    <p:sldId id="537" r:id="rId51"/>
-    <p:sldId id="541" r:id="rId52"/>
-    <p:sldId id="543" r:id="rId53"/>
-    <p:sldId id="544" r:id="rId54"/>
-    <p:sldId id="545" r:id="rId55"/>
-    <p:sldId id="483" r:id="rId56"/>
+    <p:sldId id="256" r:id="rId3"/>
+    <p:sldId id="398" r:id="rId5"/>
+    <p:sldId id="489" r:id="rId6"/>
+    <p:sldId id="496" r:id="rId7"/>
+    <p:sldId id="546" r:id="rId8"/>
+    <p:sldId id="438" r:id="rId9"/>
+    <p:sldId id="490" r:id="rId10"/>
+    <p:sldId id="491" r:id="rId11"/>
+    <p:sldId id="492" r:id="rId12"/>
+    <p:sldId id="497" r:id="rId13"/>
+    <p:sldId id="498" r:id="rId14"/>
+    <p:sldId id="502" r:id="rId15"/>
+    <p:sldId id="503" r:id="rId16"/>
+    <p:sldId id="499" r:id="rId17"/>
+    <p:sldId id="500" r:id="rId18"/>
+    <p:sldId id="501" r:id="rId19"/>
+    <p:sldId id="478" r:id="rId20"/>
+    <p:sldId id="504" r:id="rId21"/>
+    <p:sldId id="505" r:id="rId22"/>
+    <p:sldId id="506" r:id="rId23"/>
+    <p:sldId id="507" r:id="rId24"/>
+    <p:sldId id="508" r:id="rId25"/>
+    <p:sldId id="509" r:id="rId26"/>
+    <p:sldId id="510" r:id="rId27"/>
+    <p:sldId id="511" r:id="rId28"/>
+    <p:sldId id="512" r:id="rId29"/>
+    <p:sldId id="513" r:id="rId30"/>
+    <p:sldId id="514" r:id="rId31"/>
+    <p:sldId id="547" r:id="rId32"/>
+    <p:sldId id="518" r:id="rId33"/>
+    <p:sldId id="519" r:id="rId34"/>
+    <p:sldId id="520" r:id="rId35"/>
+    <p:sldId id="532" r:id="rId36"/>
+    <p:sldId id="527" r:id="rId37"/>
+    <p:sldId id="521" r:id="rId38"/>
+    <p:sldId id="528" r:id="rId39"/>
+    <p:sldId id="529" r:id="rId40"/>
+    <p:sldId id="522" r:id="rId41"/>
+    <p:sldId id="524" r:id="rId42"/>
+    <p:sldId id="530" r:id="rId43"/>
+    <p:sldId id="525" r:id="rId44"/>
+    <p:sldId id="531" r:id="rId45"/>
+    <p:sldId id="523" r:id="rId46"/>
+    <p:sldId id="526" r:id="rId47"/>
+    <p:sldId id="533" r:id="rId48"/>
+    <p:sldId id="539" r:id="rId49"/>
+    <p:sldId id="535" r:id="rId50"/>
+    <p:sldId id="540" r:id="rId51"/>
+    <p:sldId id="536" r:id="rId52"/>
+    <p:sldId id="537" r:id="rId53"/>
+    <p:sldId id="541" r:id="rId54"/>
+    <p:sldId id="543" r:id="rId55"/>
+    <p:sldId id="544" r:id="rId56"/>
+    <p:sldId id="545" r:id="rId57"/>
+    <p:sldId id="483" r:id="rId58"/>
   </p:sldIdLst>
   <p:sldSz cx="6858000" cy="5143500"/>
   <p:notesSz cx="6858000" cy="9144000"/>
   <p:embeddedFontLst>
     <p:embeddedFont>
-      <p:font typeface="华文中宋" panose="02010600040101010101" pitchFamily="2" charset="-122"/>
-      <p:regular r:id="rId58"/>
+      <p:font typeface="Montserrat" panose="00000500000000000000"/>
+      <p:regular r:id="rId62"/>
     </p:embeddedFont>
     <p:embeddedFont>
-      <p:font typeface="Lato" panose="02010600030101010101" charset="0"/>
-      <p:regular r:id="rId59"/>
-      <p:bold r:id="rId60"/>
-      <p:italic r:id="rId61"/>
-      <p:boldItalic r:id="rId62"/>
-    </p:embeddedFont>
-    <p:embeddedFont>
-      <p:font typeface="Montserrat" panose="02010600030101010101" charset="0"/>
+      <p:font typeface="Lato" panose="020F0502020204030203"/>
       <p:regular r:id="rId63"/>
-      <p:bold r:id="rId64"/>
-      <p:italic r:id="rId65"/>
-      <p:boldItalic r:id="rId66"/>
     </p:embeddedFont>
     <p:embeddedFont>
       <p:font typeface="微软雅黑" panose="020B0503020204020204" pitchFamily="34" charset="-122"/>
-      <p:regular r:id="rId67"/>
-      <p:bold r:id="rId68"/>
+      <p:regular r:id="rId64"/>
+    </p:embeddedFont>
+    <p:embeddedFont>
+      <p:font typeface="Lato" panose="020F0502020204030203" charset="0"/>
+      <p:regular r:id="rId65"/>
+      <p:bold r:id="rId66"/>
+      <p:italic r:id="rId67"/>
+      <p:boldItalic r:id="rId68"/>
+    </p:embeddedFont>
+    <p:embeddedFont>
+      <p:font typeface="华文中宋" panose="02010600040101010101" pitchFamily="2" charset="-122"/>
+      <p:regular r:id="rId69"/>
     </p:embeddedFont>
   </p:embeddedFontLst>
   <p:defaultTextStyle>
@@ -116,15 +116,15 @@
       <a:buClr>
         <a:srgbClr val="000000"/>
       </a:buClr>
-      <a:buFont typeface="Arial"/>
+      <a:buFont typeface="Arial" panose="020B0604020202020204"/>
       <a:defRPr sz="1400" b="0" i="0" u="none" strike="noStrike" cap="none">
         <a:solidFill>
           <a:srgbClr val="000000"/>
         </a:solidFill>
-        <a:latin typeface="Arial"/>
-        <a:ea typeface="Arial"/>
-        <a:cs typeface="Arial"/>
-        <a:sym typeface="Arial"/>
+        <a:latin typeface="Arial" panose="020B0604020202020204"/>
+        <a:ea typeface="Arial" panose="020B0604020202020204"/>
+        <a:cs typeface="Arial" panose="020B0604020202020204"/>
+        <a:sym typeface="Arial" panose="020B0604020202020204"/>
       </a:defRPr>
     </a:lvl1pPr>
     <a:lvl2pPr marR="0" lvl="1" algn="l" rtl="0">
@@ -140,15 +140,15 @@
       <a:buClr>
         <a:srgbClr val="000000"/>
       </a:buClr>
-      <a:buFont typeface="Arial"/>
+      <a:buFont typeface="Arial" panose="020B0604020202020204"/>
       <a:defRPr sz="1400" b="0" i="0" u="none" strike="noStrike" cap="none">
         <a:solidFill>
           <a:srgbClr val="000000"/>
         </a:solidFill>
-        <a:latin typeface="Arial"/>
-        <a:ea typeface="Arial"/>
-        <a:cs typeface="Arial"/>
-        <a:sym typeface="Arial"/>
+        <a:latin typeface="Arial" panose="020B0604020202020204"/>
+        <a:ea typeface="Arial" panose="020B0604020202020204"/>
+        <a:cs typeface="Arial" panose="020B0604020202020204"/>
+        <a:sym typeface="Arial" panose="020B0604020202020204"/>
       </a:defRPr>
     </a:lvl2pPr>
     <a:lvl3pPr marR="0" lvl="2" algn="l" rtl="0">
@@ -164,15 +164,15 @@
       <a:buClr>
         <a:srgbClr val="000000"/>
       </a:buClr>
-      <a:buFont typeface="Arial"/>
+      <a:buFont typeface="Arial" panose="020B0604020202020204"/>
       <a:defRPr sz="1400" b="0" i="0" u="none" strike="noStrike" cap="none">
         <a:solidFill>
           <a:srgbClr val="000000"/>
         </a:solidFill>
-        <a:latin typeface="Arial"/>
-        <a:ea typeface="Arial"/>
-        <a:cs typeface="Arial"/>
-        <a:sym typeface="Arial"/>
+        <a:latin typeface="Arial" panose="020B0604020202020204"/>
+        <a:ea typeface="Arial" panose="020B0604020202020204"/>
+        <a:cs typeface="Arial" panose="020B0604020202020204"/>
+        <a:sym typeface="Arial" panose="020B0604020202020204"/>
       </a:defRPr>
     </a:lvl3pPr>
     <a:lvl4pPr marR="0" lvl="3" algn="l" rtl="0">
@@ -188,15 +188,15 @@
       <a:buClr>
         <a:srgbClr val="000000"/>
       </a:buClr>
-      <a:buFont typeface="Arial"/>
+      <a:buFont typeface="Arial" panose="020B0604020202020204"/>
       <a:defRPr sz="1400" b="0" i="0" u="none" strike="noStrike" cap="none">
         <a:solidFill>
           <a:srgbClr val="000000"/>
         </a:solidFill>
-        <a:latin typeface="Arial"/>
-        <a:ea typeface="Arial"/>
-        <a:cs typeface="Arial"/>
-        <a:sym typeface="Arial"/>
+        <a:latin typeface="Arial" panose="020B0604020202020204"/>
+        <a:ea typeface="Arial" panose="020B0604020202020204"/>
+        <a:cs typeface="Arial" panose="020B0604020202020204"/>
+        <a:sym typeface="Arial" panose="020B0604020202020204"/>
       </a:defRPr>
     </a:lvl4pPr>
     <a:lvl5pPr marR="0" lvl="4" algn="l" rtl="0">
@@ -212,15 +212,15 @@
       <a:buClr>
         <a:srgbClr val="000000"/>
       </a:buClr>
-      <a:buFont typeface="Arial"/>
+      <a:buFont typeface="Arial" panose="020B0604020202020204"/>
       <a:defRPr sz="1400" b="0" i="0" u="none" strike="noStrike" cap="none">
         <a:solidFill>
           <a:srgbClr val="000000"/>
         </a:solidFill>
-        <a:latin typeface="Arial"/>
-        <a:ea typeface="Arial"/>
-        <a:cs typeface="Arial"/>
-        <a:sym typeface="Arial"/>
+        <a:latin typeface="Arial" panose="020B0604020202020204"/>
+        <a:ea typeface="Arial" panose="020B0604020202020204"/>
+        <a:cs typeface="Arial" panose="020B0604020202020204"/>
+        <a:sym typeface="Arial" panose="020B0604020202020204"/>
       </a:defRPr>
     </a:lvl5pPr>
     <a:lvl6pPr marR="0" lvl="5" algn="l" rtl="0">
@@ -236,15 +236,15 @@
       <a:buClr>
         <a:srgbClr val="000000"/>
       </a:buClr>
-      <a:buFont typeface="Arial"/>
+      <a:buFont typeface="Arial" panose="020B0604020202020204"/>
       <a:defRPr sz="1400" b="0" i="0" u="none" strike="noStrike" cap="none">
         <a:solidFill>
           <a:srgbClr val="000000"/>
         </a:solidFill>
-        <a:latin typeface="Arial"/>
-        <a:ea typeface="Arial"/>
-        <a:cs typeface="Arial"/>
-        <a:sym typeface="Arial"/>
+        <a:latin typeface="Arial" panose="020B0604020202020204"/>
+        <a:ea typeface="Arial" panose="020B0604020202020204"/>
+        <a:cs typeface="Arial" panose="020B0604020202020204"/>
+        <a:sym typeface="Arial" panose="020B0604020202020204"/>
       </a:defRPr>
     </a:lvl6pPr>
     <a:lvl7pPr marR="0" lvl="6" algn="l" rtl="0">
@@ -260,15 +260,15 @@
       <a:buClr>
         <a:srgbClr val="000000"/>
       </a:buClr>
-      <a:buFont typeface="Arial"/>
+      <a:buFont typeface="Arial" panose="020B0604020202020204"/>
       <a:defRPr sz="1400" b="0" i="0" u="none" strike="noStrike" cap="none">
         <a:solidFill>
           <a:srgbClr val="000000"/>
         </a:solidFill>
-        <a:latin typeface="Arial"/>
-        <a:ea typeface="Arial"/>
-        <a:cs typeface="Arial"/>
-        <a:sym typeface="Arial"/>
+        <a:latin typeface="Arial" panose="020B0604020202020204"/>
+        <a:ea typeface="Arial" panose="020B0604020202020204"/>
+        <a:cs typeface="Arial" panose="020B0604020202020204"/>
+        <a:sym typeface="Arial" panose="020B0604020202020204"/>
       </a:defRPr>
     </a:lvl7pPr>
     <a:lvl8pPr marR="0" lvl="7" algn="l" rtl="0">
@@ -284,15 +284,15 @@
       <a:buClr>
         <a:srgbClr val="000000"/>
       </a:buClr>
-      <a:buFont typeface="Arial"/>
+      <a:buFont typeface="Arial" panose="020B0604020202020204"/>
       <a:defRPr sz="1400" b="0" i="0" u="none" strike="noStrike" cap="none">
         <a:solidFill>
           <a:srgbClr val="000000"/>
         </a:solidFill>
-        <a:latin typeface="Arial"/>
-        <a:ea typeface="Arial"/>
-        <a:cs typeface="Arial"/>
-        <a:sym typeface="Arial"/>
+        <a:latin typeface="Arial" panose="020B0604020202020204"/>
+        <a:ea typeface="Arial" panose="020B0604020202020204"/>
+        <a:cs typeface="Arial" panose="020B0604020202020204"/>
+        <a:sym typeface="Arial" panose="020B0604020202020204"/>
       </a:defRPr>
     </a:lvl8pPr>
     <a:lvl9pPr marR="0" lvl="8" algn="l" rtl="0">
@@ -308,23 +308,18 @@
       <a:buClr>
         <a:srgbClr val="000000"/>
       </a:buClr>
-      <a:buFont typeface="Arial"/>
+      <a:buFont typeface="Arial" panose="020B0604020202020204"/>
       <a:defRPr sz="1400" b="0" i="0" u="none" strike="noStrike" cap="none">
         <a:solidFill>
           <a:srgbClr val="000000"/>
         </a:solidFill>
-        <a:latin typeface="Arial"/>
-        <a:ea typeface="Arial"/>
-        <a:cs typeface="Arial"/>
-        <a:sym typeface="Arial"/>
+        <a:latin typeface="Arial" panose="020B0604020202020204"/>
+        <a:ea typeface="Arial" panose="020B0604020202020204"/>
+        <a:cs typeface="Arial" panose="020B0604020202020204"/>
+        <a:sym typeface="Arial" panose="020B0604020202020204"/>
       </a:defRPr>
     </a:lvl9pPr>
   </p:defaultTextStyle>
-  <p:extLst>
-    <p:ext uri="{EFAFB233-063F-42B5-8137-9DF3F51BA10A}">
-      <p15:sldGuideLst xmlns:p15="http://schemas.microsoft.com/office/powerpoint/2012/main"/>
-    </p:ext>
-  </p:extLst>
 </p:presentation>
 </file>
 
@@ -527,9 +522,7 @@
               <a:defRPr sz="1100"/>
             </a:lvl9pPr>
           </a:lstStyle>
-          <a:p>
-            <a:endParaRPr/>
-          </a:p>
+          <a:p/>
         </p:txBody>
       </p:sp>
     </p:spTree>
@@ -560,15 +553,15 @@
       <a:buClr>
         <a:srgbClr val="000000"/>
       </a:buClr>
-      <a:buFont typeface="Arial"/>
+      <a:buFont typeface="Arial" panose="020B0604020202020204"/>
       <a:defRPr sz="1400" b="0" i="0" u="none" strike="noStrike" cap="none">
         <a:solidFill>
           <a:srgbClr val="000000"/>
         </a:solidFill>
-        <a:latin typeface="Arial"/>
-        <a:ea typeface="Arial"/>
-        <a:cs typeface="Arial"/>
-        <a:sym typeface="Arial"/>
+        <a:latin typeface="Arial" panose="020B0604020202020204"/>
+        <a:ea typeface="Arial" panose="020B0604020202020204"/>
+        <a:cs typeface="Arial" panose="020B0604020202020204"/>
+        <a:sym typeface="Arial" panose="020B0604020202020204"/>
       </a:defRPr>
     </a:lvl1pPr>
     <a:lvl2pPr marR="0" lvl="1" algn="l" rtl="0">
@@ -584,15 +577,15 @@
       <a:buClr>
         <a:srgbClr val="000000"/>
       </a:buClr>
-      <a:buFont typeface="Arial"/>
+      <a:buFont typeface="Arial" panose="020B0604020202020204"/>
       <a:defRPr sz="1400" b="0" i="0" u="none" strike="noStrike" cap="none">
         <a:solidFill>
           <a:srgbClr val="000000"/>
         </a:solidFill>
-        <a:latin typeface="Arial"/>
-        <a:ea typeface="Arial"/>
-        <a:cs typeface="Arial"/>
-        <a:sym typeface="Arial"/>
+        <a:latin typeface="Arial" panose="020B0604020202020204"/>
+        <a:ea typeface="Arial" panose="020B0604020202020204"/>
+        <a:cs typeface="Arial" panose="020B0604020202020204"/>
+        <a:sym typeface="Arial" panose="020B0604020202020204"/>
       </a:defRPr>
     </a:lvl2pPr>
     <a:lvl3pPr marR="0" lvl="2" algn="l" rtl="0">
@@ -608,15 +601,15 @@
       <a:buClr>
         <a:srgbClr val="000000"/>
       </a:buClr>
-      <a:buFont typeface="Arial"/>
+      <a:buFont typeface="Arial" panose="020B0604020202020204"/>
       <a:defRPr sz="1400" b="0" i="0" u="none" strike="noStrike" cap="none">
         <a:solidFill>
           <a:srgbClr val="000000"/>
         </a:solidFill>
-        <a:latin typeface="Arial"/>
-        <a:ea typeface="Arial"/>
-        <a:cs typeface="Arial"/>
-        <a:sym typeface="Arial"/>
+        <a:latin typeface="Arial" panose="020B0604020202020204"/>
+        <a:ea typeface="Arial" panose="020B0604020202020204"/>
+        <a:cs typeface="Arial" panose="020B0604020202020204"/>
+        <a:sym typeface="Arial" panose="020B0604020202020204"/>
       </a:defRPr>
     </a:lvl3pPr>
     <a:lvl4pPr marR="0" lvl="3" algn="l" rtl="0">
@@ -632,15 +625,15 @@
       <a:buClr>
         <a:srgbClr val="000000"/>
       </a:buClr>
-      <a:buFont typeface="Arial"/>
+      <a:buFont typeface="Arial" panose="020B0604020202020204"/>
       <a:defRPr sz="1400" b="0" i="0" u="none" strike="noStrike" cap="none">
         <a:solidFill>
           <a:srgbClr val="000000"/>
         </a:solidFill>
-        <a:latin typeface="Arial"/>
-        <a:ea typeface="Arial"/>
-        <a:cs typeface="Arial"/>
-        <a:sym typeface="Arial"/>
+        <a:latin typeface="Arial" panose="020B0604020202020204"/>
+        <a:ea typeface="Arial" panose="020B0604020202020204"/>
+        <a:cs typeface="Arial" panose="020B0604020202020204"/>
+        <a:sym typeface="Arial" panose="020B0604020202020204"/>
       </a:defRPr>
     </a:lvl4pPr>
     <a:lvl5pPr marR="0" lvl="4" algn="l" rtl="0">
@@ -656,15 +649,15 @@
       <a:buClr>
         <a:srgbClr val="000000"/>
       </a:buClr>
-      <a:buFont typeface="Arial"/>
+      <a:buFont typeface="Arial" panose="020B0604020202020204"/>
       <a:defRPr sz="1400" b="0" i="0" u="none" strike="noStrike" cap="none">
         <a:solidFill>
           <a:srgbClr val="000000"/>
         </a:solidFill>
-        <a:latin typeface="Arial"/>
-        <a:ea typeface="Arial"/>
-        <a:cs typeface="Arial"/>
-        <a:sym typeface="Arial"/>
+        <a:latin typeface="Arial" panose="020B0604020202020204"/>
+        <a:ea typeface="Arial" panose="020B0604020202020204"/>
+        <a:cs typeface="Arial" panose="020B0604020202020204"/>
+        <a:sym typeface="Arial" panose="020B0604020202020204"/>
       </a:defRPr>
     </a:lvl5pPr>
     <a:lvl6pPr marR="0" lvl="5" algn="l" rtl="0">
@@ -680,15 +673,15 @@
       <a:buClr>
         <a:srgbClr val="000000"/>
       </a:buClr>
-      <a:buFont typeface="Arial"/>
+      <a:buFont typeface="Arial" panose="020B0604020202020204"/>
       <a:defRPr sz="1400" b="0" i="0" u="none" strike="noStrike" cap="none">
         <a:solidFill>
           <a:srgbClr val="000000"/>
         </a:solidFill>
-        <a:latin typeface="Arial"/>
-        <a:ea typeface="Arial"/>
-        <a:cs typeface="Arial"/>
-        <a:sym typeface="Arial"/>
+        <a:latin typeface="Arial" panose="020B0604020202020204"/>
+        <a:ea typeface="Arial" panose="020B0604020202020204"/>
+        <a:cs typeface="Arial" panose="020B0604020202020204"/>
+        <a:sym typeface="Arial" panose="020B0604020202020204"/>
       </a:defRPr>
     </a:lvl6pPr>
     <a:lvl7pPr marR="0" lvl="6" algn="l" rtl="0">
@@ -704,15 +697,15 @@
       <a:buClr>
         <a:srgbClr val="000000"/>
       </a:buClr>
-      <a:buFont typeface="Arial"/>
+      <a:buFont typeface="Arial" panose="020B0604020202020204"/>
       <a:defRPr sz="1400" b="0" i="0" u="none" strike="noStrike" cap="none">
         <a:solidFill>
           <a:srgbClr val="000000"/>
         </a:solidFill>
-        <a:latin typeface="Arial"/>
-        <a:ea typeface="Arial"/>
-        <a:cs typeface="Arial"/>
-        <a:sym typeface="Arial"/>
+        <a:latin typeface="Arial" panose="020B0604020202020204"/>
+        <a:ea typeface="Arial" panose="020B0604020202020204"/>
+        <a:cs typeface="Arial" panose="020B0604020202020204"/>
+        <a:sym typeface="Arial" panose="020B0604020202020204"/>
       </a:defRPr>
     </a:lvl7pPr>
     <a:lvl8pPr marR="0" lvl="7" algn="l" rtl="0">
@@ -728,15 +721,15 @@
       <a:buClr>
         <a:srgbClr val="000000"/>
       </a:buClr>
-      <a:buFont typeface="Arial"/>
+      <a:buFont typeface="Arial" panose="020B0604020202020204"/>
       <a:defRPr sz="1400" b="0" i="0" u="none" strike="noStrike" cap="none">
         <a:solidFill>
           <a:srgbClr val="000000"/>
         </a:solidFill>
-        <a:latin typeface="Arial"/>
-        <a:ea typeface="Arial"/>
-        <a:cs typeface="Arial"/>
-        <a:sym typeface="Arial"/>
+        <a:latin typeface="Arial" panose="020B0604020202020204"/>
+        <a:ea typeface="Arial" panose="020B0604020202020204"/>
+        <a:cs typeface="Arial" panose="020B0604020202020204"/>
+        <a:sym typeface="Arial" panose="020B0604020202020204"/>
       </a:defRPr>
     </a:lvl8pPr>
     <a:lvl9pPr marR="0" lvl="8" algn="l" rtl="0">
@@ -752,15 +745,15 @@
       <a:buClr>
         <a:srgbClr val="000000"/>
       </a:buClr>
-      <a:buFont typeface="Arial"/>
+      <a:buFont typeface="Arial" panose="020B0604020202020204"/>
       <a:defRPr sz="1400" b="0" i="0" u="none" strike="noStrike" cap="none">
         <a:solidFill>
           <a:srgbClr val="000000"/>
         </a:solidFill>
-        <a:latin typeface="Arial"/>
-        <a:ea typeface="Arial"/>
-        <a:cs typeface="Arial"/>
-        <a:sym typeface="Arial"/>
+        <a:latin typeface="Arial" panose="020B0604020202020204"/>
+        <a:ea typeface="Arial" panose="020B0604020202020204"/>
+        <a:cs typeface="Arial" panose="020B0604020202020204"/>
+        <a:sym typeface="Arial" panose="020B0604020202020204"/>
       </a:defRPr>
     </a:lvl9pPr>
   </p:notesStyle>
@@ -768,7 +761,7 @@
 </file>
 
 <file path=ppt/notesSlides/notesSlide1.xml><?xml version="1.0" encoding="utf-8"?>
-<p:notes xmlns:a="http://schemas.openxmlformats.org/drawingml/2006/main" xmlns:r="http://schemas.openxmlformats.org/officeDocument/2006/relationships" xmlns:p="http://schemas.openxmlformats.org/presentationml/2006/main" showMasterSp="0" showMasterPhAnim="0">
+<p:notes xmlns:a="http://schemas.openxmlformats.org/drawingml/2006/main" xmlns:r="http://schemas.openxmlformats.org/officeDocument/2006/relationships" xmlns:p="http://schemas.openxmlformats.org/presentationml/2006/main" showMasterPhAnim="0" showMasterSp="0">
   <p:cSld>
     <p:spTree>
       <p:nvGrpSpPr>
@@ -859,7 +852,6 @@
               </a:spcAft>
               <a:buNone/>
             </a:pPr>
-            <a:endParaRPr/>
           </a:p>
         </p:txBody>
       </p:sp>
@@ -872,7 +864,7 @@
 </file>
 
 <file path=ppt/notesSlides/notesSlide10.xml><?xml version="1.0" encoding="utf-8"?>
-<p:notes xmlns:a="http://schemas.openxmlformats.org/drawingml/2006/main" xmlns:r="http://schemas.openxmlformats.org/officeDocument/2006/relationships" xmlns:p="http://schemas.openxmlformats.org/presentationml/2006/main" showMasterSp="0" showMasterPhAnim="0">
+<p:notes xmlns:a="http://schemas.openxmlformats.org/drawingml/2006/main" xmlns:r="http://schemas.openxmlformats.org/officeDocument/2006/relationships" xmlns:p="http://schemas.openxmlformats.org/presentationml/2006/main" showMasterPhAnim="0" showMasterSp="0">
   <p:cSld>
     <p:spTree>
       <p:nvGrpSpPr>
@@ -968,11 +960,6 @@
         </p:txBody>
       </p:sp>
     </p:spTree>
-    <p:extLst>
-      <p:ext uri="{BB962C8B-B14F-4D97-AF65-F5344CB8AC3E}">
-        <p14:creationId xmlns:p14="http://schemas.microsoft.com/office/powerpoint/2010/main" val="3441889928"/>
-      </p:ext>
-    </p:extLst>
   </p:cSld>
   <p:clrMapOvr>
     <a:masterClrMapping/>
@@ -981,7 +968,7 @@
 </file>
 
 <file path=ppt/notesSlides/notesSlide2.xml><?xml version="1.0" encoding="utf-8"?>
-<p:notes xmlns:a="http://schemas.openxmlformats.org/drawingml/2006/main" xmlns:r="http://schemas.openxmlformats.org/officeDocument/2006/relationships" xmlns:p="http://schemas.openxmlformats.org/presentationml/2006/main" showMasterSp="0" showMasterPhAnim="0">
+<p:notes xmlns:a="http://schemas.openxmlformats.org/drawingml/2006/main" xmlns:r="http://schemas.openxmlformats.org/officeDocument/2006/relationships" xmlns:p="http://schemas.openxmlformats.org/presentationml/2006/main" showMasterPhAnim="0" showMasterSp="0">
   <p:cSld>
     <p:spTree>
       <p:nvGrpSpPr>
@@ -1072,16 +1059,10 @@
               </a:spcAft>
               <a:buNone/>
             </a:pPr>
-            <a:endParaRPr/>
           </a:p>
         </p:txBody>
       </p:sp>
     </p:spTree>
-    <p:extLst>
-      <p:ext uri="{BB962C8B-B14F-4D97-AF65-F5344CB8AC3E}">
-        <p14:creationId xmlns:p14="http://schemas.microsoft.com/office/powerpoint/2010/main" val="3568198641"/>
-      </p:ext>
-    </p:extLst>
   </p:cSld>
   <p:clrMapOvr>
     <a:masterClrMapping/>
@@ -1090,7 +1071,7 @@
 </file>
 
 <file path=ppt/notesSlides/notesSlide3.xml><?xml version="1.0" encoding="utf-8"?>
-<p:notes xmlns:a="http://schemas.openxmlformats.org/drawingml/2006/main" xmlns:r="http://schemas.openxmlformats.org/officeDocument/2006/relationships" xmlns:p="http://schemas.openxmlformats.org/presentationml/2006/main" showMasterSp="0" showMasterPhAnim="0">
+<p:notes xmlns:a="http://schemas.openxmlformats.org/drawingml/2006/main" xmlns:r="http://schemas.openxmlformats.org/officeDocument/2006/relationships" xmlns:p="http://schemas.openxmlformats.org/presentationml/2006/main" showMasterPhAnim="0" showMasterSp="0">
   <p:cSld>
     <p:spTree>
       <p:nvGrpSpPr>
@@ -1181,16 +1162,10 @@
               </a:spcAft>
               <a:buNone/>
             </a:pPr>
-            <a:endParaRPr/>
           </a:p>
         </p:txBody>
       </p:sp>
     </p:spTree>
-    <p:extLst>
-      <p:ext uri="{BB962C8B-B14F-4D97-AF65-F5344CB8AC3E}">
-        <p14:creationId xmlns:p14="http://schemas.microsoft.com/office/powerpoint/2010/main" val="1983672250"/>
-      </p:ext>
-    </p:extLst>
   </p:cSld>
   <p:clrMapOvr>
     <a:masterClrMapping/>
@@ -1250,6 +1225,7 @@
               <a:rPr lang="en-US" altLang="zh-CN" baseline="0" dirty="0" smtClean="0"/>
               <a:t> A(n);</a:t>
             </a:r>
+            <a:endParaRPr lang="en-US" altLang="zh-CN" baseline="0" dirty="0" smtClean="0"/>
           </a:p>
           <a:p>
             <a:r>
@@ -1264,12 +1240,14 @@
               <a:rPr lang="en-US" baseline="0" dirty="0" smtClean="0"/>
               <a:t>];</a:t>
             </a:r>
+            <a:endParaRPr lang="en-US" baseline="0" dirty="0" smtClean="0"/>
           </a:p>
           <a:p>
             <a:r>
               <a:rPr lang="en-US" baseline="0" dirty="0" smtClean="0"/>
               <a:t>A-&gt;I;</a:t>
             </a:r>
+            <a:endParaRPr lang="en-US" baseline="0" dirty="0" smtClean="0"/>
           </a:p>
           <a:p>
             <a:r>
@@ -1289,11 +1267,6 @@
         </p:txBody>
       </p:sp>
     </p:spTree>
-    <p:extLst>
-      <p:ext uri="{BB962C8B-B14F-4D97-AF65-F5344CB8AC3E}">
-        <p14:creationId xmlns:p14="http://schemas.microsoft.com/office/powerpoint/2010/main" val="1195699134"/>
-      </p:ext>
-    </p:extLst>
   </p:cSld>
   <p:clrMapOvr>
     <a:masterClrMapping/>
@@ -1350,11 +1323,6 @@
         </p:txBody>
       </p:sp>
     </p:spTree>
-    <p:extLst>
-      <p:ext uri="{BB962C8B-B14F-4D97-AF65-F5344CB8AC3E}">
-        <p14:creationId xmlns:p14="http://schemas.microsoft.com/office/powerpoint/2010/main" val="2758998125"/>
-      </p:ext>
-    </p:extLst>
   </p:cSld>
   <p:clrMapOvr>
     <a:masterClrMapping/>
@@ -1411,11 +1379,6 @@
         </p:txBody>
       </p:sp>
     </p:spTree>
-    <p:extLst>
-      <p:ext uri="{BB962C8B-B14F-4D97-AF65-F5344CB8AC3E}">
-        <p14:creationId xmlns:p14="http://schemas.microsoft.com/office/powerpoint/2010/main" val="1994387545"/>
-      </p:ext>
-    </p:extLst>
   </p:cSld>
   <p:clrMapOvr>
     <a:masterClrMapping/>
@@ -1472,11 +1435,6 @@
         </p:txBody>
       </p:sp>
     </p:spTree>
-    <p:extLst>
-      <p:ext uri="{BB962C8B-B14F-4D97-AF65-F5344CB8AC3E}">
-        <p14:creationId xmlns:p14="http://schemas.microsoft.com/office/powerpoint/2010/main" val="2421927126"/>
-      </p:ext>
-    </p:extLst>
   </p:cSld>
   <p:clrMapOvr>
     <a:masterClrMapping/>
@@ -1533,11 +1491,6 @@
         </p:txBody>
       </p:sp>
     </p:spTree>
-    <p:extLst>
-      <p:ext uri="{BB962C8B-B14F-4D97-AF65-F5344CB8AC3E}">
-        <p14:creationId xmlns:p14="http://schemas.microsoft.com/office/powerpoint/2010/main" val="385619869"/>
-      </p:ext>
-    </p:extLst>
   </p:cSld>
   <p:clrMapOvr>
     <a:masterClrMapping/>
@@ -1546,7 +1499,7 @@
 </file>
 
 <file path=ppt/notesSlides/notesSlide9.xml><?xml version="1.0" encoding="utf-8"?>
-<p:notes xmlns:a="http://schemas.openxmlformats.org/drawingml/2006/main" xmlns:r="http://schemas.openxmlformats.org/officeDocument/2006/relationships" xmlns:p="http://schemas.openxmlformats.org/presentationml/2006/main" showMasterSp="0" showMasterPhAnim="0">
+<p:notes xmlns:a="http://schemas.openxmlformats.org/drawingml/2006/main" xmlns:r="http://schemas.openxmlformats.org/officeDocument/2006/relationships" xmlns:p="http://schemas.openxmlformats.org/presentationml/2006/main" showMasterPhAnim="0" showMasterSp="0">
   <p:cSld>
     <p:spTree>
       <p:nvGrpSpPr>
@@ -1642,11 +1595,6 @@
         </p:txBody>
       </p:sp>
     </p:spTree>
-    <p:extLst>
-      <p:ext uri="{BB962C8B-B14F-4D97-AF65-F5344CB8AC3E}">
-        <p14:creationId xmlns:p14="http://schemas.microsoft.com/office/powerpoint/2010/main" val="2516043771"/>
-      </p:ext>
-    </p:extLst>
   </p:cSld>
   <p:clrMapOvr>
     <a:masterClrMapping/>
@@ -1655,7 +1603,7 @@
 </file>
 
 <file path=ppt/slideLayouts/slideLayout1.xml><?xml version="1.0" encoding="utf-8"?>
-<p:sldLayout xmlns:a="http://schemas.openxmlformats.org/drawingml/2006/main" xmlns:r="http://schemas.openxmlformats.org/officeDocument/2006/relationships" xmlns:p="http://schemas.openxmlformats.org/presentationml/2006/main" matchingName="Title slide" type="title">
+<p:sldLayout xmlns:a="http://schemas.openxmlformats.org/drawingml/2006/main" xmlns:r="http://schemas.openxmlformats.org/officeDocument/2006/relationships" xmlns:p="http://schemas.openxmlformats.org/presentationml/2006/main" type="title" matchingName="Title slide">
   <p:cSld name="TITLE">
     <p:spTree>
       <p:nvGrpSpPr>
@@ -2024,9 +1972,7 @@
               <a:defRPr sz="3000"/>
             </a:lvl9pPr>
           </a:lstStyle>
-          <a:p>
-            <a:endParaRPr/>
-          </a:p>
+          <a:p/>
         </p:txBody>
       </p:sp>
       <p:sp>
@@ -2178,9 +2124,7 @@
               <a:defRPr sz="975"/>
             </a:lvl9pPr>
           </a:lstStyle>
-          <a:p>
-            <a:endParaRPr/>
-          </a:p>
+          <a:p/>
         </p:txBody>
       </p:sp>
       <p:sp>
@@ -2246,11 +2190,9 @@
           </a:lstStyle>
           <a:p>
             <a:fld id="{00000000-1234-1234-1234-123412341234}" type="slidenum">
-              <a:rPr lang="en" smtClean="0"/>
-              <a:pPr/>
-              <a:t>‹#›</a:t>
+              <a:rPr lang="en-GB" smtClean="0"/>
             </a:fld>
-            <a:endParaRPr lang="en"/>
+            <a:endParaRPr lang="en-GB"/>
           </a:p>
         </p:txBody>
       </p:sp>
@@ -2263,7 +2205,7 @@
 </file>
 
 <file path=ppt/slideLayouts/slideLayout2.xml><?xml version="1.0" encoding="utf-8"?>
-<p:sldLayout xmlns:a="http://schemas.openxmlformats.org/drawingml/2006/main" xmlns:r="http://schemas.openxmlformats.org/officeDocument/2006/relationships" xmlns:p="http://schemas.openxmlformats.org/presentationml/2006/main" matchingName="Title and body" type="tx">
+<p:sldLayout xmlns:a="http://schemas.openxmlformats.org/drawingml/2006/main" xmlns:r="http://schemas.openxmlformats.org/officeDocument/2006/relationships" xmlns:p="http://schemas.openxmlformats.org/presentationml/2006/main" type="tx" matchingName="Title and body">
   <p:cSld name="TITLE_AND_BODY">
     <p:spTree>
       <p:nvGrpSpPr>
@@ -2500,9 +2442,7 @@
               <a:defRPr sz="1800"/>
             </a:lvl9pPr>
           </a:lstStyle>
-          <a:p>
-            <a:endParaRPr/>
-          </a:p>
+          <a:p/>
         </p:txBody>
       </p:sp>
       <p:sp>
@@ -2527,7 +2467,7 @@
         <p:txBody>
           <a:bodyPr spcFirstLastPara="1" wrap="square" lIns="91425" tIns="91425" rIns="91425" bIns="91425" anchor="t" anchorCtr="0"/>
           <a:lstStyle>
-            <a:lvl1pPr marL="342892" lvl="0" indent="-233357">
+            <a:lvl1pPr marL="342900" lvl="0" indent="-233045">
               <a:spcBef>
                 <a:spcPts val="0"/>
               </a:spcBef>
@@ -2538,7 +2478,7 @@
               <a:buChar char="●"/>
               <a:defRPr/>
             </a:lvl1pPr>
-            <a:lvl2pPr marL="685783" lvl="1" indent="-223832">
+            <a:lvl2pPr marL="685800" lvl="1" indent="-223520">
               <a:spcBef>
                 <a:spcPts val="1200"/>
               </a:spcBef>
@@ -2549,7 +2489,7 @@
               <a:buChar char="○"/>
               <a:defRPr/>
             </a:lvl2pPr>
-            <a:lvl3pPr marL="1028675" lvl="2" indent="-223832">
+            <a:lvl3pPr marL="1028700" lvl="2" indent="-223520">
               <a:spcBef>
                 <a:spcPts val="1200"/>
               </a:spcBef>
@@ -2560,7 +2500,7 @@
               <a:buChar char="■"/>
               <a:defRPr/>
             </a:lvl3pPr>
-            <a:lvl4pPr marL="1371566" lvl="3" indent="-223832">
+            <a:lvl4pPr marL="1371600" lvl="3" indent="-223520">
               <a:spcBef>
                 <a:spcPts val="1200"/>
               </a:spcBef>
@@ -2571,7 +2511,7 @@
               <a:buChar char="●"/>
               <a:defRPr/>
             </a:lvl4pPr>
-            <a:lvl5pPr marL="1714457" lvl="4" indent="-223832">
+            <a:lvl5pPr marL="1714500" lvl="4" indent="-223520">
               <a:spcBef>
                 <a:spcPts val="1200"/>
               </a:spcBef>
@@ -2582,7 +2522,7 @@
               <a:buChar char="○"/>
               <a:defRPr/>
             </a:lvl5pPr>
-            <a:lvl6pPr marL="2057348" lvl="5" indent="-223832">
+            <a:lvl6pPr marL="2057400" lvl="5" indent="-223520">
               <a:spcBef>
                 <a:spcPts val="1200"/>
               </a:spcBef>
@@ -2593,7 +2533,7 @@
               <a:buChar char="■"/>
               <a:defRPr/>
             </a:lvl6pPr>
-            <a:lvl7pPr marL="2400240" lvl="6" indent="-223832">
+            <a:lvl7pPr marL="2400300" lvl="6" indent="-223520">
               <a:spcBef>
                 <a:spcPts val="1200"/>
               </a:spcBef>
@@ -2604,7 +2544,7 @@
               <a:buChar char="●"/>
               <a:defRPr/>
             </a:lvl7pPr>
-            <a:lvl8pPr marL="2743132" lvl="7" indent="-223832">
+            <a:lvl8pPr marL="2743200" lvl="7" indent="-223520">
               <a:spcBef>
                 <a:spcPts val="1200"/>
               </a:spcBef>
@@ -2615,7 +2555,7 @@
               <a:buChar char="○"/>
               <a:defRPr/>
             </a:lvl8pPr>
-            <a:lvl9pPr marL="3086023" lvl="8" indent="-223832">
+            <a:lvl9pPr marL="3086100" lvl="8" indent="-223520">
               <a:spcBef>
                 <a:spcPts val="1200"/>
               </a:spcBef>
@@ -2627,9 +2567,7 @@
               <a:defRPr/>
             </a:lvl9pPr>
           </a:lstStyle>
-          <a:p>
-            <a:endParaRPr/>
-          </a:p>
+          <a:p/>
         </p:txBody>
       </p:sp>
       <p:sp>
@@ -2695,11 +2633,9 @@
           </a:lstStyle>
           <a:p>
             <a:fld id="{00000000-1234-1234-1234-123412341234}" type="slidenum">
-              <a:rPr lang="en" smtClean="0"/>
-              <a:pPr/>
-              <a:t>‹#›</a:t>
+              <a:rPr lang="en-GB" smtClean="0"/>
             </a:fld>
-            <a:endParaRPr lang="en"/>
+            <a:endParaRPr lang="en-GB"/>
           </a:p>
         </p:txBody>
       </p:sp>
@@ -2720,7 +2656,9 @@
             </a:extLst>
           </a:blip>
           <a:srcRect r="70202" b="2132"/>
-          <a:stretch/>
+          <a:stretch>
+            <a:fillRect/>
+          </a:stretch>
         </p:blipFill>
         <p:spPr>
           <a:xfrm>
@@ -2741,7 +2679,7 @@
 </file>
 
 <file path=ppt/slideLayouts/slideLayout3.xml><?xml version="1.0" encoding="utf-8"?>
-<p:sldLayout xmlns:a="http://schemas.openxmlformats.org/drawingml/2006/main" xmlns:r="http://schemas.openxmlformats.org/officeDocument/2006/relationships" xmlns:p="http://schemas.openxmlformats.org/presentationml/2006/main" matchingName="Title and two columns" type="twoColTx">
+<p:sldLayout xmlns:a="http://schemas.openxmlformats.org/drawingml/2006/main" xmlns:r="http://schemas.openxmlformats.org/officeDocument/2006/relationships" xmlns:p="http://schemas.openxmlformats.org/presentationml/2006/main" type="twoColTx" matchingName="Title and two columns">
   <p:cSld name="TITLE_AND_TWO_COLUMNS">
     <p:spTree>
       <p:nvGrpSpPr>
@@ -2978,9 +2916,7 @@
               <a:defRPr sz="1800"/>
             </a:lvl9pPr>
           </a:lstStyle>
-          <a:p>
-            <a:endParaRPr/>
-          </a:p>
+          <a:p/>
         </p:txBody>
       </p:sp>
       <p:sp>
@@ -3005,7 +2941,7 @@
         <p:txBody>
           <a:bodyPr spcFirstLastPara="1" wrap="square" lIns="91425" tIns="91425" rIns="91425" bIns="91425" anchor="t" anchorCtr="0"/>
           <a:lstStyle>
-            <a:lvl1pPr marL="342892" lvl="0" indent="-233357">
+            <a:lvl1pPr marL="342900" lvl="0" indent="-233045">
               <a:spcBef>
                 <a:spcPts val="0"/>
               </a:spcBef>
@@ -3016,7 +2952,7 @@
               <a:buChar char="●"/>
               <a:defRPr/>
             </a:lvl1pPr>
-            <a:lvl2pPr marL="685783" lvl="1" indent="-223832">
+            <a:lvl2pPr marL="685800" lvl="1" indent="-223520">
               <a:spcBef>
                 <a:spcPts val="1200"/>
               </a:spcBef>
@@ -3027,7 +2963,7 @@
               <a:buChar char="○"/>
               <a:defRPr/>
             </a:lvl2pPr>
-            <a:lvl3pPr marL="1028675" lvl="2" indent="-223832">
+            <a:lvl3pPr marL="1028700" lvl="2" indent="-223520">
               <a:spcBef>
                 <a:spcPts val="1200"/>
               </a:spcBef>
@@ -3038,7 +2974,7 @@
               <a:buChar char="■"/>
               <a:defRPr/>
             </a:lvl3pPr>
-            <a:lvl4pPr marL="1371566" lvl="3" indent="-223832">
+            <a:lvl4pPr marL="1371600" lvl="3" indent="-223520">
               <a:spcBef>
                 <a:spcPts val="1200"/>
               </a:spcBef>
@@ -3049,7 +2985,7 @@
               <a:buChar char="●"/>
               <a:defRPr/>
             </a:lvl4pPr>
-            <a:lvl5pPr marL="1714457" lvl="4" indent="-223832">
+            <a:lvl5pPr marL="1714500" lvl="4" indent="-223520">
               <a:spcBef>
                 <a:spcPts val="1200"/>
               </a:spcBef>
@@ -3060,7 +2996,7 @@
               <a:buChar char="○"/>
               <a:defRPr/>
             </a:lvl5pPr>
-            <a:lvl6pPr marL="2057348" lvl="5" indent="-223832">
+            <a:lvl6pPr marL="2057400" lvl="5" indent="-223520">
               <a:spcBef>
                 <a:spcPts val="1200"/>
               </a:spcBef>
@@ -3071,7 +3007,7 @@
               <a:buChar char="■"/>
               <a:defRPr/>
             </a:lvl6pPr>
-            <a:lvl7pPr marL="2400240" lvl="6" indent="-223832">
+            <a:lvl7pPr marL="2400300" lvl="6" indent="-223520">
               <a:spcBef>
                 <a:spcPts val="1200"/>
               </a:spcBef>
@@ -3082,7 +3018,7 @@
               <a:buChar char="●"/>
               <a:defRPr/>
             </a:lvl7pPr>
-            <a:lvl8pPr marL="2743132" lvl="7" indent="-223832">
+            <a:lvl8pPr marL="2743200" lvl="7" indent="-223520">
               <a:spcBef>
                 <a:spcPts val="1200"/>
               </a:spcBef>
@@ -3093,7 +3029,7 @@
               <a:buChar char="○"/>
               <a:defRPr/>
             </a:lvl8pPr>
-            <a:lvl9pPr marL="3086023" lvl="8" indent="-223832">
+            <a:lvl9pPr marL="3086100" lvl="8" indent="-223520">
               <a:spcBef>
                 <a:spcPts val="1200"/>
               </a:spcBef>
@@ -3105,9 +3041,7 @@
               <a:defRPr/>
             </a:lvl9pPr>
           </a:lstStyle>
-          <a:p>
-            <a:endParaRPr/>
-          </a:p>
+          <a:p/>
         </p:txBody>
       </p:sp>
       <p:sp>
@@ -3132,7 +3066,7 @@
         <p:txBody>
           <a:bodyPr spcFirstLastPara="1" wrap="square" lIns="91425" tIns="91425" rIns="91425" bIns="91425" anchor="t" anchorCtr="0"/>
           <a:lstStyle>
-            <a:lvl1pPr marL="342892" lvl="0" indent="-233357">
+            <a:lvl1pPr marL="342900" lvl="0" indent="-233045">
               <a:spcBef>
                 <a:spcPts val="0"/>
               </a:spcBef>
@@ -3143,7 +3077,7 @@
               <a:buChar char="●"/>
               <a:defRPr/>
             </a:lvl1pPr>
-            <a:lvl2pPr marL="685783" lvl="1" indent="-223832">
+            <a:lvl2pPr marL="685800" lvl="1" indent="-223520">
               <a:spcBef>
                 <a:spcPts val="1200"/>
               </a:spcBef>
@@ -3154,7 +3088,7 @@
               <a:buChar char="○"/>
               <a:defRPr/>
             </a:lvl2pPr>
-            <a:lvl3pPr marL="1028675" lvl="2" indent="-223832">
+            <a:lvl3pPr marL="1028700" lvl="2" indent="-223520">
               <a:spcBef>
                 <a:spcPts val="1200"/>
               </a:spcBef>
@@ -3165,7 +3099,7 @@
               <a:buChar char="■"/>
               <a:defRPr/>
             </a:lvl3pPr>
-            <a:lvl4pPr marL="1371566" lvl="3" indent="-223832">
+            <a:lvl4pPr marL="1371600" lvl="3" indent="-223520">
               <a:spcBef>
                 <a:spcPts val="1200"/>
               </a:spcBef>
@@ -3176,7 +3110,7 @@
               <a:buChar char="●"/>
               <a:defRPr/>
             </a:lvl4pPr>
-            <a:lvl5pPr marL="1714457" lvl="4" indent="-223832">
+            <a:lvl5pPr marL="1714500" lvl="4" indent="-223520">
               <a:spcBef>
                 <a:spcPts val="1200"/>
               </a:spcBef>
@@ -3187,7 +3121,7 @@
               <a:buChar char="○"/>
               <a:defRPr/>
             </a:lvl5pPr>
-            <a:lvl6pPr marL="2057348" lvl="5" indent="-223832">
+            <a:lvl6pPr marL="2057400" lvl="5" indent="-223520">
               <a:spcBef>
                 <a:spcPts val="1200"/>
               </a:spcBef>
@@ -3198,7 +3132,7 @@
               <a:buChar char="■"/>
               <a:defRPr/>
             </a:lvl6pPr>
-            <a:lvl7pPr marL="2400240" lvl="6" indent="-223832">
+            <a:lvl7pPr marL="2400300" lvl="6" indent="-223520">
               <a:spcBef>
                 <a:spcPts val="1200"/>
               </a:spcBef>
@@ -3209,7 +3143,7 @@
               <a:buChar char="●"/>
               <a:defRPr/>
             </a:lvl7pPr>
-            <a:lvl8pPr marL="2743132" lvl="7" indent="-223832">
+            <a:lvl8pPr marL="2743200" lvl="7" indent="-223520">
               <a:spcBef>
                 <a:spcPts val="1200"/>
               </a:spcBef>
@@ -3220,7 +3154,7 @@
               <a:buChar char="○"/>
               <a:defRPr/>
             </a:lvl8pPr>
-            <a:lvl9pPr marL="3086023" lvl="8" indent="-223832">
+            <a:lvl9pPr marL="3086100" lvl="8" indent="-223520">
               <a:spcBef>
                 <a:spcPts val="1200"/>
               </a:spcBef>
@@ -3232,9 +3166,7 @@
               <a:defRPr/>
             </a:lvl9pPr>
           </a:lstStyle>
-          <a:p>
-            <a:endParaRPr/>
-          </a:p>
+          <a:p/>
         </p:txBody>
       </p:sp>
       <p:sp>
@@ -3300,11 +3232,9 @@
           </a:lstStyle>
           <a:p>
             <a:fld id="{00000000-1234-1234-1234-123412341234}" type="slidenum">
-              <a:rPr lang="en" smtClean="0"/>
-              <a:pPr/>
-              <a:t>‹#›</a:t>
+              <a:rPr lang="en-GB" smtClean="0"/>
             </a:fld>
-            <a:endParaRPr lang="en"/>
+            <a:endParaRPr lang="en-GB"/>
           </a:p>
         </p:txBody>
       </p:sp>
@@ -3325,7 +3255,9 @@
             </a:extLst>
           </a:blip>
           <a:srcRect r="70202" b="2132"/>
-          <a:stretch/>
+          <a:stretch>
+            <a:fillRect/>
+          </a:stretch>
         </p:blipFill>
         <p:spPr>
           <a:xfrm>
@@ -3583,9 +3515,7 @@
               <a:defRPr sz="1800"/>
             </a:lvl9pPr>
           </a:lstStyle>
-          <a:p>
-            <a:endParaRPr/>
-          </a:p>
+          <a:p/>
         </p:txBody>
       </p:sp>
       <p:sp>
@@ -3610,7 +3540,7 @@
         <p:txBody>
           <a:bodyPr spcFirstLastPara="1" wrap="square" lIns="91425" tIns="91425" rIns="91425" bIns="91425" anchor="t" anchorCtr="0"/>
           <a:lstStyle>
-            <a:lvl1pPr marL="342892" lvl="0" indent="-233357">
+            <a:lvl1pPr marL="342900" lvl="0" indent="-233045">
               <a:spcBef>
                 <a:spcPts val="0"/>
               </a:spcBef>
@@ -3621,7 +3551,7 @@
               <a:buChar char="●"/>
               <a:defRPr/>
             </a:lvl1pPr>
-            <a:lvl2pPr marL="685783" lvl="1" indent="-223832">
+            <a:lvl2pPr marL="685800" lvl="1" indent="-223520">
               <a:spcBef>
                 <a:spcPts val="1200"/>
               </a:spcBef>
@@ -3632,7 +3562,7 @@
               <a:buChar char="○"/>
               <a:defRPr/>
             </a:lvl2pPr>
-            <a:lvl3pPr marL="1028675" lvl="2" indent="-223832">
+            <a:lvl3pPr marL="1028700" lvl="2" indent="-223520">
               <a:spcBef>
                 <a:spcPts val="1200"/>
               </a:spcBef>
@@ -3643,7 +3573,7 @@
               <a:buChar char="■"/>
               <a:defRPr/>
             </a:lvl3pPr>
-            <a:lvl4pPr marL="1371566" lvl="3" indent="-223832">
+            <a:lvl4pPr marL="1371600" lvl="3" indent="-223520">
               <a:spcBef>
                 <a:spcPts val="1200"/>
               </a:spcBef>
@@ -3654,7 +3584,7 @@
               <a:buChar char="●"/>
               <a:defRPr/>
             </a:lvl4pPr>
-            <a:lvl5pPr marL="1714457" lvl="4" indent="-223832">
+            <a:lvl5pPr marL="1714500" lvl="4" indent="-223520">
               <a:spcBef>
                 <a:spcPts val="1200"/>
               </a:spcBef>
@@ -3665,7 +3595,7 @@
               <a:buChar char="○"/>
               <a:defRPr/>
             </a:lvl5pPr>
-            <a:lvl6pPr marL="2057348" lvl="5" indent="-223832">
+            <a:lvl6pPr marL="2057400" lvl="5" indent="-223520">
               <a:spcBef>
                 <a:spcPts val="1200"/>
               </a:spcBef>
@@ -3676,7 +3606,7 @@
               <a:buChar char="■"/>
               <a:defRPr/>
             </a:lvl6pPr>
-            <a:lvl7pPr marL="2400240" lvl="6" indent="-223832">
+            <a:lvl7pPr marL="2400300" lvl="6" indent="-223520">
               <a:spcBef>
                 <a:spcPts val="1200"/>
               </a:spcBef>
@@ -3687,7 +3617,7 @@
               <a:buChar char="●"/>
               <a:defRPr/>
             </a:lvl7pPr>
-            <a:lvl8pPr marL="2743132" lvl="7" indent="-223832">
+            <a:lvl8pPr marL="2743200" lvl="7" indent="-223520">
               <a:spcBef>
                 <a:spcPts val="1200"/>
               </a:spcBef>
@@ -3698,7 +3628,7 @@
               <a:buChar char="○"/>
               <a:defRPr/>
             </a:lvl8pPr>
-            <a:lvl9pPr marL="3086023" lvl="8" indent="-223832">
+            <a:lvl9pPr marL="3086100" lvl="8" indent="-223520">
               <a:spcBef>
                 <a:spcPts val="1200"/>
               </a:spcBef>
@@ -3710,9 +3640,7 @@
               <a:defRPr/>
             </a:lvl9pPr>
           </a:lstStyle>
-          <a:p>
-            <a:endParaRPr/>
-          </a:p>
+          <a:p/>
         </p:txBody>
       </p:sp>
       <p:sp>
@@ -3778,11 +3706,9 @@
           </a:lstStyle>
           <a:p>
             <a:fld id="{00000000-1234-1234-1234-123412341234}" type="slidenum">
-              <a:rPr lang="en" smtClean="0"/>
-              <a:pPr/>
-              <a:t>‹#›</a:t>
+              <a:rPr lang="en-GB" smtClean="0"/>
             </a:fld>
-            <a:endParaRPr lang="en"/>
+            <a:endParaRPr lang="en-GB"/>
           </a:p>
         </p:txBody>
       </p:sp>
@@ -3803,7 +3729,9 @@
             </a:extLst>
           </a:blip>
           <a:srcRect r="70202" b="2132"/>
-          <a:stretch/>
+          <a:stretch>
+            <a:fillRect/>
+          </a:stretch>
         </p:blipFill>
         <p:spPr>
           <a:xfrm>
@@ -4765,9 +4693,7 @@
               <a:defRPr/>
             </a:lvl9pPr>
           </a:lstStyle>
-          <a:p>
-            <a:endParaRPr/>
-          </a:p>
+          <a:p/>
         </p:txBody>
       </p:sp>
       <p:sp>
@@ -4833,11 +4759,9 @@
           </a:lstStyle>
           <a:p>
             <a:fld id="{00000000-1234-1234-1234-123412341234}" type="slidenum">
-              <a:rPr lang="en" smtClean="0"/>
-              <a:pPr/>
-              <a:t>‹#›</a:t>
+              <a:rPr lang="en-GB" smtClean="0"/>
             </a:fld>
-            <a:endParaRPr lang="en"/>
+            <a:endParaRPr lang="en-GB"/>
           </a:p>
         </p:txBody>
       </p:sp>
@@ -5087,9 +5011,7 @@
               <a:defRPr sz="1800"/>
             </a:lvl9pPr>
           </a:lstStyle>
-          <a:p>
-            <a:endParaRPr/>
-          </a:p>
+          <a:p/>
         </p:txBody>
       </p:sp>
       <p:sp>
@@ -5241,9 +5163,7 @@
               <a:defRPr sz="975"/>
             </a:lvl9pPr>
           </a:lstStyle>
-          <a:p>
-            <a:endParaRPr/>
-          </a:p>
+          <a:p/>
         </p:txBody>
       </p:sp>
       <p:sp>
@@ -5268,7 +5188,7 @@
         <p:txBody>
           <a:bodyPr spcFirstLastPara="1" wrap="square" lIns="91425" tIns="91425" rIns="91425" bIns="91425" anchor="t" anchorCtr="0"/>
           <a:lstStyle>
-            <a:lvl1pPr marL="342892" lvl="0" indent="-233357">
+            <a:lvl1pPr marL="342900" lvl="0" indent="-233045">
               <a:spcBef>
                 <a:spcPts val="0"/>
               </a:spcBef>
@@ -5279,7 +5199,7 @@
               <a:buChar char="●"/>
               <a:defRPr/>
             </a:lvl1pPr>
-            <a:lvl2pPr marL="685783" lvl="1" indent="-223832">
+            <a:lvl2pPr marL="685800" lvl="1" indent="-223520">
               <a:spcBef>
                 <a:spcPts val="1200"/>
               </a:spcBef>
@@ -5290,7 +5210,7 @@
               <a:buChar char="○"/>
               <a:defRPr/>
             </a:lvl2pPr>
-            <a:lvl3pPr marL="1028675" lvl="2" indent="-223832">
+            <a:lvl3pPr marL="1028700" lvl="2" indent="-223520">
               <a:spcBef>
                 <a:spcPts val="1200"/>
               </a:spcBef>
@@ -5301,7 +5221,7 @@
               <a:buChar char="■"/>
               <a:defRPr/>
             </a:lvl3pPr>
-            <a:lvl4pPr marL="1371566" lvl="3" indent="-223832">
+            <a:lvl4pPr marL="1371600" lvl="3" indent="-223520">
               <a:spcBef>
                 <a:spcPts val="1200"/>
               </a:spcBef>
@@ -5312,7 +5232,7 @@
               <a:buChar char="●"/>
               <a:defRPr/>
             </a:lvl4pPr>
-            <a:lvl5pPr marL="1714457" lvl="4" indent="-223832">
+            <a:lvl5pPr marL="1714500" lvl="4" indent="-223520">
               <a:spcBef>
                 <a:spcPts val="1200"/>
               </a:spcBef>
@@ -5323,7 +5243,7 @@
               <a:buChar char="○"/>
               <a:defRPr/>
             </a:lvl5pPr>
-            <a:lvl6pPr marL="2057348" lvl="5" indent="-223832">
+            <a:lvl6pPr marL="2057400" lvl="5" indent="-223520">
               <a:spcBef>
                 <a:spcPts val="1200"/>
               </a:spcBef>
@@ -5334,7 +5254,7 @@
               <a:buChar char="■"/>
               <a:defRPr/>
             </a:lvl6pPr>
-            <a:lvl7pPr marL="2400240" lvl="6" indent="-223832">
+            <a:lvl7pPr marL="2400300" lvl="6" indent="-223520">
               <a:spcBef>
                 <a:spcPts val="1200"/>
               </a:spcBef>
@@ -5345,7 +5265,7 @@
               <a:buChar char="●"/>
               <a:defRPr/>
             </a:lvl7pPr>
-            <a:lvl8pPr marL="2743132" lvl="7" indent="-223832">
+            <a:lvl8pPr marL="2743200" lvl="7" indent="-223520">
               <a:spcBef>
                 <a:spcPts val="1200"/>
               </a:spcBef>
@@ -5356,7 +5276,7 @@
               <a:buChar char="○"/>
               <a:defRPr/>
             </a:lvl8pPr>
-            <a:lvl9pPr marL="3086023" lvl="8" indent="-223832">
+            <a:lvl9pPr marL="3086100" lvl="8" indent="-223520">
               <a:spcBef>
                 <a:spcPts val="1200"/>
               </a:spcBef>
@@ -5368,9 +5288,7 @@
               <a:defRPr/>
             </a:lvl9pPr>
           </a:lstStyle>
-          <a:p>
-            <a:endParaRPr/>
-          </a:p>
+          <a:p/>
         </p:txBody>
       </p:sp>
       <p:sp>
@@ -5436,11 +5354,9 @@
           </a:lstStyle>
           <a:p>
             <a:fld id="{00000000-1234-1234-1234-123412341234}" type="slidenum">
-              <a:rPr lang="en" smtClean="0"/>
-              <a:pPr/>
-              <a:t>‹#›</a:t>
+              <a:rPr lang="en-GB" smtClean="0"/>
             </a:fld>
-            <a:endParaRPr lang="en"/>
+            <a:endParaRPr lang="en-GB"/>
           </a:p>
         </p:txBody>
       </p:sp>
@@ -5461,7 +5377,9 @@
             </a:extLst>
           </a:blip>
           <a:srcRect r="70202" b="2132"/>
-          <a:stretch/>
+          <a:stretch>
+            <a:fillRect/>
+          </a:stretch>
         </p:blipFill>
         <p:spPr>
           <a:xfrm>
@@ -5623,7 +5541,7 @@
         <p:txBody>
           <a:bodyPr spcFirstLastPara="1" wrap="square" lIns="91425" tIns="91425" rIns="91425" bIns="91425" anchor="ctr" anchorCtr="0"/>
           <a:lstStyle>
-            <a:lvl1pPr marL="342892" lvl="0" indent="-171446">
+            <a:lvl1pPr marL="342900" lvl="0" indent="-171450">
               <a:lnSpc>
                 <a:spcPct val="100000"/>
               </a:lnSpc>
@@ -5638,9 +5556,7 @@
               <a:defRPr/>
             </a:lvl1pPr>
           </a:lstStyle>
-          <a:p>
-            <a:endParaRPr/>
-          </a:p>
+          <a:p/>
         </p:txBody>
       </p:sp>
       <p:sp>
@@ -5706,11 +5622,9 @@
           </a:lstStyle>
           <a:p>
             <a:fld id="{00000000-1234-1234-1234-123412341234}" type="slidenum">
-              <a:rPr lang="en" smtClean="0"/>
-              <a:pPr/>
-              <a:t>‹#›</a:t>
+              <a:rPr lang="en-GB" smtClean="0"/>
             </a:fld>
-            <a:endParaRPr lang="en"/>
+            <a:endParaRPr lang="en-GB"/>
           </a:p>
         </p:txBody>
       </p:sp>
@@ -6693,7 +6607,7 @@
         <p:txBody>
           <a:bodyPr spcFirstLastPara="1" wrap="square" lIns="91425" tIns="91425" rIns="91425" bIns="91425" anchor="t" anchorCtr="0"/>
           <a:lstStyle>
-            <a:lvl1pPr marL="342892" lvl="0" indent="-233357">
+            <a:lvl1pPr marL="342900" lvl="0" indent="-233045">
               <a:spcBef>
                 <a:spcPts val="0"/>
               </a:spcBef>
@@ -6704,7 +6618,7 @@
               <a:buChar char="●"/>
               <a:defRPr/>
             </a:lvl1pPr>
-            <a:lvl2pPr marL="685783" lvl="1" indent="-223832">
+            <a:lvl2pPr marL="685800" lvl="1" indent="-223520">
               <a:spcBef>
                 <a:spcPts val="1200"/>
               </a:spcBef>
@@ -6715,7 +6629,7 @@
               <a:buChar char="○"/>
               <a:defRPr/>
             </a:lvl2pPr>
-            <a:lvl3pPr marL="1028675" lvl="2" indent="-223832">
+            <a:lvl3pPr marL="1028700" lvl="2" indent="-223520">
               <a:spcBef>
                 <a:spcPts val="1200"/>
               </a:spcBef>
@@ -6726,7 +6640,7 @@
               <a:buChar char="■"/>
               <a:defRPr/>
             </a:lvl3pPr>
-            <a:lvl4pPr marL="1371566" lvl="3" indent="-223832">
+            <a:lvl4pPr marL="1371600" lvl="3" indent="-223520">
               <a:spcBef>
                 <a:spcPts val="1200"/>
               </a:spcBef>
@@ -6737,7 +6651,7 @@
               <a:buChar char="●"/>
               <a:defRPr/>
             </a:lvl4pPr>
-            <a:lvl5pPr marL="1714457" lvl="4" indent="-223832">
+            <a:lvl5pPr marL="1714500" lvl="4" indent="-223520">
               <a:spcBef>
                 <a:spcPts val="1200"/>
               </a:spcBef>
@@ -6748,7 +6662,7 @@
               <a:buChar char="○"/>
               <a:defRPr/>
             </a:lvl5pPr>
-            <a:lvl6pPr marL="2057348" lvl="5" indent="-223832">
+            <a:lvl6pPr marL="2057400" lvl="5" indent="-223520">
               <a:spcBef>
                 <a:spcPts val="1200"/>
               </a:spcBef>
@@ -6759,7 +6673,7 @@
               <a:buChar char="■"/>
               <a:defRPr/>
             </a:lvl6pPr>
-            <a:lvl7pPr marL="2400240" lvl="6" indent="-223832">
+            <a:lvl7pPr marL="2400300" lvl="6" indent="-223520">
               <a:spcBef>
                 <a:spcPts val="1200"/>
               </a:spcBef>
@@ -6770,7 +6684,7 @@
               <a:buChar char="●"/>
               <a:defRPr/>
             </a:lvl7pPr>
-            <a:lvl8pPr marL="2743132" lvl="7" indent="-223832">
+            <a:lvl8pPr marL="2743200" lvl="7" indent="-223520">
               <a:spcBef>
                 <a:spcPts val="1200"/>
               </a:spcBef>
@@ -6781,7 +6695,7 @@
               <a:buChar char="○"/>
               <a:defRPr/>
             </a:lvl8pPr>
-            <a:lvl9pPr marL="3086023" lvl="8" indent="-223832">
+            <a:lvl9pPr marL="3086100" lvl="8" indent="-223520">
               <a:spcBef>
                 <a:spcPts val="1200"/>
               </a:spcBef>
@@ -6793,9 +6707,7 @@
               <a:defRPr/>
             </a:lvl9pPr>
           </a:lstStyle>
-          <a:p>
-            <a:endParaRPr/>
-          </a:p>
+          <a:p/>
         </p:txBody>
       </p:sp>
       <p:sp>
@@ -6861,11 +6773,9 @@
           </a:lstStyle>
           <a:p>
             <a:fld id="{00000000-1234-1234-1234-123412341234}" type="slidenum">
-              <a:rPr lang="en" smtClean="0"/>
-              <a:pPr/>
-              <a:t>‹#›</a:t>
+              <a:rPr lang="en-GB" smtClean="0"/>
             </a:fld>
-            <a:endParaRPr lang="en"/>
+            <a:endParaRPr lang="en-GB"/>
           </a:p>
         </p:txBody>
       </p:sp>
@@ -6878,7 +6788,7 @@
 </file>
 
 <file path=ppt/slideLayouts/slideLayout9.xml><?xml version="1.0" encoding="utf-8"?>
-<p:sldLayout xmlns:a="http://schemas.openxmlformats.org/drawingml/2006/main" xmlns:r="http://schemas.openxmlformats.org/officeDocument/2006/relationships" xmlns:p="http://schemas.openxmlformats.org/presentationml/2006/main" matchingName="Blank" type="blank">
+<p:sldLayout xmlns:a="http://schemas.openxmlformats.org/drawingml/2006/main" xmlns:r="http://schemas.openxmlformats.org/officeDocument/2006/relationships" xmlns:p="http://schemas.openxmlformats.org/presentationml/2006/main" type="blank" matchingName="Blank">
   <p:cSld name="BLANK">
     <p:spTree>
       <p:nvGrpSpPr>
@@ -6957,11 +6867,9 @@
           </a:lstStyle>
           <a:p>
             <a:fld id="{00000000-1234-1234-1234-123412341234}" type="slidenum">
-              <a:rPr lang="en" smtClean="0"/>
-              <a:pPr/>
-              <a:t>‹#›</a:t>
+              <a:rPr lang="en-GB" smtClean="0"/>
             </a:fld>
-            <a:endParaRPr lang="en"/>
+            <a:endParaRPr lang="en-GB"/>
           </a:p>
         </p:txBody>
       </p:sp>
@@ -6975,7 +6883,7 @@
 
 <file path=ppt/slideMasters/slideMaster1.xml><?xml version="1.0" encoding="utf-8"?>
 <p:sldMaster xmlns:a="http://schemas.openxmlformats.org/drawingml/2006/main" xmlns:r="http://schemas.openxmlformats.org/officeDocument/2006/relationships" xmlns:p="http://schemas.openxmlformats.org/presentationml/2006/main">
-  <p:cSld name="focus">
+  <p:cSld>
     <p:bg>
       <p:bgPr>
         <a:solidFill>
@@ -7035,16 +6943,16 @@
                 <a:schemeClr val="lt1"/>
               </a:buClr>
               <a:buSzPts val="2800"/>
-              <a:buFont typeface="Montserrat"/>
+              <a:buFont typeface="Montserrat" panose="00000500000000000000"/>
               <a:buNone/>
               <a:defRPr sz="2800">
                 <a:solidFill>
                   <a:schemeClr val="lt1"/>
                 </a:solidFill>
-                <a:latin typeface="Montserrat"/>
-                <a:ea typeface="Montserrat"/>
-                <a:cs typeface="Montserrat"/>
-                <a:sym typeface="Montserrat"/>
+                <a:latin typeface="Montserrat" panose="00000500000000000000"/>
+                <a:ea typeface="Montserrat" panose="00000500000000000000"/>
+                <a:cs typeface="Montserrat" panose="00000500000000000000"/>
+                <a:sym typeface="Montserrat" panose="00000500000000000000"/>
               </a:defRPr>
             </a:lvl1pPr>
             <a:lvl2pPr lvl="1">
@@ -7058,16 +6966,16 @@
                 <a:schemeClr val="lt1"/>
               </a:buClr>
               <a:buSzPts val="2800"/>
-              <a:buFont typeface="Montserrat"/>
+              <a:buFont typeface="Montserrat" panose="00000500000000000000"/>
               <a:buNone/>
               <a:defRPr sz="2800">
                 <a:solidFill>
                   <a:schemeClr val="lt1"/>
                 </a:solidFill>
-                <a:latin typeface="Montserrat"/>
-                <a:ea typeface="Montserrat"/>
-                <a:cs typeface="Montserrat"/>
-                <a:sym typeface="Montserrat"/>
+                <a:latin typeface="Montserrat" panose="00000500000000000000"/>
+                <a:ea typeface="Montserrat" panose="00000500000000000000"/>
+                <a:cs typeface="Montserrat" panose="00000500000000000000"/>
+                <a:sym typeface="Montserrat" panose="00000500000000000000"/>
               </a:defRPr>
             </a:lvl2pPr>
             <a:lvl3pPr lvl="2">
@@ -7081,16 +6989,16 @@
                 <a:schemeClr val="lt1"/>
               </a:buClr>
               <a:buSzPts val="2800"/>
-              <a:buFont typeface="Montserrat"/>
+              <a:buFont typeface="Montserrat" panose="00000500000000000000"/>
               <a:buNone/>
               <a:defRPr sz="2800">
                 <a:solidFill>
                   <a:schemeClr val="lt1"/>
                 </a:solidFill>
-                <a:latin typeface="Montserrat"/>
-                <a:ea typeface="Montserrat"/>
-                <a:cs typeface="Montserrat"/>
-                <a:sym typeface="Montserrat"/>
+                <a:latin typeface="Montserrat" panose="00000500000000000000"/>
+                <a:ea typeface="Montserrat" panose="00000500000000000000"/>
+                <a:cs typeface="Montserrat" panose="00000500000000000000"/>
+                <a:sym typeface="Montserrat" panose="00000500000000000000"/>
               </a:defRPr>
             </a:lvl3pPr>
             <a:lvl4pPr lvl="3">
@@ -7104,16 +7012,16 @@
                 <a:schemeClr val="lt1"/>
               </a:buClr>
               <a:buSzPts val="2800"/>
-              <a:buFont typeface="Montserrat"/>
+              <a:buFont typeface="Montserrat" panose="00000500000000000000"/>
               <a:buNone/>
               <a:defRPr sz="2800">
                 <a:solidFill>
                   <a:schemeClr val="lt1"/>
                 </a:solidFill>
-                <a:latin typeface="Montserrat"/>
-                <a:ea typeface="Montserrat"/>
-                <a:cs typeface="Montserrat"/>
-                <a:sym typeface="Montserrat"/>
+                <a:latin typeface="Montserrat" panose="00000500000000000000"/>
+                <a:ea typeface="Montserrat" panose="00000500000000000000"/>
+                <a:cs typeface="Montserrat" panose="00000500000000000000"/>
+                <a:sym typeface="Montserrat" panose="00000500000000000000"/>
               </a:defRPr>
             </a:lvl4pPr>
             <a:lvl5pPr lvl="4">
@@ -7127,16 +7035,16 @@
                 <a:schemeClr val="lt1"/>
               </a:buClr>
               <a:buSzPts val="2800"/>
-              <a:buFont typeface="Montserrat"/>
+              <a:buFont typeface="Montserrat" panose="00000500000000000000"/>
               <a:buNone/>
               <a:defRPr sz="2800">
                 <a:solidFill>
                   <a:schemeClr val="lt1"/>
                 </a:solidFill>
-                <a:latin typeface="Montserrat"/>
-                <a:ea typeface="Montserrat"/>
-                <a:cs typeface="Montserrat"/>
-                <a:sym typeface="Montserrat"/>
+                <a:latin typeface="Montserrat" panose="00000500000000000000"/>
+                <a:ea typeface="Montserrat" panose="00000500000000000000"/>
+                <a:cs typeface="Montserrat" panose="00000500000000000000"/>
+                <a:sym typeface="Montserrat" panose="00000500000000000000"/>
               </a:defRPr>
             </a:lvl5pPr>
             <a:lvl6pPr lvl="5">
@@ -7150,16 +7058,16 @@
                 <a:schemeClr val="lt1"/>
               </a:buClr>
               <a:buSzPts val="2800"/>
-              <a:buFont typeface="Montserrat"/>
+              <a:buFont typeface="Montserrat" panose="00000500000000000000"/>
               <a:buNone/>
               <a:defRPr sz="2800">
                 <a:solidFill>
                   <a:schemeClr val="lt1"/>
                 </a:solidFill>
-                <a:latin typeface="Montserrat"/>
-                <a:ea typeface="Montserrat"/>
-                <a:cs typeface="Montserrat"/>
-                <a:sym typeface="Montserrat"/>
+                <a:latin typeface="Montserrat" panose="00000500000000000000"/>
+                <a:ea typeface="Montserrat" panose="00000500000000000000"/>
+                <a:cs typeface="Montserrat" panose="00000500000000000000"/>
+                <a:sym typeface="Montserrat" panose="00000500000000000000"/>
               </a:defRPr>
             </a:lvl6pPr>
             <a:lvl7pPr lvl="6">
@@ -7173,16 +7081,16 @@
                 <a:schemeClr val="lt1"/>
               </a:buClr>
               <a:buSzPts val="2800"/>
-              <a:buFont typeface="Montserrat"/>
+              <a:buFont typeface="Montserrat" panose="00000500000000000000"/>
               <a:buNone/>
               <a:defRPr sz="2800">
                 <a:solidFill>
                   <a:schemeClr val="lt1"/>
                 </a:solidFill>
-                <a:latin typeface="Montserrat"/>
-                <a:ea typeface="Montserrat"/>
-                <a:cs typeface="Montserrat"/>
-                <a:sym typeface="Montserrat"/>
+                <a:latin typeface="Montserrat" panose="00000500000000000000"/>
+                <a:ea typeface="Montserrat" panose="00000500000000000000"/>
+                <a:cs typeface="Montserrat" panose="00000500000000000000"/>
+                <a:sym typeface="Montserrat" panose="00000500000000000000"/>
               </a:defRPr>
             </a:lvl7pPr>
             <a:lvl8pPr lvl="7">
@@ -7196,16 +7104,16 @@
                 <a:schemeClr val="lt1"/>
               </a:buClr>
               <a:buSzPts val="2800"/>
-              <a:buFont typeface="Montserrat"/>
+              <a:buFont typeface="Montserrat" panose="00000500000000000000"/>
               <a:buNone/>
               <a:defRPr sz="2800">
                 <a:solidFill>
                   <a:schemeClr val="lt1"/>
                 </a:solidFill>
-                <a:latin typeface="Montserrat"/>
-                <a:ea typeface="Montserrat"/>
-                <a:cs typeface="Montserrat"/>
-                <a:sym typeface="Montserrat"/>
+                <a:latin typeface="Montserrat" panose="00000500000000000000"/>
+                <a:ea typeface="Montserrat" panose="00000500000000000000"/>
+                <a:cs typeface="Montserrat" panose="00000500000000000000"/>
+                <a:sym typeface="Montserrat" panose="00000500000000000000"/>
               </a:defRPr>
             </a:lvl8pPr>
             <a:lvl9pPr lvl="8">
@@ -7219,22 +7127,20 @@
                 <a:schemeClr val="lt1"/>
               </a:buClr>
               <a:buSzPts val="2800"/>
-              <a:buFont typeface="Montserrat"/>
+              <a:buFont typeface="Montserrat" panose="00000500000000000000"/>
               <a:buNone/>
               <a:defRPr sz="2800">
                 <a:solidFill>
                   <a:schemeClr val="lt1"/>
                 </a:solidFill>
-                <a:latin typeface="Montserrat"/>
-                <a:ea typeface="Montserrat"/>
-                <a:cs typeface="Montserrat"/>
-                <a:sym typeface="Montserrat"/>
+                <a:latin typeface="Montserrat" panose="00000500000000000000"/>
+                <a:ea typeface="Montserrat" panose="00000500000000000000"/>
+                <a:cs typeface="Montserrat" panose="00000500000000000000"/>
+                <a:sym typeface="Montserrat" panose="00000500000000000000"/>
               </a:defRPr>
             </a:lvl9pPr>
           </a:lstStyle>
-          <a:p>
-            <a:endParaRPr/>
-          </a:p>
+          <a:p/>
         </p:txBody>
       </p:sp>
       <p:sp>
@@ -7277,16 +7183,16 @@
                 <a:schemeClr val="lt1"/>
               </a:buClr>
               <a:buSzPts val="1300"/>
-              <a:buFont typeface="Lato"/>
+              <a:buFont typeface="Lato" panose="020F0502020204030203"/>
               <a:buChar char="●"/>
               <a:defRPr sz="1300">
                 <a:solidFill>
                   <a:schemeClr val="lt1"/>
                 </a:solidFill>
-                <a:latin typeface="Lato"/>
-                <a:ea typeface="Lato"/>
-                <a:cs typeface="Lato"/>
-                <a:sym typeface="Lato"/>
+                <a:latin typeface="Lato" panose="020F0502020204030203"/>
+                <a:ea typeface="Lato" panose="020F0502020204030203"/>
+                <a:cs typeface="Lato" panose="020F0502020204030203"/>
+                <a:sym typeface="Lato" panose="020F0502020204030203"/>
               </a:defRPr>
             </a:lvl1pPr>
             <a:lvl2pPr marL="914400" lvl="1" indent="-298450">
@@ -7303,16 +7209,16 @@
                 <a:schemeClr val="lt1"/>
               </a:buClr>
               <a:buSzPts val="1100"/>
-              <a:buFont typeface="Lato"/>
+              <a:buFont typeface="Lato" panose="020F0502020204030203"/>
               <a:buChar char="○"/>
               <a:defRPr sz="1100">
                 <a:solidFill>
                   <a:schemeClr val="lt1"/>
                 </a:solidFill>
-                <a:latin typeface="Lato"/>
-                <a:ea typeface="Lato"/>
-                <a:cs typeface="Lato"/>
-                <a:sym typeface="Lato"/>
+                <a:latin typeface="Lato" panose="020F0502020204030203"/>
+                <a:ea typeface="Lato" panose="020F0502020204030203"/>
+                <a:cs typeface="Lato" panose="020F0502020204030203"/>
+                <a:sym typeface="Lato" panose="020F0502020204030203"/>
               </a:defRPr>
             </a:lvl2pPr>
             <a:lvl3pPr marL="1371600" lvl="2" indent="-298450">
@@ -7329,16 +7235,16 @@
                 <a:schemeClr val="lt1"/>
               </a:buClr>
               <a:buSzPts val="1100"/>
-              <a:buFont typeface="Lato"/>
+              <a:buFont typeface="Lato" panose="020F0502020204030203"/>
               <a:buChar char="■"/>
               <a:defRPr sz="1100">
                 <a:solidFill>
                   <a:schemeClr val="lt1"/>
                 </a:solidFill>
-                <a:latin typeface="Lato"/>
-                <a:ea typeface="Lato"/>
-                <a:cs typeface="Lato"/>
-                <a:sym typeface="Lato"/>
+                <a:latin typeface="Lato" panose="020F0502020204030203"/>
+                <a:ea typeface="Lato" panose="020F0502020204030203"/>
+                <a:cs typeface="Lato" panose="020F0502020204030203"/>
+                <a:sym typeface="Lato" panose="020F0502020204030203"/>
               </a:defRPr>
             </a:lvl3pPr>
             <a:lvl4pPr marL="1828800" lvl="3" indent="-298450">
@@ -7355,16 +7261,16 @@
                 <a:schemeClr val="lt1"/>
               </a:buClr>
               <a:buSzPts val="1100"/>
-              <a:buFont typeface="Lato"/>
+              <a:buFont typeface="Lato" panose="020F0502020204030203"/>
               <a:buChar char="●"/>
               <a:defRPr sz="1100">
                 <a:solidFill>
                   <a:schemeClr val="lt1"/>
                 </a:solidFill>
-                <a:latin typeface="Lato"/>
-                <a:ea typeface="Lato"/>
-                <a:cs typeface="Lato"/>
-                <a:sym typeface="Lato"/>
+                <a:latin typeface="Lato" panose="020F0502020204030203"/>
+                <a:ea typeface="Lato" panose="020F0502020204030203"/>
+                <a:cs typeface="Lato" panose="020F0502020204030203"/>
+                <a:sym typeface="Lato" panose="020F0502020204030203"/>
               </a:defRPr>
             </a:lvl4pPr>
             <a:lvl5pPr marL="2286000" lvl="4" indent="-298450">
@@ -7381,16 +7287,16 @@
                 <a:schemeClr val="lt1"/>
               </a:buClr>
               <a:buSzPts val="1100"/>
-              <a:buFont typeface="Lato"/>
+              <a:buFont typeface="Lato" panose="020F0502020204030203"/>
               <a:buChar char="○"/>
               <a:defRPr sz="1100">
                 <a:solidFill>
                   <a:schemeClr val="lt1"/>
                 </a:solidFill>
-                <a:latin typeface="Lato"/>
-                <a:ea typeface="Lato"/>
-                <a:cs typeface="Lato"/>
-                <a:sym typeface="Lato"/>
+                <a:latin typeface="Lato" panose="020F0502020204030203"/>
+                <a:ea typeface="Lato" panose="020F0502020204030203"/>
+                <a:cs typeface="Lato" panose="020F0502020204030203"/>
+                <a:sym typeface="Lato" panose="020F0502020204030203"/>
               </a:defRPr>
             </a:lvl5pPr>
             <a:lvl6pPr marL="2743200" lvl="5" indent="-298450">
@@ -7407,16 +7313,16 @@
                 <a:schemeClr val="lt1"/>
               </a:buClr>
               <a:buSzPts val="1100"/>
-              <a:buFont typeface="Lato"/>
+              <a:buFont typeface="Lato" panose="020F0502020204030203"/>
               <a:buChar char="■"/>
               <a:defRPr sz="1100">
                 <a:solidFill>
                   <a:schemeClr val="lt1"/>
                 </a:solidFill>
-                <a:latin typeface="Lato"/>
-                <a:ea typeface="Lato"/>
-                <a:cs typeface="Lato"/>
-                <a:sym typeface="Lato"/>
+                <a:latin typeface="Lato" panose="020F0502020204030203"/>
+                <a:ea typeface="Lato" panose="020F0502020204030203"/>
+                <a:cs typeface="Lato" panose="020F0502020204030203"/>
+                <a:sym typeface="Lato" panose="020F0502020204030203"/>
               </a:defRPr>
             </a:lvl6pPr>
             <a:lvl7pPr marL="3200400" lvl="6" indent="-298450">
@@ -7433,16 +7339,16 @@
                 <a:schemeClr val="lt1"/>
               </a:buClr>
               <a:buSzPts val="1100"/>
-              <a:buFont typeface="Lato"/>
+              <a:buFont typeface="Lato" panose="020F0502020204030203"/>
               <a:buChar char="●"/>
               <a:defRPr sz="1100">
                 <a:solidFill>
                   <a:schemeClr val="lt1"/>
                 </a:solidFill>
-                <a:latin typeface="Lato"/>
-                <a:ea typeface="Lato"/>
-                <a:cs typeface="Lato"/>
-                <a:sym typeface="Lato"/>
+                <a:latin typeface="Lato" panose="020F0502020204030203"/>
+                <a:ea typeface="Lato" panose="020F0502020204030203"/>
+                <a:cs typeface="Lato" panose="020F0502020204030203"/>
+                <a:sym typeface="Lato" panose="020F0502020204030203"/>
               </a:defRPr>
             </a:lvl7pPr>
             <a:lvl8pPr marL="3657600" lvl="7" indent="-298450">
@@ -7459,16 +7365,16 @@
                 <a:schemeClr val="lt1"/>
               </a:buClr>
               <a:buSzPts val="1100"/>
-              <a:buFont typeface="Lato"/>
+              <a:buFont typeface="Lato" panose="020F0502020204030203"/>
               <a:buChar char="○"/>
               <a:defRPr sz="1100">
                 <a:solidFill>
                   <a:schemeClr val="lt1"/>
                 </a:solidFill>
-                <a:latin typeface="Lato"/>
-                <a:ea typeface="Lato"/>
-                <a:cs typeface="Lato"/>
-                <a:sym typeface="Lato"/>
+                <a:latin typeface="Lato" panose="020F0502020204030203"/>
+                <a:ea typeface="Lato" panose="020F0502020204030203"/>
+                <a:cs typeface="Lato" panose="020F0502020204030203"/>
+                <a:sym typeface="Lato" panose="020F0502020204030203"/>
               </a:defRPr>
             </a:lvl8pPr>
             <a:lvl9pPr marL="4114800" lvl="8" indent="-298450">
@@ -7485,22 +7391,20 @@
                 <a:schemeClr val="lt1"/>
               </a:buClr>
               <a:buSzPts val="1100"/>
-              <a:buFont typeface="Lato"/>
+              <a:buFont typeface="Lato" panose="020F0502020204030203"/>
               <a:buChar char="■"/>
               <a:defRPr sz="1100">
                 <a:solidFill>
                   <a:schemeClr val="lt1"/>
                 </a:solidFill>
-                <a:latin typeface="Lato"/>
-                <a:ea typeface="Lato"/>
-                <a:cs typeface="Lato"/>
-                <a:sym typeface="Lato"/>
+                <a:latin typeface="Lato" panose="020F0502020204030203"/>
+                <a:ea typeface="Lato" panose="020F0502020204030203"/>
+                <a:cs typeface="Lato" panose="020F0502020204030203"/>
+                <a:sym typeface="Lato" panose="020F0502020204030203"/>
               </a:defRPr>
             </a:lvl9pPr>
           </a:lstStyle>
-          <a:p>
-            <a:endParaRPr/>
-          </a:p>
+          <a:p/>
         </p:txBody>
       </p:sp>
       <p:sp>
@@ -7537,10 +7441,10 @@
                 <a:solidFill>
                   <a:schemeClr val="lt1"/>
                 </a:solidFill>
-                <a:latin typeface="Lato"/>
-                <a:ea typeface="Lato"/>
-                <a:cs typeface="Lato"/>
-                <a:sym typeface="Lato"/>
+                <a:latin typeface="Lato" panose="020F0502020204030203"/>
+                <a:ea typeface="Lato" panose="020F0502020204030203"/>
+                <a:cs typeface="Lato" panose="020F0502020204030203"/>
+                <a:sym typeface="Lato" panose="020F0502020204030203"/>
               </a:defRPr>
             </a:lvl1pPr>
             <a:lvl2pPr lvl="1" algn="r">
@@ -7549,10 +7453,10 @@
                 <a:solidFill>
                   <a:schemeClr val="lt1"/>
                 </a:solidFill>
-                <a:latin typeface="Lato"/>
-                <a:ea typeface="Lato"/>
-                <a:cs typeface="Lato"/>
-                <a:sym typeface="Lato"/>
+                <a:latin typeface="Lato" panose="020F0502020204030203"/>
+                <a:ea typeface="Lato" panose="020F0502020204030203"/>
+                <a:cs typeface="Lato" panose="020F0502020204030203"/>
+                <a:sym typeface="Lato" panose="020F0502020204030203"/>
               </a:defRPr>
             </a:lvl2pPr>
             <a:lvl3pPr lvl="2" algn="r">
@@ -7561,10 +7465,10 @@
                 <a:solidFill>
                   <a:schemeClr val="lt1"/>
                 </a:solidFill>
-                <a:latin typeface="Lato"/>
-                <a:ea typeface="Lato"/>
-                <a:cs typeface="Lato"/>
-                <a:sym typeface="Lato"/>
+                <a:latin typeface="Lato" panose="020F0502020204030203"/>
+                <a:ea typeface="Lato" panose="020F0502020204030203"/>
+                <a:cs typeface="Lato" panose="020F0502020204030203"/>
+                <a:sym typeface="Lato" panose="020F0502020204030203"/>
               </a:defRPr>
             </a:lvl3pPr>
             <a:lvl4pPr lvl="3" algn="r">
@@ -7573,10 +7477,10 @@
                 <a:solidFill>
                   <a:schemeClr val="lt1"/>
                 </a:solidFill>
-                <a:latin typeface="Lato"/>
-                <a:ea typeface="Lato"/>
-                <a:cs typeface="Lato"/>
-                <a:sym typeface="Lato"/>
+                <a:latin typeface="Lato" panose="020F0502020204030203"/>
+                <a:ea typeface="Lato" panose="020F0502020204030203"/>
+                <a:cs typeface="Lato" panose="020F0502020204030203"/>
+                <a:sym typeface="Lato" panose="020F0502020204030203"/>
               </a:defRPr>
             </a:lvl4pPr>
             <a:lvl5pPr lvl="4" algn="r">
@@ -7585,10 +7489,10 @@
                 <a:solidFill>
                   <a:schemeClr val="lt1"/>
                 </a:solidFill>
-                <a:latin typeface="Lato"/>
-                <a:ea typeface="Lato"/>
-                <a:cs typeface="Lato"/>
-                <a:sym typeface="Lato"/>
+                <a:latin typeface="Lato" panose="020F0502020204030203"/>
+                <a:ea typeface="Lato" panose="020F0502020204030203"/>
+                <a:cs typeface="Lato" panose="020F0502020204030203"/>
+                <a:sym typeface="Lato" panose="020F0502020204030203"/>
               </a:defRPr>
             </a:lvl5pPr>
             <a:lvl6pPr lvl="5" algn="r">
@@ -7597,10 +7501,10 @@
                 <a:solidFill>
                   <a:schemeClr val="lt1"/>
                 </a:solidFill>
-                <a:latin typeface="Lato"/>
-                <a:ea typeface="Lato"/>
-                <a:cs typeface="Lato"/>
-                <a:sym typeface="Lato"/>
+                <a:latin typeface="Lato" panose="020F0502020204030203"/>
+                <a:ea typeface="Lato" panose="020F0502020204030203"/>
+                <a:cs typeface="Lato" panose="020F0502020204030203"/>
+                <a:sym typeface="Lato" panose="020F0502020204030203"/>
               </a:defRPr>
             </a:lvl6pPr>
             <a:lvl7pPr lvl="6" algn="r">
@@ -7609,10 +7513,10 @@
                 <a:solidFill>
                   <a:schemeClr val="lt1"/>
                 </a:solidFill>
-                <a:latin typeface="Lato"/>
-                <a:ea typeface="Lato"/>
-                <a:cs typeface="Lato"/>
-                <a:sym typeface="Lato"/>
+                <a:latin typeface="Lato" panose="020F0502020204030203"/>
+                <a:ea typeface="Lato" panose="020F0502020204030203"/>
+                <a:cs typeface="Lato" panose="020F0502020204030203"/>
+                <a:sym typeface="Lato" panose="020F0502020204030203"/>
               </a:defRPr>
             </a:lvl7pPr>
             <a:lvl8pPr lvl="7" algn="r">
@@ -7621,10 +7525,10 @@
                 <a:solidFill>
                   <a:schemeClr val="lt1"/>
                 </a:solidFill>
-                <a:latin typeface="Lato"/>
-                <a:ea typeface="Lato"/>
-                <a:cs typeface="Lato"/>
-                <a:sym typeface="Lato"/>
+                <a:latin typeface="Lato" panose="020F0502020204030203"/>
+                <a:ea typeface="Lato" panose="020F0502020204030203"/>
+                <a:cs typeface="Lato" panose="020F0502020204030203"/>
+                <a:sym typeface="Lato" panose="020F0502020204030203"/>
               </a:defRPr>
             </a:lvl8pPr>
             <a:lvl9pPr lvl="8" algn="r">
@@ -7633,20 +7537,18 @@
                 <a:solidFill>
                   <a:schemeClr val="lt1"/>
                 </a:solidFill>
-                <a:latin typeface="Lato"/>
-                <a:ea typeface="Lato"/>
-                <a:cs typeface="Lato"/>
-                <a:sym typeface="Lato"/>
+                <a:latin typeface="Lato" panose="020F0502020204030203"/>
+                <a:ea typeface="Lato" panose="020F0502020204030203"/>
+                <a:cs typeface="Lato" panose="020F0502020204030203"/>
+                <a:sym typeface="Lato" panose="020F0502020204030203"/>
               </a:defRPr>
             </a:lvl9pPr>
           </a:lstStyle>
           <a:p>
             <a:fld id="{00000000-1234-1234-1234-123412341234}" type="slidenum">
-              <a:rPr lang="en" smtClean="0"/>
-              <a:pPr/>
-              <a:t>‹#›</a:t>
+              <a:rPr lang="en-GB" smtClean="0"/>
             </a:fld>
-            <a:endParaRPr lang="en"/>
+            <a:endParaRPr lang="en-GB"/>
           </a:p>
         </p:txBody>
       </p:sp>
@@ -7654,15 +7556,15 @@
   </p:cSld>
   <p:clrMap bg1="lt1" tx1="dk1" bg2="dk2" tx2="lt2" accent1="accent1" accent2="accent2" accent3="accent3" accent4="accent4" accent5="accent5" accent6="accent6" hlink="hlink" folHlink="folHlink"/>
   <p:sldLayoutIdLst>
-    <p:sldLayoutId id="2147483648" r:id="rId1"/>
+    <p:sldLayoutId id="2147483649" r:id="rId1"/>
     <p:sldLayoutId id="2147483650" r:id="rId2"/>
     <p:sldLayoutId id="2147483651" r:id="rId3"/>
-    <p:sldLayoutId id="2147483653" r:id="rId4"/>
-    <p:sldLayoutId id="2147483654" r:id="rId5"/>
-    <p:sldLayoutId id="2147483655" r:id="rId6"/>
-    <p:sldLayoutId id="2147483656" r:id="rId7"/>
-    <p:sldLayoutId id="2147483657" r:id="rId8"/>
-    <p:sldLayoutId id="2147483658" r:id="rId9"/>
+    <p:sldLayoutId id="2147483652" r:id="rId4"/>
+    <p:sldLayoutId id="2147483653" r:id="rId5"/>
+    <p:sldLayoutId id="2147483654" r:id="rId6"/>
+    <p:sldLayoutId id="2147483655" r:id="rId7"/>
+    <p:sldLayoutId id="2147483656" r:id="rId8"/>
+    <p:sldLayoutId id="2147483657" r:id="rId9"/>
   </p:sldLayoutIdLst>
   <p:hf sldNum="0" hdr="0" ftr="0" dt="0"/>
   <p:txStyles>
@@ -7691,15 +7593,15 @@
         <a:buClr>
           <a:srgbClr val="000000"/>
         </a:buClr>
-        <a:buFont typeface="Arial"/>
+        <a:buFont typeface="Arial" panose="020B0604020202020204"/>
         <a:defRPr sz="1050" b="0" i="0" u="none" strike="noStrike" cap="none">
           <a:solidFill>
             <a:srgbClr val="000000"/>
           </a:solidFill>
-          <a:latin typeface="Arial"/>
-          <a:ea typeface="Arial"/>
-          <a:cs typeface="Arial"/>
-          <a:sym typeface="Arial"/>
+          <a:latin typeface="Arial" panose="020B0604020202020204"/>
+          <a:ea typeface="Arial" panose="020B0604020202020204"/>
+          <a:cs typeface="Arial" panose="020B0604020202020204"/>
+          <a:sym typeface="Arial" panose="020B0604020202020204"/>
         </a:defRPr>
       </a:lvl1pPr>
       <a:lvl2pPr marR="0" lvl="1" algn="l" rtl="0">
@@ -7715,15 +7617,15 @@
         <a:buClr>
           <a:srgbClr val="000000"/>
         </a:buClr>
-        <a:buFont typeface="Arial"/>
+        <a:buFont typeface="Arial" panose="020B0604020202020204"/>
         <a:defRPr sz="1050" b="0" i="0" u="none" strike="noStrike" cap="none">
           <a:solidFill>
             <a:srgbClr val="000000"/>
           </a:solidFill>
-          <a:latin typeface="Arial"/>
-          <a:ea typeface="Arial"/>
-          <a:cs typeface="Arial"/>
-          <a:sym typeface="Arial"/>
+          <a:latin typeface="Arial" panose="020B0604020202020204"/>
+          <a:ea typeface="Arial" panose="020B0604020202020204"/>
+          <a:cs typeface="Arial" panose="020B0604020202020204"/>
+          <a:sym typeface="Arial" panose="020B0604020202020204"/>
         </a:defRPr>
       </a:lvl2pPr>
       <a:lvl3pPr marR="0" lvl="2" algn="l" rtl="0">
@@ -7739,15 +7641,15 @@
         <a:buClr>
           <a:srgbClr val="000000"/>
         </a:buClr>
-        <a:buFont typeface="Arial"/>
+        <a:buFont typeface="Arial" panose="020B0604020202020204"/>
         <a:defRPr sz="1050" b="0" i="0" u="none" strike="noStrike" cap="none">
           <a:solidFill>
             <a:srgbClr val="000000"/>
           </a:solidFill>
-          <a:latin typeface="Arial"/>
-          <a:ea typeface="Arial"/>
-          <a:cs typeface="Arial"/>
-          <a:sym typeface="Arial"/>
+          <a:latin typeface="Arial" panose="020B0604020202020204"/>
+          <a:ea typeface="Arial" panose="020B0604020202020204"/>
+          <a:cs typeface="Arial" panose="020B0604020202020204"/>
+          <a:sym typeface="Arial" panose="020B0604020202020204"/>
         </a:defRPr>
       </a:lvl3pPr>
       <a:lvl4pPr marR="0" lvl="3" algn="l" rtl="0">
@@ -7763,15 +7665,15 @@
         <a:buClr>
           <a:srgbClr val="000000"/>
         </a:buClr>
-        <a:buFont typeface="Arial"/>
+        <a:buFont typeface="Arial" panose="020B0604020202020204"/>
         <a:defRPr sz="1050" b="0" i="0" u="none" strike="noStrike" cap="none">
           <a:solidFill>
             <a:srgbClr val="000000"/>
           </a:solidFill>
-          <a:latin typeface="Arial"/>
-          <a:ea typeface="Arial"/>
-          <a:cs typeface="Arial"/>
-          <a:sym typeface="Arial"/>
+          <a:latin typeface="Arial" panose="020B0604020202020204"/>
+          <a:ea typeface="Arial" panose="020B0604020202020204"/>
+          <a:cs typeface="Arial" panose="020B0604020202020204"/>
+          <a:sym typeface="Arial" panose="020B0604020202020204"/>
         </a:defRPr>
       </a:lvl4pPr>
       <a:lvl5pPr marR="0" lvl="4" algn="l" rtl="0">
@@ -7787,15 +7689,15 @@
         <a:buClr>
           <a:srgbClr val="000000"/>
         </a:buClr>
-        <a:buFont typeface="Arial"/>
+        <a:buFont typeface="Arial" panose="020B0604020202020204"/>
         <a:defRPr sz="1050" b="0" i="0" u="none" strike="noStrike" cap="none">
           <a:solidFill>
             <a:srgbClr val="000000"/>
           </a:solidFill>
-          <a:latin typeface="Arial"/>
-          <a:ea typeface="Arial"/>
-          <a:cs typeface="Arial"/>
-          <a:sym typeface="Arial"/>
+          <a:latin typeface="Arial" panose="020B0604020202020204"/>
+          <a:ea typeface="Arial" panose="020B0604020202020204"/>
+          <a:cs typeface="Arial" panose="020B0604020202020204"/>
+          <a:sym typeface="Arial" panose="020B0604020202020204"/>
         </a:defRPr>
       </a:lvl5pPr>
       <a:lvl6pPr marR="0" lvl="5" algn="l" rtl="0">
@@ -7811,15 +7713,15 @@
         <a:buClr>
           <a:srgbClr val="000000"/>
         </a:buClr>
-        <a:buFont typeface="Arial"/>
+        <a:buFont typeface="Arial" panose="020B0604020202020204"/>
         <a:defRPr sz="1050" b="0" i="0" u="none" strike="noStrike" cap="none">
           <a:solidFill>
             <a:srgbClr val="000000"/>
           </a:solidFill>
-          <a:latin typeface="Arial"/>
-          <a:ea typeface="Arial"/>
-          <a:cs typeface="Arial"/>
-          <a:sym typeface="Arial"/>
+          <a:latin typeface="Arial" panose="020B0604020202020204"/>
+          <a:ea typeface="Arial" panose="020B0604020202020204"/>
+          <a:cs typeface="Arial" panose="020B0604020202020204"/>
+          <a:sym typeface="Arial" panose="020B0604020202020204"/>
         </a:defRPr>
       </a:lvl6pPr>
       <a:lvl7pPr marR="0" lvl="6" algn="l" rtl="0">
@@ -7835,15 +7737,15 @@
         <a:buClr>
           <a:srgbClr val="000000"/>
         </a:buClr>
-        <a:buFont typeface="Arial"/>
+        <a:buFont typeface="Arial" panose="020B0604020202020204"/>
         <a:defRPr sz="1050" b="0" i="0" u="none" strike="noStrike" cap="none">
           <a:solidFill>
             <a:srgbClr val="000000"/>
           </a:solidFill>
-          <a:latin typeface="Arial"/>
-          <a:ea typeface="Arial"/>
-          <a:cs typeface="Arial"/>
-          <a:sym typeface="Arial"/>
+          <a:latin typeface="Arial" panose="020B0604020202020204"/>
+          <a:ea typeface="Arial" panose="020B0604020202020204"/>
+          <a:cs typeface="Arial" panose="020B0604020202020204"/>
+          <a:sym typeface="Arial" panose="020B0604020202020204"/>
         </a:defRPr>
       </a:lvl7pPr>
       <a:lvl8pPr marR="0" lvl="7" algn="l" rtl="0">
@@ -7859,15 +7761,15 @@
         <a:buClr>
           <a:srgbClr val="000000"/>
         </a:buClr>
-        <a:buFont typeface="Arial"/>
+        <a:buFont typeface="Arial" panose="020B0604020202020204"/>
         <a:defRPr sz="1050" b="0" i="0" u="none" strike="noStrike" cap="none">
           <a:solidFill>
             <a:srgbClr val="000000"/>
           </a:solidFill>
-          <a:latin typeface="Arial"/>
-          <a:ea typeface="Arial"/>
-          <a:cs typeface="Arial"/>
-          <a:sym typeface="Arial"/>
+          <a:latin typeface="Arial" panose="020B0604020202020204"/>
+          <a:ea typeface="Arial" panose="020B0604020202020204"/>
+          <a:cs typeface="Arial" panose="020B0604020202020204"/>
+          <a:sym typeface="Arial" panose="020B0604020202020204"/>
         </a:defRPr>
       </a:lvl8pPr>
       <a:lvl9pPr marR="0" lvl="8" algn="l" rtl="0">
@@ -7883,15 +7785,15 @@
         <a:buClr>
           <a:srgbClr val="000000"/>
         </a:buClr>
-        <a:buFont typeface="Arial"/>
+        <a:buFont typeface="Arial" panose="020B0604020202020204"/>
         <a:defRPr sz="1050" b="0" i="0" u="none" strike="noStrike" cap="none">
           <a:solidFill>
             <a:srgbClr val="000000"/>
           </a:solidFill>
-          <a:latin typeface="Arial"/>
-          <a:ea typeface="Arial"/>
-          <a:cs typeface="Arial"/>
-          <a:sym typeface="Arial"/>
+          <a:latin typeface="Arial" panose="020B0604020202020204"/>
+          <a:ea typeface="Arial" panose="020B0604020202020204"/>
+          <a:cs typeface="Arial" panose="020B0604020202020204"/>
+          <a:sym typeface="Arial" panose="020B0604020202020204"/>
         </a:defRPr>
       </a:lvl9pPr>
     </p:titleStyle>
@@ -7920,15 +7822,15 @@
         <a:buClr>
           <a:srgbClr val="000000"/>
         </a:buClr>
-        <a:buFont typeface="Arial"/>
+        <a:buFont typeface="Arial" panose="020B0604020202020204"/>
         <a:defRPr sz="1050" b="0" i="0" u="none" strike="noStrike" cap="none">
           <a:solidFill>
             <a:srgbClr val="000000"/>
           </a:solidFill>
-          <a:latin typeface="Arial"/>
-          <a:ea typeface="Arial"/>
-          <a:cs typeface="Arial"/>
-          <a:sym typeface="Arial"/>
+          <a:latin typeface="Arial" panose="020B0604020202020204"/>
+          <a:ea typeface="Arial" panose="020B0604020202020204"/>
+          <a:cs typeface="Arial" panose="020B0604020202020204"/>
+          <a:sym typeface="Arial" panose="020B0604020202020204"/>
         </a:defRPr>
       </a:lvl1pPr>
       <a:lvl2pPr marR="0" lvl="1" algn="l" rtl="0">
@@ -7944,15 +7846,15 @@
         <a:buClr>
           <a:srgbClr val="000000"/>
         </a:buClr>
-        <a:buFont typeface="Arial"/>
+        <a:buFont typeface="Arial" panose="020B0604020202020204"/>
         <a:defRPr sz="1050" b="0" i="0" u="none" strike="noStrike" cap="none">
           <a:solidFill>
             <a:srgbClr val="000000"/>
           </a:solidFill>
-          <a:latin typeface="Arial"/>
-          <a:ea typeface="Arial"/>
-          <a:cs typeface="Arial"/>
-          <a:sym typeface="Arial"/>
+          <a:latin typeface="Arial" panose="020B0604020202020204"/>
+          <a:ea typeface="Arial" panose="020B0604020202020204"/>
+          <a:cs typeface="Arial" panose="020B0604020202020204"/>
+          <a:sym typeface="Arial" panose="020B0604020202020204"/>
         </a:defRPr>
       </a:lvl2pPr>
       <a:lvl3pPr marR="0" lvl="2" algn="l" rtl="0">
@@ -7968,15 +7870,15 @@
         <a:buClr>
           <a:srgbClr val="000000"/>
         </a:buClr>
-        <a:buFont typeface="Arial"/>
+        <a:buFont typeface="Arial" panose="020B0604020202020204"/>
         <a:defRPr sz="1050" b="0" i="0" u="none" strike="noStrike" cap="none">
           <a:solidFill>
             <a:srgbClr val="000000"/>
           </a:solidFill>
-          <a:latin typeface="Arial"/>
-          <a:ea typeface="Arial"/>
-          <a:cs typeface="Arial"/>
-          <a:sym typeface="Arial"/>
+          <a:latin typeface="Arial" panose="020B0604020202020204"/>
+          <a:ea typeface="Arial" panose="020B0604020202020204"/>
+          <a:cs typeface="Arial" panose="020B0604020202020204"/>
+          <a:sym typeface="Arial" panose="020B0604020202020204"/>
         </a:defRPr>
       </a:lvl3pPr>
       <a:lvl4pPr marR="0" lvl="3" algn="l" rtl="0">
@@ -7992,15 +7894,15 @@
         <a:buClr>
           <a:srgbClr val="000000"/>
         </a:buClr>
-        <a:buFont typeface="Arial"/>
+        <a:buFont typeface="Arial" panose="020B0604020202020204"/>
         <a:defRPr sz="1050" b="0" i="0" u="none" strike="noStrike" cap="none">
           <a:solidFill>
             <a:srgbClr val="000000"/>
           </a:solidFill>
-          <a:latin typeface="Arial"/>
-          <a:ea typeface="Arial"/>
-          <a:cs typeface="Arial"/>
-          <a:sym typeface="Arial"/>
+          <a:latin typeface="Arial" panose="020B0604020202020204"/>
+          <a:ea typeface="Arial" panose="020B0604020202020204"/>
+          <a:cs typeface="Arial" panose="020B0604020202020204"/>
+          <a:sym typeface="Arial" panose="020B0604020202020204"/>
         </a:defRPr>
       </a:lvl4pPr>
       <a:lvl5pPr marR="0" lvl="4" algn="l" rtl="0">
@@ -8016,15 +7918,15 @@
         <a:buClr>
           <a:srgbClr val="000000"/>
         </a:buClr>
-        <a:buFont typeface="Arial"/>
+        <a:buFont typeface="Arial" panose="020B0604020202020204"/>
         <a:defRPr sz="1050" b="0" i="0" u="none" strike="noStrike" cap="none">
           <a:solidFill>
             <a:srgbClr val="000000"/>
           </a:solidFill>
-          <a:latin typeface="Arial"/>
-          <a:ea typeface="Arial"/>
-          <a:cs typeface="Arial"/>
-          <a:sym typeface="Arial"/>
+          <a:latin typeface="Arial" panose="020B0604020202020204"/>
+          <a:ea typeface="Arial" panose="020B0604020202020204"/>
+          <a:cs typeface="Arial" panose="020B0604020202020204"/>
+          <a:sym typeface="Arial" panose="020B0604020202020204"/>
         </a:defRPr>
       </a:lvl5pPr>
       <a:lvl6pPr marR="0" lvl="5" algn="l" rtl="0">
@@ -8040,15 +7942,15 @@
         <a:buClr>
           <a:srgbClr val="000000"/>
         </a:buClr>
-        <a:buFont typeface="Arial"/>
+        <a:buFont typeface="Arial" panose="020B0604020202020204"/>
         <a:defRPr sz="1050" b="0" i="0" u="none" strike="noStrike" cap="none">
           <a:solidFill>
             <a:srgbClr val="000000"/>
           </a:solidFill>
-          <a:latin typeface="Arial"/>
-          <a:ea typeface="Arial"/>
-          <a:cs typeface="Arial"/>
-          <a:sym typeface="Arial"/>
+          <a:latin typeface="Arial" panose="020B0604020202020204"/>
+          <a:ea typeface="Arial" panose="020B0604020202020204"/>
+          <a:cs typeface="Arial" panose="020B0604020202020204"/>
+          <a:sym typeface="Arial" panose="020B0604020202020204"/>
         </a:defRPr>
       </a:lvl6pPr>
       <a:lvl7pPr marR="0" lvl="6" algn="l" rtl="0">
@@ -8064,15 +7966,15 @@
         <a:buClr>
           <a:srgbClr val="000000"/>
         </a:buClr>
-        <a:buFont typeface="Arial"/>
+        <a:buFont typeface="Arial" panose="020B0604020202020204"/>
         <a:defRPr sz="1050" b="0" i="0" u="none" strike="noStrike" cap="none">
           <a:solidFill>
             <a:srgbClr val="000000"/>
           </a:solidFill>
-          <a:latin typeface="Arial"/>
-          <a:ea typeface="Arial"/>
-          <a:cs typeface="Arial"/>
-          <a:sym typeface="Arial"/>
+          <a:latin typeface="Arial" panose="020B0604020202020204"/>
+          <a:ea typeface="Arial" panose="020B0604020202020204"/>
+          <a:cs typeface="Arial" panose="020B0604020202020204"/>
+          <a:sym typeface="Arial" panose="020B0604020202020204"/>
         </a:defRPr>
       </a:lvl7pPr>
       <a:lvl8pPr marR="0" lvl="7" algn="l" rtl="0">
@@ -8088,15 +7990,15 @@
         <a:buClr>
           <a:srgbClr val="000000"/>
         </a:buClr>
-        <a:buFont typeface="Arial"/>
+        <a:buFont typeface="Arial" panose="020B0604020202020204"/>
         <a:defRPr sz="1050" b="0" i="0" u="none" strike="noStrike" cap="none">
           <a:solidFill>
             <a:srgbClr val="000000"/>
           </a:solidFill>
-          <a:latin typeface="Arial"/>
-          <a:ea typeface="Arial"/>
-          <a:cs typeface="Arial"/>
-          <a:sym typeface="Arial"/>
+          <a:latin typeface="Arial" panose="020B0604020202020204"/>
+          <a:ea typeface="Arial" panose="020B0604020202020204"/>
+          <a:cs typeface="Arial" panose="020B0604020202020204"/>
+          <a:sym typeface="Arial" panose="020B0604020202020204"/>
         </a:defRPr>
       </a:lvl8pPr>
       <a:lvl9pPr marR="0" lvl="8" algn="l" rtl="0">
@@ -8112,15 +8014,15 @@
         <a:buClr>
           <a:srgbClr val="000000"/>
         </a:buClr>
-        <a:buFont typeface="Arial"/>
+        <a:buFont typeface="Arial" panose="020B0604020202020204"/>
         <a:defRPr sz="1050" b="0" i="0" u="none" strike="noStrike" cap="none">
           <a:solidFill>
             <a:srgbClr val="000000"/>
           </a:solidFill>
-          <a:latin typeface="Arial"/>
-          <a:ea typeface="Arial"/>
-          <a:cs typeface="Arial"/>
-          <a:sym typeface="Arial"/>
+          <a:latin typeface="Arial" panose="020B0604020202020204"/>
+          <a:ea typeface="Arial" panose="020B0604020202020204"/>
+          <a:cs typeface="Arial" panose="020B0604020202020204"/>
+          <a:sym typeface="Arial" panose="020B0604020202020204"/>
         </a:defRPr>
       </a:lvl9pPr>
     </p:bodyStyle>
@@ -8149,15 +8051,15 @@
         <a:buClr>
           <a:srgbClr val="000000"/>
         </a:buClr>
-        <a:buFont typeface="Arial"/>
+        <a:buFont typeface="Arial" panose="020B0604020202020204"/>
         <a:defRPr sz="1050" b="0" i="0" u="none" strike="noStrike" cap="none">
           <a:solidFill>
             <a:srgbClr val="000000"/>
           </a:solidFill>
-          <a:latin typeface="Arial"/>
-          <a:ea typeface="Arial"/>
-          <a:cs typeface="Arial"/>
-          <a:sym typeface="Arial"/>
+          <a:latin typeface="Arial" panose="020B0604020202020204"/>
+          <a:ea typeface="Arial" panose="020B0604020202020204"/>
+          <a:cs typeface="Arial" panose="020B0604020202020204"/>
+          <a:sym typeface="Arial" panose="020B0604020202020204"/>
         </a:defRPr>
       </a:lvl1pPr>
       <a:lvl2pPr marR="0" lvl="1" algn="l" rtl="0">
@@ -8173,15 +8075,15 @@
         <a:buClr>
           <a:srgbClr val="000000"/>
         </a:buClr>
-        <a:buFont typeface="Arial"/>
+        <a:buFont typeface="Arial" panose="020B0604020202020204"/>
         <a:defRPr sz="1050" b="0" i="0" u="none" strike="noStrike" cap="none">
           <a:solidFill>
             <a:srgbClr val="000000"/>
           </a:solidFill>
-          <a:latin typeface="Arial"/>
-          <a:ea typeface="Arial"/>
-          <a:cs typeface="Arial"/>
-          <a:sym typeface="Arial"/>
+          <a:latin typeface="Arial" panose="020B0604020202020204"/>
+          <a:ea typeface="Arial" panose="020B0604020202020204"/>
+          <a:cs typeface="Arial" panose="020B0604020202020204"/>
+          <a:sym typeface="Arial" panose="020B0604020202020204"/>
         </a:defRPr>
       </a:lvl2pPr>
       <a:lvl3pPr marR="0" lvl="2" algn="l" rtl="0">
@@ -8197,15 +8099,15 @@
         <a:buClr>
           <a:srgbClr val="000000"/>
         </a:buClr>
-        <a:buFont typeface="Arial"/>
+        <a:buFont typeface="Arial" panose="020B0604020202020204"/>
         <a:defRPr sz="1050" b="0" i="0" u="none" strike="noStrike" cap="none">
           <a:solidFill>
             <a:srgbClr val="000000"/>
           </a:solidFill>
-          <a:latin typeface="Arial"/>
-          <a:ea typeface="Arial"/>
-          <a:cs typeface="Arial"/>
-          <a:sym typeface="Arial"/>
+          <a:latin typeface="Arial" panose="020B0604020202020204"/>
+          <a:ea typeface="Arial" panose="020B0604020202020204"/>
+          <a:cs typeface="Arial" panose="020B0604020202020204"/>
+          <a:sym typeface="Arial" panose="020B0604020202020204"/>
         </a:defRPr>
       </a:lvl3pPr>
       <a:lvl4pPr marR="0" lvl="3" algn="l" rtl="0">
@@ -8221,15 +8123,15 @@
         <a:buClr>
           <a:srgbClr val="000000"/>
         </a:buClr>
-        <a:buFont typeface="Arial"/>
+        <a:buFont typeface="Arial" panose="020B0604020202020204"/>
         <a:defRPr sz="1050" b="0" i="0" u="none" strike="noStrike" cap="none">
           <a:solidFill>
             <a:srgbClr val="000000"/>
           </a:solidFill>
-          <a:latin typeface="Arial"/>
-          <a:ea typeface="Arial"/>
-          <a:cs typeface="Arial"/>
-          <a:sym typeface="Arial"/>
+          <a:latin typeface="Arial" panose="020B0604020202020204"/>
+          <a:ea typeface="Arial" panose="020B0604020202020204"/>
+          <a:cs typeface="Arial" panose="020B0604020202020204"/>
+          <a:sym typeface="Arial" panose="020B0604020202020204"/>
         </a:defRPr>
       </a:lvl4pPr>
       <a:lvl5pPr marR="0" lvl="4" algn="l" rtl="0">
@@ -8245,15 +8147,15 @@
         <a:buClr>
           <a:srgbClr val="000000"/>
         </a:buClr>
-        <a:buFont typeface="Arial"/>
+        <a:buFont typeface="Arial" panose="020B0604020202020204"/>
         <a:defRPr sz="1050" b="0" i="0" u="none" strike="noStrike" cap="none">
           <a:solidFill>
             <a:srgbClr val="000000"/>
           </a:solidFill>
-          <a:latin typeface="Arial"/>
-          <a:ea typeface="Arial"/>
-          <a:cs typeface="Arial"/>
-          <a:sym typeface="Arial"/>
+          <a:latin typeface="Arial" panose="020B0604020202020204"/>
+          <a:ea typeface="Arial" panose="020B0604020202020204"/>
+          <a:cs typeface="Arial" panose="020B0604020202020204"/>
+          <a:sym typeface="Arial" panose="020B0604020202020204"/>
         </a:defRPr>
       </a:lvl5pPr>
       <a:lvl6pPr marR="0" lvl="5" algn="l" rtl="0">
@@ -8269,15 +8171,15 @@
         <a:buClr>
           <a:srgbClr val="000000"/>
         </a:buClr>
-        <a:buFont typeface="Arial"/>
+        <a:buFont typeface="Arial" panose="020B0604020202020204"/>
         <a:defRPr sz="1050" b="0" i="0" u="none" strike="noStrike" cap="none">
           <a:solidFill>
             <a:srgbClr val="000000"/>
           </a:solidFill>
-          <a:latin typeface="Arial"/>
-          <a:ea typeface="Arial"/>
-          <a:cs typeface="Arial"/>
-          <a:sym typeface="Arial"/>
+          <a:latin typeface="Arial" panose="020B0604020202020204"/>
+          <a:ea typeface="Arial" panose="020B0604020202020204"/>
+          <a:cs typeface="Arial" panose="020B0604020202020204"/>
+          <a:sym typeface="Arial" panose="020B0604020202020204"/>
         </a:defRPr>
       </a:lvl6pPr>
       <a:lvl7pPr marR="0" lvl="6" algn="l" rtl="0">
@@ -8293,15 +8195,15 @@
         <a:buClr>
           <a:srgbClr val="000000"/>
         </a:buClr>
-        <a:buFont typeface="Arial"/>
+        <a:buFont typeface="Arial" panose="020B0604020202020204"/>
         <a:defRPr sz="1050" b="0" i="0" u="none" strike="noStrike" cap="none">
           <a:solidFill>
             <a:srgbClr val="000000"/>
           </a:solidFill>
-          <a:latin typeface="Arial"/>
-          <a:ea typeface="Arial"/>
-          <a:cs typeface="Arial"/>
-          <a:sym typeface="Arial"/>
+          <a:latin typeface="Arial" panose="020B0604020202020204"/>
+          <a:ea typeface="Arial" panose="020B0604020202020204"/>
+          <a:cs typeface="Arial" panose="020B0604020202020204"/>
+          <a:sym typeface="Arial" panose="020B0604020202020204"/>
         </a:defRPr>
       </a:lvl7pPr>
       <a:lvl8pPr marR="0" lvl="7" algn="l" rtl="0">
@@ -8317,15 +8219,15 @@
         <a:buClr>
           <a:srgbClr val="000000"/>
         </a:buClr>
-        <a:buFont typeface="Arial"/>
+        <a:buFont typeface="Arial" panose="020B0604020202020204"/>
         <a:defRPr sz="1050" b="0" i="0" u="none" strike="noStrike" cap="none">
           <a:solidFill>
             <a:srgbClr val="000000"/>
           </a:solidFill>
-          <a:latin typeface="Arial"/>
-          <a:ea typeface="Arial"/>
-          <a:cs typeface="Arial"/>
-          <a:sym typeface="Arial"/>
+          <a:latin typeface="Arial" panose="020B0604020202020204"/>
+          <a:ea typeface="Arial" panose="020B0604020202020204"/>
+          <a:cs typeface="Arial" panose="020B0604020202020204"/>
+          <a:sym typeface="Arial" panose="020B0604020202020204"/>
         </a:defRPr>
       </a:lvl8pPr>
       <a:lvl9pPr marR="0" lvl="8" algn="l" rtl="0">
@@ -8341,15 +8243,15 @@
         <a:buClr>
           <a:srgbClr val="000000"/>
         </a:buClr>
-        <a:buFont typeface="Arial"/>
+        <a:buFont typeface="Arial" panose="020B0604020202020204"/>
         <a:defRPr sz="1050" b="0" i="0" u="none" strike="noStrike" cap="none">
           <a:solidFill>
             <a:srgbClr val="000000"/>
           </a:solidFill>
-          <a:latin typeface="Arial"/>
-          <a:ea typeface="Arial"/>
-          <a:cs typeface="Arial"/>
-          <a:sym typeface="Arial"/>
+          <a:latin typeface="Arial" panose="020B0604020202020204"/>
+          <a:ea typeface="Arial" panose="020B0604020202020204"/>
+          <a:cs typeface="Arial" panose="020B0604020202020204"/>
+          <a:sym typeface="Arial" panose="020B0604020202020204"/>
         </a:defRPr>
       </a:lvl9pPr>
     </p:otherStyle>
@@ -8400,7 +8302,7 @@
           <a:lstStyle/>
           <a:p>
             <a:r>
-              <a:rPr lang="en" dirty="0">
+              <a:rPr lang="en-GB" dirty="0">
                 <a:solidFill>
                   <a:schemeClr val="bg1"/>
                 </a:solidFill>
@@ -8410,7 +8312,7 @@
               <a:t>C</a:t>
             </a:r>
             <a:r>
-              <a:rPr lang="en" dirty="0" smtClean="0">
+              <a:rPr lang="en-GB" dirty="0" smtClean="0">
                 <a:solidFill>
                   <a:schemeClr val="bg1"/>
                 </a:solidFill>
@@ -8430,7 +8332,7 @@
               <a:t>ming</a:t>
             </a:r>
             <a:r>
-              <a:rPr lang="en" dirty="0" smtClean="0">
+              <a:rPr lang="en-GB" dirty="0" smtClean="0">
                 <a:solidFill>
                   <a:schemeClr val="bg1"/>
                 </a:solidFill>
@@ -8476,11 +8378,11 @@
           <a:p>
             <a:pPr marL="0" indent="0"/>
             <a:r>
-              <a:rPr lang="en" sz="2000" dirty="0"/>
+              <a:rPr lang="en-GB" sz="2000" dirty="0"/>
               <a:t>Session </a:t>
             </a:r>
             <a:r>
-              <a:rPr lang="en" sz="2000" dirty="0" smtClean="0"/>
+              <a:rPr lang="en-GB" sz="2000" dirty="0" smtClean="0"/>
               <a:t>#</a:t>
             </a:r>
             <a:r>
@@ -8677,6 +8579,11 @@
               </a:rPr>
               <a:t>{</a:t>
             </a:r>
+            <a:endParaRPr lang="en-US" altLang="zh-CN" sz="1800" dirty="0">
+              <a:solidFill>
+                <a:schemeClr val="tx1"/>
+              </a:solidFill>
+            </a:endParaRPr>
           </a:p>
           <a:p>
             <a:r>
@@ -8695,6 +8602,11 @@
               </a:rPr>
               <a:t>sum;</a:t>
             </a:r>
+            <a:endParaRPr lang="en-US" altLang="zh-CN" sz="1800" dirty="0">
+              <a:solidFill>
+                <a:schemeClr val="tx1"/>
+              </a:solidFill>
+            </a:endParaRPr>
           </a:p>
           <a:p>
             <a:r>
@@ -8745,6 +8657,11 @@
               </a:rPr>
               <a:t>;</a:t>
             </a:r>
+            <a:endParaRPr lang="en-US" altLang="zh-CN" sz="1800" dirty="0">
+              <a:solidFill>
+                <a:schemeClr val="tx1"/>
+              </a:solidFill>
+            </a:endParaRPr>
           </a:p>
           <a:p>
             <a:r>
@@ -8811,6 +8728,11 @@
               </a:rPr>
               <a:t> / 60;</a:t>
             </a:r>
+            <a:endParaRPr lang="en-US" altLang="zh-CN" sz="1800" dirty="0">
+              <a:solidFill>
+                <a:schemeClr val="tx1"/>
+              </a:solidFill>
+            </a:endParaRPr>
           </a:p>
           <a:p>
             <a:r>
@@ -8845,6 +8767,11 @@
               </a:rPr>
               <a:t>%= 60;</a:t>
             </a:r>
+            <a:endParaRPr lang="en-US" altLang="zh-CN" sz="1800" dirty="0">
+              <a:solidFill>
+                <a:schemeClr val="tx1"/>
+              </a:solidFill>
+            </a:endParaRPr>
           </a:p>
           <a:p>
             <a:r>
@@ -8863,6 +8790,11 @@
               </a:rPr>
               <a:t>sum;</a:t>
             </a:r>
+            <a:endParaRPr lang="en-US" altLang="zh-CN" sz="1800" dirty="0">
+              <a:solidFill>
+                <a:schemeClr val="tx1"/>
+              </a:solidFill>
+            </a:endParaRPr>
           </a:p>
           <a:p>
             <a:r>
@@ -8882,11 +8814,6 @@
         </p:txBody>
       </p:sp>
     </p:spTree>
-    <p:extLst>
-      <p:ext uri="{BB962C8B-B14F-4D97-AF65-F5344CB8AC3E}">
-        <p14:creationId xmlns:p14="http://schemas.microsoft.com/office/powerpoint/2010/main" val="877067119"/>
-      </p:ext>
-    </p:extLst>
   </p:cSld>
   <p:clrMapOvr>
     <a:masterClrMapping/>
@@ -9025,6 +8952,11 @@
               </a:rPr>
               <a:t>class Time</a:t>
             </a:r>
+            <a:endParaRPr lang="en-US" altLang="zh-CN" sz="1800" dirty="0">
+              <a:solidFill>
+                <a:schemeClr val="tx1"/>
+              </a:solidFill>
+            </a:endParaRPr>
           </a:p>
           <a:p>
             <a:r>
@@ -9035,6 +8967,11 @@
               </a:rPr>
               <a:t>{</a:t>
             </a:r>
+            <a:endParaRPr lang="en-US" altLang="zh-CN" sz="1800" dirty="0">
+              <a:solidFill>
+                <a:schemeClr val="tx1"/>
+              </a:solidFill>
+            </a:endParaRPr>
           </a:p>
           <a:p>
             <a:r>
@@ -9045,6 +8982,11 @@
               </a:rPr>
               <a:t>private:</a:t>
             </a:r>
+            <a:endParaRPr lang="en-US" altLang="zh-CN" sz="1800" dirty="0">
+              <a:solidFill>
+                <a:schemeClr val="tx1"/>
+              </a:solidFill>
+            </a:endParaRPr>
           </a:p>
           <a:p>
             <a:pPr lvl="3"/>
@@ -9080,6 +9022,11 @@
               </a:rPr>
               <a:t>hours;</a:t>
             </a:r>
+            <a:endParaRPr lang="en-US" altLang="zh-CN" sz="1800" dirty="0">
+              <a:solidFill>
+                <a:schemeClr val="tx1"/>
+              </a:solidFill>
+            </a:endParaRPr>
           </a:p>
           <a:p>
             <a:pPr lvl="3"/>
@@ -9115,6 +9062,11 @@
               </a:rPr>
               <a:t>minutes;</a:t>
             </a:r>
+            <a:endParaRPr lang="en-US" altLang="zh-CN" sz="1800" dirty="0">
+              <a:solidFill>
+                <a:schemeClr val="tx1"/>
+              </a:solidFill>
+            </a:endParaRPr>
           </a:p>
           <a:p>
             <a:r>
@@ -9125,6 +9077,11 @@
               </a:rPr>
               <a:t>public:</a:t>
             </a:r>
+            <a:endParaRPr lang="en-US" altLang="zh-CN" sz="1800" dirty="0">
+              <a:solidFill>
+                <a:schemeClr val="tx1"/>
+              </a:solidFill>
+            </a:endParaRPr>
           </a:p>
           <a:p>
             <a:r>
@@ -9143,6 +9100,11 @@
               </a:rPr>
               <a:t>();</a:t>
             </a:r>
+            <a:endParaRPr lang="en-US" altLang="zh-CN" sz="1800" dirty="0">
+              <a:solidFill>
+                <a:schemeClr val="tx1"/>
+              </a:solidFill>
+            </a:endParaRPr>
           </a:p>
           <a:p>
             <a:r>
@@ -9193,6 +9155,11 @@
               </a:rPr>
               <a:t> m = 0);</a:t>
             </a:r>
+            <a:endParaRPr lang="en-US" altLang="zh-CN" sz="1800" dirty="0">
+              <a:solidFill>
+                <a:schemeClr val="tx1"/>
+              </a:solidFill>
+            </a:endParaRPr>
           </a:p>
           <a:p>
             <a:r>
@@ -9235,6 +9202,11 @@
               </a:rPr>
               <a:t> m);</a:t>
             </a:r>
+            <a:endParaRPr lang="en-US" altLang="zh-CN" sz="1800" dirty="0">
+              <a:solidFill>
+                <a:schemeClr val="tx1"/>
+              </a:solidFill>
+            </a:endParaRPr>
           </a:p>
           <a:p>
             <a:r>
@@ -9277,6 +9249,11 @@
               </a:rPr>
               <a:t> h);</a:t>
             </a:r>
+            <a:endParaRPr lang="en-US" altLang="zh-CN" sz="1800" dirty="0">
+              <a:solidFill>
+                <a:schemeClr val="tx1"/>
+              </a:solidFill>
+            </a:endParaRPr>
           </a:p>
           <a:p>
             <a:r>
@@ -9327,6 +9304,11 @@
               </a:rPr>
               <a:t> m = 0);</a:t>
             </a:r>
+            <a:endParaRPr lang="en-US" altLang="zh-CN" sz="1800" dirty="0">
+              <a:solidFill>
+                <a:schemeClr val="tx1"/>
+              </a:solidFill>
+            </a:endParaRPr>
           </a:p>
           <a:p>
             <a:r>
@@ -9361,6 +9343,11 @@
               </a:rPr>
               <a:t>;</a:t>
             </a:r>
+            <a:endParaRPr lang="en-US" altLang="zh-CN" sz="1800" dirty="0" smtClean="0">
+              <a:solidFill>
+                <a:schemeClr val="tx1"/>
+              </a:solidFill>
+            </a:endParaRPr>
           </a:p>
           <a:p>
             <a:r>
@@ -9411,6 +9398,11 @@
               </a:rPr>
               <a:t>;//OLD</a:t>
             </a:r>
+            <a:endParaRPr lang="en-US" altLang="zh-CN" sz="1800" dirty="0">
+              <a:solidFill>
+                <a:srgbClr val="00B050"/>
+              </a:solidFill>
+            </a:endParaRPr>
           </a:p>
           <a:p>
             <a:r>
@@ -9430,11 +9422,6 @@
         </p:txBody>
       </p:sp>
     </p:spTree>
-    <p:extLst>
-      <p:ext uri="{BB962C8B-B14F-4D97-AF65-F5344CB8AC3E}">
-        <p14:creationId xmlns:p14="http://schemas.microsoft.com/office/powerpoint/2010/main" val="1046678677"/>
-      </p:ext>
-    </p:extLst>
   </p:cSld>
   <p:clrMapOvr>
     <a:masterClrMapping/>
@@ -9573,6 +9560,11 @@
               </a:rPr>
               <a:t>class Time</a:t>
             </a:r>
+            <a:endParaRPr lang="en-US" altLang="zh-CN" sz="1800" dirty="0">
+              <a:solidFill>
+                <a:schemeClr val="tx1"/>
+              </a:solidFill>
+            </a:endParaRPr>
           </a:p>
           <a:p>
             <a:r>
@@ -9583,6 +9575,11 @@
               </a:rPr>
               <a:t>{</a:t>
             </a:r>
+            <a:endParaRPr lang="en-US" altLang="zh-CN" sz="1800" dirty="0">
+              <a:solidFill>
+                <a:schemeClr val="tx1"/>
+              </a:solidFill>
+            </a:endParaRPr>
           </a:p>
           <a:p>
             <a:r>
@@ -9593,6 +9590,11 @@
               </a:rPr>
               <a:t>private:</a:t>
             </a:r>
+            <a:endParaRPr lang="en-US" altLang="zh-CN" sz="1800" dirty="0">
+              <a:solidFill>
+                <a:schemeClr val="tx1"/>
+              </a:solidFill>
+            </a:endParaRPr>
           </a:p>
           <a:p>
             <a:pPr lvl="3"/>
@@ -9628,6 +9630,11 @@
               </a:rPr>
               <a:t>hours;</a:t>
             </a:r>
+            <a:endParaRPr lang="en-US" altLang="zh-CN" sz="1800" dirty="0">
+              <a:solidFill>
+                <a:schemeClr val="tx1"/>
+              </a:solidFill>
+            </a:endParaRPr>
           </a:p>
           <a:p>
             <a:pPr lvl="3"/>
@@ -9663,6 +9670,11 @@
               </a:rPr>
               <a:t>minutes;</a:t>
             </a:r>
+            <a:endParaRPr lang="en-US" altLang="zh-CN" sz="1800" dirty="0">
+              <a:solidFill>
+                <a:schemeClr val="tx1"/>
+              </a:solidFill>
+            </a:endParaRPr>
           </a:p>
           <a:p>
             <a:r>
@@ -9673,6 +9685,11 @@
               </a:rPr>
               <a:t>public:</a:t>
             </a:r>
+            <a:endParaRPr lang="en-US" altLang="zh-CN" sz="1800" dirty="0">
+              <a:solidFill>
+                <a:schemeClr val="tx1"/>
+              </a:solidFill>
+            </a:endParaRPr>
           </a:p>
           <a:p>
             <a:r>
@@ -9691,6 +9708,11 @@
               </a:rPr>
               <a:t>();</a:t>
             </a:r>
+            <a:endParaRPr lang="en-US" altLang="zh-CN" sz="1800" dirty="0">
+              <a:solidFill>
+                <a:schemeClr val="tx1"/>
+              </a:solidFill>
+            </a:endParaRPr>
           </a:p>
           <a:p>
             <a:r>
@@ -9741,6 +9763,11 @@
               </a:rPr>
               <a:t> m = 0);</a:t>
             </a:r>
+            <a:endParaRPr lang="en-US" altLang="zh-CN" sz="1800" dirty="0">
+              <a:solidFill>
+                <a:schemeClr val="tx1"/>
+              </a:solidFill>
+            </a:endParaRPr>
           </a:p>
           <a:p>
             <a:r>
@@ -9783,6 +9810,11 @@
               </a:rPr>
               <a:t> m);</a:t>
             </a:r>
+            <a:endParaRPr lang="en-US" altLang="zh-CN" sz="1800" dirty="0">
+              <a:solidFill>
+                <a:schemeClr val="tx1"/>
+              </a:solidFill>
+            </a:endParaRPr>
           </a:p>
           <a:p>
             <a:r>
@@ -9825,6 +9857,11 @@
               </a:rPr>
               <a:t> h);</a:t>
             </a:r>
+            <a:endParaRPr lang="en-US" altLang="zh-CN" sz="1800" dirty="0">
+              <a:solidFill>
+                <a:schemeClr val="tx1"/>
+              </a:solidFill>
+            </a:endParaRPr>
           </a:p>
           <a:p>
             <a:r>
@@ -9883,6 +9920,11 @@
               </a:rPr>
               <a:t>);</a:t>
             </a:r>
+            <a:endParaRPr lang="en-US" altLang="zh-CN" sz="1800" dirty="0" smtClean="0">
+              <a:solidFill>
+                <a:schemeClr val="tx1"/>
+              </a:solidFill>
+            </a:endParaRPr>
           </a:p>
           <a:p>
             <a:r>
@@ -9909,6 +9951,11 @@
               </a:rPr>
               <a:t>;</a:t>
             </a:r>
+            <a:endParaRPr lang="en-US" altLang="zh-CN" sz="1800" dirty="0">
+              <a:solidFill>
+                <a:schemeClr val="tx1"/>
+              </a:solidFill>
+            </a:endParaRPr>
           </a:p>
           <a:p>
             <a:r>
@@ -9975,6 +10022,11 @@
               </a:rPr>
               <a:t>;//NEW</a:t>
             </a:r>
+            <a:endParaRPr lang="en-US" altLang="zh-CN" sz="1800" dirty="0" smtClean="0">
+              <a:solidFill>
+                <a:srgbClr val="00B050"/>
+              </a:solidFill>
+            </a:endParaRPr>
           </a:p>
           <a:p>
             <a:r>
@@ -9994,11 +10046,6 @@
         </p:txBody>
       </p:sp>
     </p:spTree>
-    <p:extLst>
-      <p:ext uri="{BB962C8B-B14F-4D97-AF65-F5344CB8AC3E}">
-        <p14:creationId xmlns:p14="http://schemas.microsoft.com/office/powerpoint/2010/main" val="3953927263"/>
-      </p:ext>
-    </p:extLst>
   </p:cSld>
   <p:clrMapOvr>
     <a:masterClrMapping/>
@@ -10192,6 +10239,11 @@
               </a:rPr>
               <a:t>{</a:t>
             </a:r>
+            <a:endParaRPr lang="en-US" altLang="zh-CN" sz="1800" dirty="0" smtClean="0">
+              <a:solidFill>
+                <a:schemeClr val="tx1"/>
+              </a:solidFill>
+            </a:endParaRPr>
           </a:p>
           <a:p>
             <a:r>
@@ -10210,6 +10262,11 @@
               </a:rPr>
               <a:t>sum;</a:t>
             </a:r>
+            <a:endParaRPr lang="en-US" altLang="zh-CN" sz="1800" dirty="0">
+              <a:solidFill>
+                <a:schemeClr val="tx1"/>
+              </a:solidFill>
+            </a:endParaRPr>
           </a:p>
           <a:p>
             <a:r>
@@ -10260,6 +10317,11 @@
               </a:rPr>
               <a:t>;</a:t>
             </a:r>
+            <a:endParaRPr lang="en-US" altLang="zh-CN" sz="1800" dirty="0">
+              <a:solidFill>
+                <a:schemeClr val="tx1"/>
+              </a:solidFill>
+            </a:endParaRPr>
           </a:p>
           <a:p>
             <a:r>
@@ -10326,6 +10388,11 @@
               </a:rPr>
               <a:t> / 60;</a:t>
             </a:r>
+            <a:endParaRPr lang="en-US" altLang="zh-CN" sz="1800" dirty="0">
+              <a:solidFill>
+                <a:schemeClr val="tx1"/>
+              </a:solidFill>
+            </a:endParaRPr>
           </a:p>
           <a:p>
             <a:r>
@@ -10360,6 +10427,11 @@
               </a:rPr>
               <a:t>%= 60;</a:t>
             </a:r>
+            <a:endParaRPr lang="en-US" altLang="zh-CN" sz="1800" dirty="0">
+              <a:solidFill>
+                <a:schemeClr val="tx1"/>
+              </a:solidFill>
+            </a:endParaRPr>
           </a:p>
           <a:p>
             <a:r>
@@ -10378,6 +10450,11 @@
               </a:rPr>
               <a:t>sum;</a:t>
             </a:r>
+            <a:endParaRPr lang="en-US" altLang="zh-CN" sz="1800" dirty="0">
+              <a:solidFill>
+                <a:schemeClr val="tx1"/>
+              </a:solidFill>
+            </a:endParaRPr>
           </a:p>
           <a:p>
             <a:r>
@@ -10397,11 +10474,6 @@
         </p:txBody>
       </p:sp>
     </p:spTree>
-    <p:extLst>
-      <p:ext uri="{BB962C8B-B14F-4D97-AF65-F5344CB8AC3E}">
-        <p14:creationId xmlns:p14="http://schemas.microsoft.com/office/powerpoint/2010/main" val="3177401910"/>
-      </p:ext>
-    </p:extLst>
   </p:cSld>
   <p:clrMapOvr>
     <a:masterClrMapping/>
@@ -10548,121 +10620,6 @@
               </a:rPr>
               <a:t> main()</a:t>
             </a:r>
-          </a:p>
-          <a:p>
-            <a:r>
-              <a:rPr lang="en-US" altLang="zh-CN" sz="1600" dirty="0">
-                <a:solidFill>
-                  <a:schemeClr val="tx1"/>
-                </a:solidFill>
-              </a:rPr>
-              <a:t>{</a:t>
-            </a:r>
-          </a:p>
-          <a:p>
-            <a:pPr lvl="1"/>
-            <a:r>
-              <a:rPr lang="en-US" altLang="zh-CN" sz="1600" dirty="0" smtClean="0">
-                <a:solidFill>
-                  <a:schemeClr val="tx1"/>
-                </a:solidFill>
-              </a:rPr>
-              <a:t>    Time </a:t>
-            </a:r>
-            <a:r>
-              <a:rPr lang="en-US" altLang="zh-CN" sz="1600" dirty="0">
-                <a:solidFill>
-                  <a:schemeClr val="tx1"/>
-                </a:solidFill>
-              </a:rPr>
-              <a:t>coding(2, 40);</a:t>
-            </a:r>
-          </a:p>
-          <a:p>
-            <a:r>
-              <a:rPr lang="en-US" altLang="zh-CN" sz="1600" dirty="0">
-                <a:solidFill>
-                  <a:schemeClr val="tx1"/>
-                </a:solidFill>
-              </a:rPr>
-              <a:t> </a:t>
-            </a:r>
-            <a:r>
-              <a:rPr lang="en-US" altLang="zh-CN" sz="1600" dirty="0" smtClean="0">
-                <a:solidFill>
-                  <a:schemeClr val="tx1"/>
-                </a:solidFill>
-              </a:rPr>
-              <a:t>   Time </a:t>
-            </a:r>
-            <a:r>
-              <a:rPr lang="en-US" altLang="zh-CN" sz="1600" dirty="0">
-                <a:solidFill>
-                  <a:schemeClr val="tx1"/>
-                </a:solidFill>
-              </a:rPr>
-              <a:t>fixing(5, 55);</a:t>
-            </a:r>
-          </a:p>
-          <a:p>
-            <a:r>
-              <a:rPr lang="en-US" altLang="zh-CN" sz="1600" dirty="0">
-                <a:solidFill>
-                  <a:schemeClr val="tx1"/>
-                </a:solidFill>
-              </a:rPr>
-              <a:t> </a:t>
-            </a:r>
-            <a:r>
-              <a:rPr lang="en-US" altLang="zh-CN" sz="1600" dirty="0" smtClean="0">
-                <a:solidFill>
-                  <a:schemeClr val="tx1"/>
-                </a:solidFill>
-              </a:rPr>
-              <a:t>   Time </a:t>
-            </a:r>
-            <a:r>
-              <a:rPr lang="en-US" altLang="zh-CN" sz="1600" dirty="0" err="1" smtClean="0">
-                <a:solidFill>
-                  <a:schemeClr val="tx1"/>
-                </a:solidFill>
-              </a:rPr>
-              <a:t>morefixing</a:t>
-            </a:r>
-            <a:r>
-              <a:rPr lang="en-US" altLang="zh-CN" sz="1600" dirty="0" smtClean="0">
-                <a:solidFill>
-                  <a:schemeClr val="tx1"/>
-                </a:solidFill>
-              </a:rPr>
-              <a:t>;</a:t>
-            </a:r>
-          </a:p>
-          <a:p>
-            <a:r>
-              <a:rPr lang="en-US" altLang="zh-CN" sz="1600" dirty="0" smtClean="0">
-                <a:solidFill>
-                  <a:schemeClr val="tx1"/>
-                </a:solidFill>
-              </a:rPr>
-              <a:t>    Time</a:t>
-            </a:r>
-            <a:r>
-              <a:rPr lang="en-US" altLang="zh-CN" sz="1600" dirty="0">
-                <a:solidFill>
-                  <a:schemeClr val="tx1"/>
-                </a:solidFill>
-              </a:rPr>
-              <a:t> total</a:t>
-            </a:r>
-            <a:r>
-              <a:rPr lang="en-US" altLang="zh-CN" sz="1600" dirty="0" smtClean="0">
-                <a:solidFill>
-                  <a:schemeClr val="tx1"/>
-                </a:solidFill>
-              </a:rPr>
-              <a:t>;</a:t>
-            </a:r>
             <a:endParaRPr lang="en-US" altLang="zh-CN" sz="1600" dirty="0">
               <a:solidFill>
                 <a:schemeClr val="tx1"/>
@@ -10670,6 +10627,108 @@
             </a:endParaRPr>
           </a:p>
           <a:p>
+            <a:r>
+              <a:rPr lang="en-US" altLang="zh-CN" sz="1600" dirty="0">
+                <a:solidFill>
+                  <a:schemeClr val="tx1"/>
+                </a:solidFill>
+              </a:rPr>
+              <a:t>{</a:t>
+            </a:r>
+            <a:endParaRPr lang="en-US" altLang="zh-CN" sz="1600" dirty="0">
+              <a:solidFill>
+                <a:schemeClr val="tx1"/>
+              </a:solidFill>
+            </a:endParaRPr>
+          </a:p>
+          <a:p>
+            <a:pPr lvl="1"/>
+            <a:r>
+              <a:rPr lang="en-US" altLang="zh-CN" sz="1600" dirty="0" smtClean="0">
+                <a:solidFill>
+                  <a:schemeClr val="tx1"/>
+                </a:solidFill>
+              </a:rPr>
+              <a:t>    Time </a:t>
+            </a:r>
+            <a:r>
+              <a:rPr lang="en-US" altLang="zh-CN" sz="1600" dirty="0">
+                <a:solidFill>
+                  <a:schemeClr val="tx1"/>
+                </a:solidFill>
+              </a:rPr>
+              <a:t>coding(2, 40);</a:t>
+            </a:r>
+            <a:endParaRPr lang="en-US" altLang="zh-CN" sz="1600" dirty="0">
+              <a:solidFill>
+                <a:schemeClr val="tx1"/>
+              </a:solidFill>
+            </a:endParaRPr>
+          </a:p>
+          <a:p>
+            <a:r>
+              <a:rPr lang="en-US" altLang="zh-CN" sz="1600" dirty="0">
+                <a:solidFill>
+                  <a:schemeClr val="tx1"/>
+                </a:solidFill>
+              </a:rPr>
+              <a:t> </a:t>
+            </a:r>
+            <a:r>
+              <a:rPr lang="en-US" altLang="zh-CN" sz="1600" dirty="0" smtClean="0">
+                <a:solidFill>
+                  <a:schemeClr val="tx1"/>
+                </a:solidFill>
+              </a:rPr>
+              <a:t>   Time </a:t>
+            </a:r>
+            <a:r>
+              <a:rPr lang="en-US" altLang="zh-CN" sz="1600" dirty="0">
+                <a:solidFill>
+                  <a:schemeClr val="tx1"/>
+                </a:solidFill>
+              </a:rPr>
+              <a:t>fixing(5, 55);</a:t>
+            </a:r>
+            <a:endParaRPr lang="en-US" altLang="zh-CN" sz="1600" dirty="0">
+              <a:solidFill>
+                <a:schemeClr val="tx1"/>
+              </a:solidFill>
+            </a:endParaRPr>
+          </a:p>
+          <a:p>
+            <a:r>
+              <a:rPr lang="en-US" altLang="zh-CN" sz="1600" dirty="0">
+                <a:solidFill>
+                  <a:schemeClr val="tx1"/>
+                </a:solidFill>
+              </a:rPr>
+              <a:t> </a:t>
+            </a:r>
+            <a:r>
+              <a:rPr lang="en-US" altLang="zh-CN" sz="1600" dirty="0" smtClean="0">
+                <a:solidFill>
+                  <a:schemeClr val="tx1"/>
+                </a:solidFill>
+              </a:rPr>
+              <a:t>   Time </a:t>
+            </a:r>
+            <a:r>
+              <a:rPr lang="en-US" altLang="zh-CN" sz="1600" dirty="0" err="1" smtClean="0">
+                <a:solidFill>
+                  <a:schemeClr val="tx1"/>
+                </a:solidFill>
+              </a:rPr>
+              <a:t>morefixing</a:t>
+            </a:r>
+            <a:r>
+              <a:rPr lang="en-US" altLang="zh-CN" sz="1600" dirty="0" smtClean="0">
+                <a:solidFill>
+                  <a:schemeClr val="tx1"/>
+                </a:solidFill>
+              </a:rPr>
+              <a:t>;</a:t>
+            </a:r>
             <a:endParaRPr lang="en-US" altLang="zh-CN" sz="1600" dirty="0" smtClean="0">
               <a:solidFill>
                 <a:schemeClr val="tx1"/>
@@ -10683,6 +10742,44 @@
                   <a:schemeClr val="tx1"/>
                 </a:solidFill>
               </a:rPr>
+              <a:t>    Time</a:t>
+            </a:r>
+            <a:r>
+              <a:rPr lang="en-US" altLang="zh-CN" sz="1600" dirty="0">
+                <a:solidFill>
+                  <a:schemeClr val="tx1"/>
+                </a:solidFill>
+              </a:rPr>
+              <a:t> total</a:t>
+            </a:r>
+            <a:r>
+              <a:rPr lang="en-US" altLang="zh-CN" sz="1600" dirty="0" smtClean="0">
+                <a:solidFill>
+                  <a:schemeClr val="tx1"/>
+                </a:solidFill>
+              </a:rPr>
+              <a:t>;</a:t>
+            </a:r>
+            <a:endParaRPr lang="en-US" altLang="zh-CN" sz="1600" dirty="0">
+              <a:solidFill>
+                <a:schemeClr val="tx1"/>
+              </a:solidFill>
+            </a:endParaRPr>
+          </a:p>
+          <a:p>
+            <a:endParaRPr lang="en-US" altLang="zh-CN" sz="1600" dirty="0" smtClean="0">
+              <a:solidFill>
+                <a:schemeClr val="tx1"/>
+              </a:solidFill>
+            </a:endParaRPr>
+          </a:p>
+          <a:p>
+            <a:r>
+              <a:rPr lang="en-US" altLang="zh-CN" sz="1600" dirty="0" smtClean="0">
+                <a:solidFill>
+                  <a:schemeClr val="tx1"/>
+                </a:solidFill>
+              </a:rPr>
               <a:t>    </a:t>
             </a:r>
             <a:r>
@@ -10780,84 +10877,6 @@
               </a:rPr>
               <a:t>&lt;&lt; "coding + fixing = ";</a:t>
             </a:r>
-          </a:p>
-          <a:p>
-            <a:r>
-              <a:rPr lang="en-US" altLang="zh-CN" sz="1600" dirty="0" smtClean="0">
-                <a:solidFill>
-                  <a:schemeClr val="tx1"/>
-                </a:solidFill>
-              </a:rPr>
-              <a:t>    </a:t>
-            </a:r>
-            <a:r>
-              <a:rPr lang="en-US" altLang="zh-CN" sz="1600" dirty="0" err="1" smtClean="0">
-                <a:solidFill>
-                  <a:schemeClr val="tx1"/>
-                </a:solidFill>
-              </a:rPr>
-              <a:t>total.Show</a:t>
-            </a:r>
-            <a:r>
-              <a:rPr lang="en-US" altLang="zh-CN" sz="1600" dirty="0">
-                <a:solidFill>
-                  <a:schemeClr val="tx1"/>
-                </a:solidFill>
-              </a:rPr>
-              <a:t>();</a:t>
-            </a:r>
-          </a:p>
-          <a:p>
-            <a:r>
-              <a:rPr lang="en-US" altLang="zh-CN" sz="1600" dirty="0" smtClean="0">
-                <a:solidFill>
-                  <a:schemeClr val="tx1"/>
-                </a:solidFill>
-              </a:rPr>
-              <a:t>    </a:t>
-            </a:r>
-            <a:r>
-              <a:rPr lang="en-US" altLang="zh-CN" sz="1600" dirty="0" err="1" smtClean="0">
-                <a:solidFill>
-                  <a:schemeClr val="tx1"/>
-                </a:solidFill>
-              </a:rPr>
-              <a:t>cout</a:t>
-            </a:r>
-            <a:r>
-              <a:rPr lang="en-US" altLang="zh-CN" sz="1600" dirty="0" smtClean="0">
-                <a:solidFill>
-                  <a:schemeClr val="tx1"/>
-                </a:solidFill>
-              </a:rPr>
-              <a:t> </a:t>
-            </a:r>
-            <a:r>
-              <a:rPr lang="en-US" altLang="zh-CN" sz="1600" dirty="0">
-                <a:solidFill>
-                  <a:schemeClr val="tx1"/>
-                </a:solidFill>
-              </a:rPr>
-              <a:t>&lt;&lt; </a:t>
-            </a:r>
-            <a:r>
-              <a:rPr lang="en-US" altLang="zh-CN" sz="1600" dirty="0" err="1">
-                <a:solidFill>
-                  <a:schemeClr val="tx1"/>
-                </a:solidFill>
-              </a:rPr>
-              <a:t>endl</a:t>
-            </a:r>
-            <a:r>
-              <a:rPr lang="en-US" altLang="zh-CN" sz="1600" dirty="0" smtClean="0">
-                <a:solidFill>
-                  <a:schemeClr val="tx1"/>
-                </a:solidFill>
-              </a:rPr>
-              <a:t>;</a:t>
-            </a:r>
-          </a:p>
-          <a:p>
             <a:endParaRPr lang="en-US" altLang="zh-CN" sz="1600" dirty="0">
               <a:solidFill>
                 <a:schemeClr val="tx1"/>
@@ -10874,6 +10893,99 @@
               <a:t>    </a:t>
             </a:r>
             <a:r>
+              <a:rPr lang="en-US" altLang="zh-CN" sz="1600" dirty="0" err="1" smtClean="0">
+                <a:solidFill>
+                  <a:schemeClr val="tx1"/>
+                </a:solidFill>
+              </a:rPr>
+              <a:t>total.Show</a:t>
+            </a:r>
+            <a:r>
+              <a:rPr lang="en-US" altLang="zh-CN" sz="1600" dirty="0">
+                <a:solidFill>
+                  <a:schemeClr val="tx1"/>
+                </a:solidFill>
+              </a:rPr>
+              <a:t>();</a:t>
+            </a:r>
+            <a:endParaRPr lang="en-US" altLang="zh-CN" sz="1600" dirty="0">
+              <a:solidFill>
+                <a:schemeClr val="tx1"/>
+              </a:solidFill>
+            </a:endParaRPr>
+          </a:p>
+          <a:p>
+            <a:r>
+              <a:rPr lang="en-US" altLang="zh-CN" sz="1600" dirty="0" smtClean="0">
+                <a:solidFill>
+                  <a:schemeClr val="tx1"/>
+                </a:solidFill>
+              </a:rPr>
+              <a:t>    </a:t>
+            </a:r>
+            <a:r>
+              <a:rPr lang="en-US" altLang="zh-CN" sz="1600" dirty="0" err="1" smtClean="0">
+                <a:solidFill>
+                  <a:schemeClr val="tx1"/>
+                </a:solidFill>
+              </a:rPr>
+              <a:t>cout</a:t>
+            </a:r>
+            <a:r>
+              <a:rPr lang="en-US" altLang="zh-CN" sz="1600" dirty="0" smtClean="0">
+                <a:solidFill>
+                  <a:schemeClr val="tx1"/>
+                </a:solidFill>
+              </a:rPr>
+              <a:t> </a:t>
+            </a:r>
+            <a:r>
+              <a:rPr lang="en-US" altLang="zh-CN" sz="1600" dirty="0">
+                <a:solidFill>
+                  <a:schemeClr val="tx1"/>
+                </a:solidFill>
+              </a:rPr>
+              <a:t>&lt;&lt; </a:t>
+            </a:r>
+            <a:r>
+              <a:rPr lang="en-US" altLang="zh-CN" sz="1600" dirty="0" err="1">
+                <a:solidFill>
+                  <a:schemeClr val="tx1"/>
+                </a:solidFill>
+              </a:rPr>
+              <a:t>endl</a:t>
+            </a:r>
+            <a:r>
+              <a:rPr lang="en-US" altLang="zh-CN" sz="1600" dirty="0" smtClean="0">
+                <a:solidFill>
+                  <a:schemeClr val="tx1"/>
+                </a:solidFill>
+              </a:rPr>
+              <a:t>;</a:t>
+            </a:r>
+            <a:endParaRPr lang="en-US" altLang="zh-CN" sz="1600" dirty="0" smtClean="0">
+              <a:solidFill>
+                <a:schemeClr val="tx1"/>
+              </a:solidFill>
+            </a:endParaRPr>
+          </a:p>
+          <a:p>
+            <a:endParaRPr lang="en-US" altLang="zh-CN" sz="1600" dirty="0">
+              <a:solidFill>
+                <a:schemeClr val="tx1"/>
+              </a:solidFill>
+            </a:endParaRPr>
+          </a:p>
+          <a:p>
+            <a:r>
+              <a:rPr lang="en-US" altLang="zh-CN" sz="1600" dirty="0" smtClean="0">
+                <a:solidFill>
+                  <a:schemeClr val="tx1"/>
+                </a:solidFill>
+              </a:rPr>
+              <a:t>    </a:t>
+            </a:r>
+            <a:r>
               <a:rPr lang="en-US" altLang="zh-CN" sz="1600" dirty="0" smtClean="0">
                 <a:solidFill>
                   <a:srgbClr val="00B050"/>
@@ -11000,6 +11112,11 @@
               </a:rPr>
               <a:t>+(total) = ";</a:t>
             </a:r>
+            <a:endParaRPr lang="en-US" altLang="zh-CN" sz="1600" dirty="0">
+              <a:solidFill>
+                <a:schemeClr val="tx1"/>
+              </a:solidFill>
+            </a:endParaRPr>
           </a:p>
           <a:p>
             <a:r>
@@ -11026,6 +11143,11 @@
               </a:rPr>
               <a:t>();</a:t>
             </a:r>
+            <a:endParaRPr lang="en-US" altLang="zh-CN" sz="1600" dirty="0">
+              <a:solidFill>
+                <a:schemeClr val="tx1"/>
+              </a:solidFill>
+            </a:endParaRPr>
           </a:p>
           <a:p>
             <a:r>
@@ -11076,6 +11198,11 @@
               </a:rPr>
               <a:t>;</a:t>
             </a:r>
+            <a:endParaRPr lang="en-US" altLang="zh-CN" sz="1600" dirty="0">
+              <a:solidFill>
+                <a:schemeClr val="tx1"/>
+              </a:solidFill>
+            </a:endParaRPr>
           </a:p>
           <a:p>
             <a:r>
@@ -11094,6 +11221,11 @@
               </a:rPr>
               <a:t>0;</a:t>
             </a:r>
+            <a:endParaRPr lang="en-US" altLang="zh-CN" sz="1600" dirty="0">
+              <a:solidFill>
+                <a:schemeClr val="tx1"/>
+              </a:solidFill>
+            </a:endParaRPr>
           </a:p>
           <a:p>
             <a:r>
@@ -11113,11 +11245,6 @@
         </p:txBody>
       </p:sp>
     </p:spTree>
-    <p:extLst>
-      <p:ext uri="{BB962C8B-B14F-4D97-AF65-F5344CB8AC3E}">
-        <p14:creationId xmlns:p14="http://schemas.microsoft.com/office/powerpoint/2010/main" val="3475988000"/>
-      </p:ext>
-    </p:extLst>
   </p:cSld>
   <p:clrMapOvr>
     <a:masterClrMapping/>
@@ -11264,6 +11391,11 @@
               </a:rPr>
               <a:t> main()</a:t>
             </a:r>
+            <a:endParaRPr lang="en-US" altLang="zh-CN" sz="1600" dirty="0">
+              <a:solidFill>
+                <a:schemeClr val="tx1"/>
+              </a:solidFill>
+            </a:endParaRPr>
           </a:p>
           <a:p>
             <a:r>
@@ -11274,6 +11406,11 @@
               </a:rPr>
               <a:t>{</a:t>
             </a:r>
+            <a:endParaRPr lang="en-US" altLang="zh-CN" sz="1600" dirty="0">
+              <a:solidFill>
+                <a:schemeClr val="tx1"/>
+              </a:solidFill>
+            </a:endParaRPr>
           </a:p>
           <a:p>
             <a:pPr lvl="1"/>
@@ -11285,6 +11422,11 @@
               </a:rPr>
               <a:t>    Time t1, t2, t3, t4;</a:t>
             </a:r>
+            <a:endParaRPr lang="en-US" altLang="zh-CN" sz="1600" dirty="0" smtClean="0">
+              <a:solidFill>
+                <a:schemeClr val="tx1"/>
+              </a:solidFill>
+            </a:endParaRPr>
           </a:p>
           <a:p>
             <a:pPr lvl="1"/>
@@ -11320,6 +11462,11 @@
               </a:rPr>
               <a:t>;   </a:t>
             </a:r>
+            <a:endParaRPr lang="en-US" altLang="zh-CN" sz="1600" dirty="0" smtClean="0">
+              <a:solidFill>
+                <a:schemeClr val="tx1"/>
+              </a:solidFill>
+            </a:endParaRPr>
           </a:p>
           <a:p>
             <a:pPr lvl="1"/>
@@ -11346,6 +11493,11 @@
               </a:rPr>
               <a:t>0;</a:t>
             </a:r>
+            <a:endParaRPr lang="en-US" altLang="zh-CN" sz="1600" dirty="0">
+              <a:solidFill>
+                <a:schemeClr val="tx1"/>
+              </a:solidFill>
+            </a:endParaRPr>
           </a:p>
           <a:p>
             <a:r>
@@ -11394,15 +11546,15 @@
               </a:rPr>
               <a:t>//Valid?</a:t>
             </a:r>
+            <a:endParaRPr lang="en-US" altLang="zh-CN" sz="1600" b="1" dirty="0">
+              <a:solidFill>
+                <a:srgbClr val="FF0000"/>
+              </a:solidFill>
+            </a:endParaRPr>
           </a:p>
         </p:txBody>
       </p:sp>
     </p:spTree>
-    <p:extLst>
-      <p:ext uri="{BB962C8B-B14F-4D97-AF65-F5344CB8AC3E}">
-        <p14:creationId xmlns:p14="http://schemas.microsoft.com/office/powerpoint/2010/main" val="531844877"/>
-      </p:ext>
-    </p:extLst>
   </p:cSld>
   <p:clrMapOvr>
     <a:masterClrMapping/>
@@ -11838,11 +11990,6 @@
         </p:txBody>
       </p:sp>
     </p:spTree>
-    <p:extLst>
-      <p:ext uri="{BB962C8B-B14F-4D97-AF65-F5344CB8AC3E}">
-        <p14:creationId xmlns:p14="http://schemas.microsoft.com/office/powerpoint/2010/main" val="2408194529"/>
-      </p:ext>
-    </p:extLst>
   </p:cSld>
   <p:clrMapOvr>
     <a:masterClrMapping/>
@@ -12345,7 +12492,7 @@
           <p:nvPr/>
         </p:nvPicPr>
         <p:blipFill>
-          <a:blip r:embed="rId2"/>
+          <a:blip r:embed="rId1"/>
           <a:stretch>
             <a:fillRect/>
           </a:stretch>
@@ -12399,11 +12546,6 @@
         </p:txBody>
       </p:sp>
     </p:spTree>
-    <p:extLst>
-      <p:ext uri="{BB962C8B-B14F-4D97-AF65-F5344CB8AC3E}">
-        <p14:creationId xmlns:p14="http://schemas.microsoft.com/office/powerpoint/2010/main" val="2303476648"/>
-      </p:ext>
-    </p:extLst>
   </p:cSld>
   <p:clrMapOvr>
     <a:masterClrMapping/>
@@ -12479,6 +12621,11 @@
               </a:rPr>
               <a:t>type.</a:t>
             </a:r>
+            <a:endParaRPr lang="en-US" altLang="zh-CN" sz="2000" dirty="0" smtClean="0">
+              <a:solidFill>
+                <a:srgbClr val="00B050"/>
+              </a:solidFill>
+            </a:endParaRPr>
           </a:p>
           <a:p>
             <a:r>
@@ -12493,6 +12640,7 @@
               <a:rPr lang="en-US" altLang="zh-CN" sz="2000" dirty="0" smtClean="0"/>
               <a:t>.</a:t>
             </a:r>
+            <a:endParaRPr lang="en-US" altLang="zh-CN" sz="2000" dirty="0" smtClean="0"/>
           </a:p>
           <a:p>
             <a:r>
@@ -12523,6 +12671,7 @@
               <a:rPr lang="en-US" altLang="zh-CN" sz="2000" dirty="0" smtClean="0"/>
               <a:t>.</a:t>
             </a:r>
+            <a:endParaRPr lang="en-US" altLang="zh-CN" sz="2000" dirty="0" smtClean="0"/>
           </a:p>
         </p:txBody>
       </p:sp>
@@ -12560,11 +12709,6 @@
         </p:txBody>
       </p:sp>
     </p:spTree>
-    <p:extLst>
-      <p:ext uri="{BB962C8B-B14F-4D97-AF65-F5344CB8AC3E}">
-        <p14:creationId xmlns:p14="http://schemas.microsoft.com/office/powerpoint/2010/main" val="973749331"/>
-      </p:ext>
-    </p:extLst>
   </p:cSld>
   <p:clrMapOvr>
     <a:masterClrMapping/>
@@ -12687,9 +12831,10 @@
               <a:rPr lang="en-US" altLang="zh-CN" sz="2000" dirty="0"/>
               <a:t>with a single operand:</a:t>
             </a:r>
-          </a:p>
-          <a:p>
-            <a:pPr marL="109535" indent="0">
+            <a:endParaRPr lang="en-US" altLang="zh-CN" sz="2000" dirty="0"/>
+          </a:p>
+          <a:p>
+            <a:pPr marL="109220" indent="0">
               <a:spcAft>
                 <a:spcPts val="600"/>
               </a:spcAft>
@@ -12755,9 +12900,14 @@
               </a:rPr>
               <a:t>x; </a:t>
             </a:r>
-          </a:p>
-          <a:p>
-            <a:pPr marL="109535" indent="0">
+            <a:endParaRPr lang="en-US" altLang="zh-CN" sz="1800" b="1" dirty="0">
+              <a:solidFill>
+                <a:srgbClr val="00B050"/>
+              </a:solidFill>
+            </a:endParaRPr>
+          </a:p>
+          <a:p>
+            <a:pPr marL="109220" indent="0">
               <a:buNone/>
             </a:pPr>
             <a:r>
@@ -12834,7 +12984,7 @@
             <a:endParaRPr lang="en-US" altLang="zh-CN" sz="2000" dirty="0" smtClean="0"/>
           </a:p>
           <a:p>
-            <a:pPr marL="109535" indent="0">
+            <a:pPr marL="109220" indent="0">
               <a:buNone/>
             </a:pPr>
             <a:r>
@@ -12857,6 +13007,7 @@
               <a:rPr lang="en-US" altLang="zh-CN" sz="2000" dirty="0"/>
               <a:t>.</a:t>
             </a:r>
+            <a:endParaRPr lang="en-US" altLang="zh-CN" sz="2000" dirty="0"/>
           </a:p>
         </p:txBody>
       </p:sp>
@@ -13064,11 +13215,6 @@
         </p:cxnSp>
       </p:grpSp>
     </p:spTree>
-    <p:extLst>
-      <p:ext uri="{BB962C8B-B14F-4D97-AF65-F5344CB8AC3E}">
-        <p14:creationId xmlns:p14="http://schemas.microsoft.com/office/powerpoint/2010/main" val="177386635"/>
-      </p:ext>
-    </p:extLst>
   </p:cSld>
   <p:clrMapOvr>
     <a:masterClrMapping/>
@@ -13256,7 +13402,7 @@
           <a:p>
             <a:pPr lvl="0"/>
             <a:r>
-              <a:rPr lang="en" altLang="zh-CN" sz="3300" dirty="0" smtClean="0"/>
+              <a:rPr lang="en-GB" altLang="zh-CN" sz="3300" dirty="0" smtClean="0"/>
               <a:t>#8 </a:t>
             </a:r>
             <a:r>
@@ -13304,6 +13450,7 @@
               <a:rPr lang="en-US" altLang="zh-CN" sz="2000" dirty="0"/>
               <a:t>Operator overloading</a:t>
             </a:r>
+            <a:endParaRPr lang="en-US" altLang="zh-CN" sz="2000" dirty="0"/>
           </a:p>
           <a:p>
             <a:pPr marL="342900" lvl="0" indent="-342900">
@@ -13318,6 +13465,7 @@
               <a:rPr lang="en-US" altLang="zh-CN" sz="2000" dirty="0"/>
               <a:t>the &lt;&lt; operator for output</a:t>
             </a:r>
+            <a:endParaRPr lang="en-US" altLang="zh-CN" sz="2000" dirty="0"/>
           </a:p>
           <a:p>
             <a:pPr marL="342900" lvl="0" indent="-342900">
@@ -13336,6 +13484,7 @@
               <a:rPr lang="en-US" altLang="zh-CN" sz="2000" dirty="0" smtClean="0"/>
               <a:t>classes</a:t>
             </a:r>
+            <a:endParaRPr lang="en-US" altLang="zh-CN" sz="2000" dirty="0" smtClean="0"/>
           </a:p>
           <a:p>
             <a:pPr marL="342900" lvl="0" indent="-342900">
@@ -13365,15 +13514,11 @@
               <a:rPr lang="en-US" altLang="zh-CN" sz="2000" dirty="0"/>
               <a:t>conversion functions</a:t>
             </a:r>
+            <a:endParaRPr lang="en-US" altLang="zh-CN" sz="2000" dirty="0"/>
           </a:p>
         </p:txBody>
       </p:sp>
     </p:spTree>
-    <p:extLst>
-      <p:ext uri="{BB962C8B-B14F-4D97-AF65-F5344CB8AC3E}">
-        <p14:creationId xmlns:p14="http://schemas.microsoft.com/office/powerpoint/2010/main" val="3999632756"/>
-      </p:ext>
-    </p:extLst>
   </p:cSld>
   <p:clrMapOvr>
     <a:masterClrMapping/>
@@ -13480,6 +13625,11 @@
               </a:rPr>
               <a:t>.</a:t>
             </a:r>
+            <a:endParaRPr lang="en-US" altLang="zh-CN" sz="2000" dirty="0" smtClean="0">
+              <a:solidFill>
+                <a:schemeClr val="bg1"/>
+              </a:solidFill>
+            </a:endParaRPr>
           </a:p>
           <a:p>
             <a:endParaRPr lang="en-US" altLang="zh-CN" sz="2000" dirty="0"/>
@@ -13520,11 +13670,6 @@
         </p:txBody>
       </p:sp>
     </p:spTree>
-    <p:extLst>
-      <p:ext uri="{BB962C8B-B14F-4D97-AF65-F5344CB8AC3E}">
-        <p14:creationId xmlns:p14="http://schemas.microsoft.com/office/powerpoint/2010/main" val="4084252822"/>
-      </p:ext>
-    </p:extLst>
   </p:cSld>
   <p:clrMapOvr>
     <a:masterClrMapping/>
@@ -13592,6 +13737,11 @@
               </a:rPr>
               <a:t>cannot overload the following operators:</a:t>
             </a:r>
+            <a:endParaRPr lang="en-US" altLang="zh-CN" sz="2000" dirty="0">
+              <a:solidFill>
+                <a:srgbClr val="00B050"/>
+              </a:solidFill>
+            </a:endParaRPr>
           </a:p>
         </p:txBody>
       </p:sp>
@@ -13637,7 +13787,7 @@
           <p:nvPr/>
         </p:nvPicPr>
         <p:blipFill>
-          <a:blip r:embed="rId2"/>
+          <a:blip r:embed="rId1"/>
           <a:stretch>
             <a:fillRect/>
           </a:stretch>
@@ -13653,11 +13803,6 @@
         </p:spPr>
       </p:pic>
     </p:spTree>
-    <p:extLst>
-      <p:ext uri="{BB962C8B-B14F-4D97-AF65-F5344CB8AC3E}">
-        <p14:creationId xmlns:p14="http://schemas.microsoft.com/office/powerpoint/2010/main" val="3017850295"/>
-      </p:ext>
-    </p:extLst>
   </p:cSld>
   <p:clrMapOvr>
     <a:masterClrMapping/>
@@ -13828,6 +13973,11 @@
               </a:rPr>
               <a:t>following operators:</a:t>
             </a:r>
+            <a:endParaRPr lang="en-US" altLang="zh-CN" sz="2000" dirty="0">
+              <a:solidFill>
+                <a:srgbClr val="00B0F0"/>
+              </a:solidFill>
+            </a:endParaRPr>
           </a:p>
         </p:txBody>
       </p:sp>
@@ -13873,7 +14023,7 @@
           <p:nvPr/>
         </p:nvPicPr>
         <p:blipFill>
-          <a:blip r:embed="rId3"/>
+          <a:blip r:embed="rId1"/>
           <a:stretch>
             <a:fillRect/>
           </a:stretch>
@@ -13889,11 +14039,6 @@
         </p:spPr>
       </p:pic>
     </p:spTree>
-    <p:extLst>
-      <p:ext uri="{BB962C8B-B14F-4D97-AF65-F5344CB8AC3E}">
-        <p14:creationId xmlns:p14="http://schemas.microsoft.com/office/powerpoint/2010/main" val="3510540203"/>
-      </p:ext>
-    </p:extLst>
   </p:cSld>
   <p:clrMapOvr>
     <a:masterClrMapping/>
@@ -14238,6 +14383,11 @@
               </a:rPr>
               <a:t>as Swap().</a:t>
             </a:r>
+            <a:endParaRPr lang="en-US" altLang="zh-CN" sz="2000" dirty="0">
+              <a:solidFill>
+                <a:schemeClr val="bg1"/>
+              </a:solidFill>
+            </a:endParaRPr>
           </a:p>
         </p:txBody>
       </p:sp>
@@ -14275,11 +14425,6 @@
         </p:txBody>
       </p:sp>
     </p:spTree>
-    <p:extLst>
-      <p:ext uri="{BB962C8B-B14F-4D97-AF65-F5344CB8AC3E}">
-        <p14:creationId xmlns:p14="http://schemas.microsoft.com/office/powerpoint/2010/main" val="2831095530"/>
-      </p:ext>
-    </p:extLst>
   </p:cSld>
   <p:clrMapOvr>
     <a:masterClrMapping/>
@@ -14379,8 +14524,6 @@
               </a:rPr>
               <a:t>.</a:t>
             </a:r>
-          </a:p>
-          <a:p>
             <a:endParaRPr lang="en-US" altLang="zh-CN" sz="2000" dirty="0" smtClean="0">
               <a:solidFill>
                 <a:schemeClr val="bg1"/>
@@ -14388,6 +14531,13 @@
             </a:endParaRPr>
           </a:p>
           <a:p>
+            <a:endParaRPr lang="en-US" altLang="zh-CN" sz="2000" dirty="0" smtClean="0">
+              <a:solidFill>
+                <a:schemeClr val="bg1"/>
+              </a:solidFill>
+            </a:endParaRPr>
+          </a:p>
+          <a:p>
             <a:r>
               <a:rPr lang="en-US" altLang="zh-CN" sz="2000" dirty="0" smtClean="0">
                 <a:solidFill>
@@ -14420,6 +14570,11 @@
               </a:rPr>
               <a:t> so that it can directly access the private data for a class. </a:t>
             </a:r>
+            <a:endParaRPr lang="en-US" altLang="zh-CN" sz="2000" dirty="0">
+              <a:solidFill>
+                <a:schemeClr val="bg1"/>
+              </a:solidFill>
+            </a:endParaRPr>
           </a:p>
         </p:txBody>
       </p:sp>
@@ -14469,11 +14624,6 @@
         </p:txBody>
       </p:sp>
     </p:spTree>
-    <p:extLst>
-      <p:ext uri="{BB962C8B-B14F-4D97-AF65-F5344CB8AC3E}">
-        <p14:creationId xmlns:p14="http://schemas.microsoft.com/office/powerpoint/2010/main" val="926347658"/>
-      </p:ext>
-    </p:extLst>
   </p:cSld>
   <p:clrMapOvr>
     <a:masterClrMapping/>
@@ -14581,6 +14731,11 @@
               </a:rPr>
               <a:t>class:</a:t>
             </a:r>
+            <a:endParaRPr lang="en-US" altLang="zh-CN" sz="2000" dirty="0" smtClean="0">
+              <a:solidFill>
+                <a:schemeClr val="bg1"/>
+              </a:solidFill>
+            </a:endParaRPr>
           </a:p>
           <a:p>
             <a:r>
@@ -14599,9 +14754,14 @@
               </a:rPr>
               <a:t>:</a:t>
             </a:r>
-          </a:p>
-          <a:p>
-            <a:pPr marL="109535" indent="0" algn="ctr">
+            <a:endParaRPr lang="en-US" altLang="zh-CN" sz="2000" dirty="0">
+              <a:solidFill>
+                <a:schemeClr val="bg1"/>
+              </a:solidFill>
+            </a:endParaRPr>
+          </a:p>
+          <a:p>
+            <a:pPr marL="109220" indent="0" algn="ctr">
               <a:buNone/>
             </a:pPr>
             <a:r>
@@ -14651,7 +14811,7 @@
             </a:endParaRPr>
           </a:p>
           <a:p>
-            <a:pPr marL="109535" indent="0">
+            <a:pPr marL="109220" indent="0">
               <a:buNone/>
             </a:pPr>
             <a:endParaRPr lang="en-US" altLang="zh-CN" sz="1600" dirty="0" smtClean="0">
@@ -14693,9 +14853,14 @@
               </a:rPr>
               <a:t>declaration:</a:t>
             </a:r>
-          </a:p>
-          <a:p>
-            <a:pPr marL="109535" indent="0">
+            <a:endParaRPr lang="en-US" altLang="zh-CN" sz="2000" dirty="0">
+              <a:solidFill>
+                <a:schemeClr val="bg1"/>
+              </a:solidFill>
+            </a:endParaRPr>
+          </a:p>
+          <a:p>
+            <a:pPr marL="109220" indent="0">
               <a:buNone/>
             </a:pPr>
             <a:r>
@@ -14885,11 +15050,6 @@
         </p:txBody>
       </p:sp>
     </p:spTree>
-    <p:extLst>
-      <p:ext uri="{BB962C8B-B14F-4D97-AF65-F5344CB8AC3E}">
-        <p14:creationId xmlns:p14="http://schemas.microsoft.com/office/powerpoint/2010/main" val="3831201921"/>
-      </p:ext>
-    </p:extLst>
   </p:cSld>
   <p:clrMapOvr>
     <a:masterClrMapping/>
@@ -15082,9 +15242,14 @@
               </a:rPr>
               <a:t>compiler can convert the statement</a:t>
             </a:r>
-          </a:p>
-          <a:p>
-            <a:pPr marL="109535" indent="0" algn="ctr">
+            <a:endParaRPr lang="en-US" altLang="zh-CN" sz="2000" dirty="0">
+              <a:solidFill>
+                <a:schemeClr val="bg1"/>
+              </a:solidFill>
+            </a:endParaRPr>
+          </a:p>
+          <a:p>
+            <a:pPr marL="109220" indent="0" algn="ctr">
               <a:buNone/>
             </a:pPr>
             <a:r>
@@ -15103,9 +15268,14 @@
               </a:rPr>
               <a:t>;</a:t>
             </a:r>
-          </a:p>
-          <a:p>
-            <a:pPr marL="109535" indent="0">
+            <a:endParaRPr lang="en-US" altLang="zh-CN" sz="2000" dirty="0" smtClean="0">
+              <a:solidFill>
+                <a:schemeClr val="bg1"/>
+              </a:solidFill>
+            </a:endParaRPr>
+          </a:p>
+          <a:p>
+            <a:pPr marL="109220" indent="0">
               <a:buNone/>
             </a:pPr>
             <a:r>
@@ -15116,9 +15286,14 @@
               </a:rPr>
               <a:t>to either of the following:</a:t>
             </a:r>
-          </a:p>
-          <a:p>
-            <a:pPr marL="109535" indent="0">
+            <a:endParaRPr lang="en-US" altLang="zh-CN" sz="2000" dirty="0">
+              <a:solidFill>
+                <a:schemeClr val="bg1"/>
+              </a:solidFill>
+            </a:endParaRPr>
+          </a:p>
+          <a:p>
+            <a:pPr marL="109220" indent="0">
               <a:buNone/>
             </a:pPr>
             <a:r>
@@ -15153,9 +15328,14 @@
               </a:rPr>
               <a:t>(T3); // member function</a:t>
             </a:r>
-          </a:p>
-          <a:p>
-            <a:pPr marL="109535" indent="0">
+            <a:endParaRPr lang="en-US" altLang="zh-CN" sz="2000" dirty="0">
+              <a:solidFill>
+                <a:schemeClr val="bg1"/>
+              </a:solidFill>
+            </a:endParaRPr>
+          </a:p>
+          <a:p>
+            <a:pPr marL="109220" indent="0">
               <a:buNone/>
             </a:pPr>
             <a:r>
@@ -15198,6 +15378,11 @@
               </a:rPr>
               <a:t>function</a:t>
             </a:r>
+            <a:endParaRPr lang="en-US" altLang="zh-CN" sz="2000" dirty="0" smtClean="0">
+              <a:solidFill>
+                <a:schemeClr val="bg1"/>
+              </a:solidFill>
+            </a:endParaRPr>
           </a:p>
           <a:p>
             <a:endParaRPr lang="en-US" altLang="zh-CN" sz="2000" dirty="0" smtClean="0">
@@ -15306,6 +15491,11 @@
               </a:rPr>
               <a:t>.</a:t>
             </a:r>
+            <a:endParaRPr lang="en-US" altLang="zh-CN" sz="2000" dirty="0" smtClean="0">
+              <a:solidFill>
+                <a:srgbClr val="00B0F0"/>
+              </a:solidFill>
+            </a:endParaRPr>
           </a:p>
         </p:txBody>
       </p:sp>
@@ -15356,11 +15546,6 @@
         </p:txBody>
       </p:sp>
     </p:spTree>
-    <p:extLst>
-      <p:ext uri="{BB962C8B-B14F-4D97-AF65-F5344CB8AC3E}">
-        <p14:creationId xmlns:p14="http://schemas.microsoft.com/office/powerpoint/2010/main" val="2955453195"/>
-      </p:ext>
-    </p:extLst>
   </p:cSld>
   <p:clrMapOvr>
     <a:masterClrMapping/>
@@ -15565,9 +15750,14 @@
               </a:rPr>
               <a:t>NOTE:</a:t>
             </a:r>
-          </a:p>
-          <a:p>
-            <a:pPr marL="109535" indent="0">
+            <a:endParaRPr lang="en-US" altLang="zh-CN" sz="2000" dirty="0" smtClean="0">
+              <a:solidFill>
+                <a:schemeClr val="bg1"/>
+              </a:solidFill>
+            </a:endParaRPr>
+          </a:p>
+          <a:p>
+            <a:pPr marL="109220" indent="0">
               <a:buNone/>
             </a:pPr>
             <a:r>
@@ -15601,7 +15791,7 @@
             </a:endParaRPr>
           </a:p>
           <a:p>
-            <a:pPr marL="109535" indent="0">
+            <a:pPr marL="109220" indent="0">
               <a:buNone/>
             </a:pPr>
             <a:r>
@@ -15740,6 +15930,11 @@
               </a:rPr>
               <a:t>。</a:t>
             </a:r>
+            <a:endParaRPr lang="zh-CN" altLang="en-US" sz="2000" dirty="0">
+              <a:solidFill>
+                <a:schemeClr val="bg1"/>
+              </a:solidFill>
+            </a:endParaRPr>
           </a:p>
           <a:p>
             <a:endParaRPr lang="en-US" altLang="zh-CN" sz="2000" dirty="0">
@@ -15790,9 +15985,7 @@
       <p:grpSp>
         <p:nvGrpSpPr>
           <p:cNvPr id="5" name="组合 2"/>
-          <p:cNvGrpSpPr>
-            <a:grpSpLocks/>
-          </p:cNvGrpSpPr>
+          <p:cNvGrpSpPr/>
           <p:nvPr/>
         </p:nvGrpSpPr>
         <p:grpSpPr bwMode="auto">
@@ -15829,8 +16022,6 @@
                 <a:schemeClr val="tx1"/>
               </a:solidFill>
               <a:round/>
-              <a:headEnd/>
-              <a:tailEnd/>
             </a:ln>
           </p:spPr>
           <p:txBody>
@@ -16191,7 +16382,7 @@
                   <a:solidFill>
                     <a:srgbClr val="000000"/>
                   </a:solidFill>
-                  <a:latin typeface="Lato" panose="02010600030101010101" charset="0"/>
+                  <a:latin typeface="Lato" panose="020F0502020204030203" charset="0"/>
                   <a:ea typeface="华文中宋" panose="02010600040101010101" pitchFamily="2" charset="-122"/>
                 </a:rPr>
                 <a:t>ostream</a:t>
@@ -16201,7 +16392,7 @@
                   <a:solidFill>
                     <a:srgbClr val="000000"/>
                   </a:solidFill>
-                  <a:latin typeface="Lato" panose="02010600030101010101" charset="0"/>
+                  <a:latin typeface="Lato" panose="020F0502020204030203" charset="0"/>
                   <a:ea typeface="华文中宋" panose="02010600040101010101" pitchFamily="2" charset="-122"/>
                 </a:rPr>
                 <a:t> &amp; </a:t>
@@ -16211,7 +16402,7 @@
                   <a:solidFill>
                     <a:srgbClr val="FF3300"/>
                   </a:solidFill>
-                  <a:latin typeface="Lato" panose="02010600030101010101" charset="0"/>
+                  <a:latin typeface="Lato" panose="020F0502020204030203" charset="0"/>
                   <a:ea typeface="华文中宋" panose="02010600040101010101" pitchFamily="2" charset="-122"/>
                 </a:rPr>
                 <a:t>operateor</a:t>
@@ -16221,7 +16412,7 @@
                   <a:solidFill>
                     <a:srgbClr val="FF3300"/>
                   </a:solidFill>
-                  <a:latin typeface="Lato" panose="02010600030101010101" charset="0"/>
+                  <a:latin typeface="Lato" panose="020F0502020204030203" charset="0"/>
                   <a:ea typeface="华文中宋" panose="02010600040101010101" pitchFamily="2" charset="-122"/>
                 </a:rPr>
                 <a:t> &lt;&lt;</a:t>
@@ -16231,7 +16422,7 @@
                   <a:solidFill>
                     <a:srgbClr val="000000"/>
                   </a:solidFill>
-                  <a:latin typeface="Lato" panose="02010600030101010101" charset="0"/>
+                  <a:latin typeface="Lato" panose="020F0502020204030203" charset="0"/>
                   <a:ea typeface="华文中宋" panose="02010600040101010101" pitchFamily="2" charset="-122"/>
                 </a:rPr>
                 <a:t> (</a:t>
@@ -16241,7 +16432,7 @@
                   <a:solidFill>
                     <a:srgbClr val="000000"/>
                   </a:solidFill>
-                  <a:latin typeface="Lato" panose="02010600030101010101" charset="0"/>
+                  <a:latin typeface="Lato" panose="020F0502020204030203" charset="0"/>
                   <a:ea typeface="华文中宋" panose="02010600040101010101" pitchFamily="2" charset="-122"/>
                 </a:rPr>
                 <a:t>ostream</a:t>
@@ -16251,7 +16442,7 @@
                   <a:solidFill>
                     <a:srgbClr val="000000"/>
                   </a:solidFill>
-                  <a:latin typeface="Lato" panose="02010600030101010101" charset="0"/>
+                  <a:latin typeface="Lato" panose="020F0502020204030203" charset="0"/>
                   <a:ea typeface="华文中宋" panose="02010600040101010101" pitchFamily="2" charset="-122"/>
                 </a:rPr>
                 <a:t> </a:t>
@@ -16261,7 +16452,7 @@
                   <a:solidFill>
                     <a:srgbClr val="000000"/>
                   </a:solidFill>
-                  <a:latin typeface="Lato" panose="02010600030101010101" charset="0"/>
+                  <a:latin typeface="Lato" panose="020F0502020204030203" charset="0"/>
                   <a:ea typeface="华文中宋" panose="02010600040101010101" pitchFamily="2" charset="-122"/>
                 </a:rPr>
                 <a:t>&amp;,</a:t>
@@ -16271,7 +16462,7 @@
                   <a:solidFill>
                     <a:srgbClr val="00B0F0"/>
                   </a:solidFill>
-                  <a:latin typeface="Lato" panose="02010600030101010101" charset="0"/>
+                  <a:latin typeface="Lato" panose="020F0502020204030203" charset="0"/>
                   <a:ea typeface="华文中宋" panose="02010600040101010101" pitchFamily="2" charset="-122"/>
                 </a:rPr>
                 <a:t>user-defined class</a:t>
@@ -16281,7 +16472,7 @@
                   <a:solidFill>
                     <a:srgbClr val="000000"/>
                   </a:solidFill>
-                  <a:latin typeface="Lato" panose="02010600030101010101" charset="0"/>
+                  <a:latin typeface="Lato" panose="020F0502020204030203" charset="0"/>
                   <a:ea typeface="华文中宋" panose="02010600040101010101" pitchFamily="2" charset="-122"/>
                 </a:rPr>
                 <a:t>);</a:t>
@@ -16290,7 +16481,7 @@
                 <a:solidFill>
                   <a:srgbClr val="000000"/>
                 </a:solidFill>
-                <a:latin typeface="Lato" panose="02010600030101010101" charset="0"/>
+                <a:latin typeface="Lato" panose="020F0502020204030203" charset="0"/>
                 <a:ea typeface="华文中宋" panose="02010600040101010101" pitchFamily="2" charset="-122"/>
               </a:endParaRPr>
             </a:p>
@@ -16310,7 +16501,7 @@
                   <a:solidFill>
                     <a:srgbClr val="000000"/>
                   </a:solidFill>
-                  <a:latin typeface="Lato" panose="02010600030101010101" charset="0"/>
+                  <a:latin typeface="Lato" panose="020F0502020204030203" charset="0"/>
                   <a:ea typeface="华文中宋" panose="02010600040101010101" pitchFamily="2" charset="-122"/>
                 </a:rPr>
                 <a:t>istream</a:t>
@@ -16320,7 +16511,7 @@
                   <a:solidFill>
                     <a:srgbClr val="000000"/>
                   </a:solidFill>
-                  <a:latin typeface="Lato" panose="02010600030101010101" charset="0"/>
+                  <a:latin typeface="Lato" panose="020F0502020204030203" charset="0"/>
                   <a:ea typeface="华文中宋" panose="02010600040101010101" pitchFamily="2" charset="-122"/>
                 </a:rPr>
                 <a:t> &amp; </a:t>
@@ -16330,7 +16521,7 @@
                   <a:solidFill>
                     <a:srgbClr val="FF3300"/>
                   </a:solidFill>
-                  <a:latin typeface="Lato" panose="02010600030101010101" charset="0"/>
+                  <a:latin typeface="Lato" panose="020F0502020204030203" charset="0"/>
                   <a:ea typeface="华文中宋" panose="02010600040101010101" pitchFamily="2" charset="-122"/>
                 </a:rPr>
                 <a:t>operateor</a:t>
@@ -16340,7 +16531,7 @@
                   <a:solidFill>
                     <a:srgbClr val="FF3300"/>
                   </a:solidFill>
-                  <a:latin typeface="Lato" panose="02010600030101010101" charset="0"/>
+                  <a:latin typeface="Lato" panose="020F0502020204030203" charset="0"/>
                   <a:ea typeface="华文中宋" panose="02010600040101010101" pitchFamily="2" charset="-122"/>
                 </a:rPr>
                 <a:t> &gt;&gt;</a:t>
@@ -16350,7 +16541,7 @@
                   <a:solidFill>
                     <a:srgbClr val="000000"/>
                   </a:solidFill>
-                  <a:latin typeface="Lato" panose="02010600030101010101" charset="0"/>
+                  <a:latin typeface="Lato" panose="020F0502020204030203" charset="0"/>
                   <a:ea typeface="华文中宋" panose="02010600040101010101" pitchFamily="2" charset="-122"/>
                 </a:rPr>
                 <a:t> (</a:t>
@@ -16360,7 +16551,7 @@
                   <a:solidFill>
                     <a:srgbClr val="000000"/>
                   </a:solidFill>
-                  <a:latin typeface="Lato" panose="02010600030101010101" charset="0"/>
+                  <a:latin typeface="Lato" panose="020F0502020204030203" charset="0"/>
                   <a:ea typeface="华文中宋" panose="02010600040101010101" pitchFamily="2" charset="-122"/>
                 </a:rPr>
                 <a:t>istream</a:t>
@@ -16370,7 +16561,7 @@
                   <a:solidFill>
                     <a:srgbClr val="000000"/>
                   </a:solidFill>
-                  <a:latin typeface="Lato" panose="02010600030101010101" charset="0"/>
+                  <a:latin typeface="Lato" panose="020F0502020204030203" charset="0"/>
                   <a:ea typeface="华文中宋" panose="02010600040101010101" pitchFamily="2" charset="-122"/>
                 </a:rPr>
                 <a:t> </a:t>
@@ -16380,7 +16571,7 @@
                   <a:solidFill>
                     <a:srgbClr val="000000"/>
                   </a:solidFill>
-                  <a:latin typeface="Lato" panose="02010600030101010101" charset="0"/>
+                  <a:latin typeface="Lato" panose="020F0502020204030203" charset="0"/>
                   <a:ea typeface="华文中宋" panose="02010600040101010101" pitchFamily="2" charset="-122"/>
                 </a:rPr>
                 <a:t>&amp;,</a:t>
@@ -16390,7 +16581,7 @@
                   <a:solidFill>
                     <a:srgbClr val="000000"/>
                   </a:solidFill>
-                  <a:latin typeface="Lato" panose="02010600030101010101" charset="0"/>
+                  <a:latin typeface="Lato" panose="020F0502020204030203" charset="0"/>
                   <a:ea typeface="华文中宋" panose="02010600040101010101" pitchFamily="2" charset="-122"/>
                 </a:rPr>
                 <a:t> </a:t>
@@ -16400,7 +16591,7 @@
                   <a:solidFill>
                     <a:srgbClr val="00B0F0"/>
                   </a:solidFill>
-                  <a:latin typeface="Lato" panose="02010600030101010101" charset="0"/>
+                  <a:latin typeface="Lato" panose="020F0502020204030203" charset="0"/>
                   <a:ea typeface="华文中宋" panose="02010600040101010101" pitchFamily="2" charset="-122"/>
                 </a:rPr>
                 <a:t>user-defined class</a:t>
@@ -16410,7 +16601,7 @@
                   <a:solidFill>
                     <a:srgbClr val="000000"/>
                   </a:solidFill>
-                  <a:latin typeface="Lato" panose="02010600030101010101" charset="0"/>
+                  <a:latin typeface="Lato" panose="020F0502020204030203" charset="0"/>
                   <a:ea typeface="华文中宋" panose="02010600040101010101" pitchFamily="2" charset="-122"/>
                 </a:rPr>
                 <a:t>);</a:t>
@@ -16419,7 +16610,7 @@
                 <a:solidFill>
                   <a:srgbClr val="000000"/>
                 </a:solidFill>
-                <a:latin typeface="Lato" panose="02010600030101010101" charset="0"/>
+                <a:latin typeface="Lato" panose="020F0502020204030203" charset="0"/>
                 <a:ea typeface="华文中宋" panose="02010600040101010101" pitchFamily="2" charset="-122"/>
               </a:endParaRPr>
             </a:p>
@@ -16427,11 +16618,6 @@
         </p:sp>
       </p:grpSp>
     </p:spTree>
-    <p:extLst>
-      <p:ext uri="{BB962C8B-B14F-4D97-AF65-F5344CB8AC3E}">
-        <p14:creationId xmlns:p14="http://schemas.microsoft.com/office/powerpoint/2010/main" val="952404669"/>
-      </p:ext>
-    </p:extLst>
   </p:cSld>
   <p:clrMapOvr>
     <a:masterClrMapping/>
@@ -16819,6 +17005,11 @@
               </a:rPr>
               <a:t>&amp;t)</a:t>
             </a:r>
+            <a:endParaRPr lang="en-US" altLang="zh-CN" sz="1600" dirty="0">
+              <a:solidFill>
+                <a:srgbClr val="FF0000"/>
+              </a:solidFill>
+            </a:endParaRPr>
           </a:p>
           <a:p>
             <a:r>
@@ -16861,6 +17052,11 @@
               </a:rPr>
               <a:t> &lt;&lt; "minutes";</a:t>
             </a:r>
+            <a:endParaRPr lang="en-US" altLang="zh-CN" sz="1600" dirty="0">
+              <a:solidFill>
+                <a:schemeClr val="tx1"/>
+              </a:solidFill>
+            </a:endParaRPr>
           </a:p>
           <a:p>
             <a:r>
@@ -16871,6 +17067,11 @@
               </a:rPr>
               <a:t>   return out;</a:t>
             </a:r>
+            <a:endParaRPr lang="en-US" altLang="zh-CN" sz="1600" dirty="0">
+              <a:solidFill>
+                <a:schemeClr val="tx1"/>
+              </a:solidFill>
+            </a:endParaRPr>
           </a:p>
           <a:p>
             <a:r>
@@ -16881,6 +17082,11 @@
               </a:rPr>
               <a:t>}</a:t>
             </a:r>
+            <a:endParaRPr lang="en-US" altLang="zh-CN" sz="1600" dirty="0" smtClean="0">
+              <a:solidFill>
+                <a:schemeClr val="tx1"/>
+              </a:solidFill>
+            </a:endParaRPr>
           </a:p>
           <a:p>
             <a:r>
@@ -16931,6 +17137,11 @@
               </a:rPr>
               <a:t>&amp;t)</a:t>
             </a:r>
+            <a:endParaRPr lang="en-US" altLang="zh-CN" sz="1600" dirty="0">
+              <a:solidFill>
+                <a:srgbClr val="00B0F0"/>
+              </a:solidFill>
+            </a:endParaRPr>
           </a:p>
           <a:p>
             <a:r>
@@ -16957,6 +17168,11 @@
               </a:rPr>
               <a:t> &lt;&lt; "Input hours and minutes:";</a:t>
             </a:r>
+            <a:endParaRPr lang="en-US" altLang="zh-CN" sz="1600" dirty="0">
+              <a:solidFill>
+                <a:schemeClr val="tx1"/>
+              </a:solidFill>
+            </a:endParaRPr>
           </a:p>
           <a:p>
             <a:r>
@@ -16999,6 +17215,11 @@
               </a:rPr>
               <a:t>;</a:t>
             </a:r>
+            <a:endParaRPr lang="en-US" altLang="zh-CN" sz="1600" dirty="0">
+              <a:solidFill>
+                <a:schemeClr val="tx1"/>
+              </a:solidFill>
+            </a:endParaRPr>
           </a:p>
           <a:p>
             <a:r>
@@ -17009,6 +17230,11 @@
               </a:rPr>
               <a:t>    return in;</a:t>
             </a:r>
+            <a:endParaRPr lang="en-US" altLang="zh-CN" sz="1600" dirty="0">
+              <a:solidFill>
+                <a:schemeClr val="tx1"/>
+              </a:solidFill>
+            </a:endParaRPr>
           </a:p>
           <a:p>
             <a:r>
@@ -17019,6 +17245,11 @@
               </a:rPr>
               <a:t>}</a:t>
             </a:r>
+            <a:endParaRPr lang="en-US" altLang="zh-CN" sz="1600" dirty="0" smtClean="0">
+              <a:solidFill>
+                <a:schemeClr val="tx1"/>
+              </a:solidFill>
+            </a:endParaRPr>
           </a:p>
         </p:txBody>
       </p:sp>
@@ -17084,6 +17315,11 @@
               </a:rPr>
               <a:t>main( )</a:t>
             </a:r>
+            <a:endParaRPr lang="en-US" altLang="zh-CN" sz="1600" dirty="0">
+              <a:solidFill>
+                <a:schemeClr val="tx1"/>
+              </a:solidFill>
+            </a:endParaRPr>
           </a:p>
           <a:p>
             <a:r>
@@ -17110,6 +17346,11 @@
               </a:rPr>
               <a:t>t1, t2, t3;</a:t>
             </a:r>
+            <a:endParaRPr lang="en-US" altLang="zh-CN" sz="1600" dirty="0">
+              <a:solidFill>
+                <a:schemeClr val="tx1"/>
+              </a:solidFill>
+            </a:endParaRPr>
           </a:p>
           <a:p>
             <a:r>
@@ -17183,6 +17424,11 @@
               </a:rPr>
               <a:t>&lt;&lt; "t1 = " &lt;&lt; t1 &lt;&lt; "\n";</a:t>
             </a:r>
+            <a:endParaRPr lang="en-US" altLang="zh-CN" sz="1600" dirty="0">
+              <a:solidFill>
+                <a:srgbClr val="FF0000"/>
+              </a:solidFill>
+            </a:endParaRPr>
           </a:p>
           <a:p>
             <a:r>
@@ -17193,6 +17439,11 @@
               </a:rPr>
               <a:t>    t3 = t1 + t2; </a:t>
             </a:r>
+            <a:endParaRPr lang="en-US" altLang="zh-CN" sz="1600" dirty="0">
+              <a:solidFill>
+                <a:schemeClr val="tx1"/>
+              </a:solidFill>
+            </a:endParaRPr>
           </a:p>
           <a:p>
             <a:r>
@@ -17219,6 +17470,11 @@
               </a:rPr>
               <a:t> &lt;&lt; "t3 = t1 + t2 = " &lt;&lt; t3 &lt;&lt; "\n";</a:t>
             </a:r>
+            <a:endParaRPr lang="en-US" altLang="zh-CN" sz="1600" dirty="0">
+              <a:solidFill>
+                <a:srgbClr val="FF0000"/>
+              </a:solidFill>
+            </a:endParaRPr>
           </a:p>
           <a:p>
             <a:r>
@@ -17229,6 +17485,11 @@
               </a:rPr>
               <a:t>    return 0;</a:t>
             </a:r>
+            <a:endParaRPr lang="en-US" altLang="zh-CN" sz="1600" dirty="0">
+              <a:solidFill>
+                <a:schemeClr val="tx1"/>
+              </a:solidFill>
+            </a:endParaRPr>
           </a:p>
           <a:p>
             <a:r>
@@ -17248,11 +17509,6 @@
         </p:txBody>
       </p:sp>
     </p:spTree>
-    <p:extLst>
-      <p:ext uri="{BB962C8B-B14F-4D97-AF65-F5344CB8AC3E}">
-        <p14:creationId xmlns:p14="http://schemas.microsoft.com/office/powerpoint/2010/main" val="609835287"/>
-      </p:ext>
-    </p:extLst>
   </p:cSld>
   <p:clrMapOvr>
     <a:masterClrMapping/>
@@ -17403,6 +17659,7 @@
               <a:rPr lang="en-US" altLang="zh-CN" sz="2000" dirty="0" smtClean="0"/>
               <a:t>:</a:t>
             </a:r>
+            <a:endParaRPr lang="en-US" altLang="zh-CN" sz="2000" dirty="0" smtClean="0"/>
           </a:p>
           <a:p>
             <a:pPr marL="342900" indent="-342900">
@@ -17423,6 +17680,7 @@
               <a:rPr lang="en-US" altLang="zh-CN" sz="2000" dirty="0"/>
               <a:t>count = 8; </a:t>
             </a:r>
+            <a:endParaRPr lang="en-US" altLang="zh-CN" sz="2000" dirty="0"/>
           </a:p>
           <a:p>
             <a:pPr marL="0" indent="0">
@@ -17432,6 +17690,7 @@
               <a:rPr lang="en-US" altLang="zh-CN" sz="2000" dirty="0"/>
               <a:t>		double time = 11; </a:t>
             </a:r>
+            <a:endParaRPr lang="en-US" altLang="zh-CN" sz="2000" dirty="0"/>
           </a:p>
           <a:p>
             <a:pPr marL="0" indent="0">
@@ -17449,6 +17708,7 @@
               <a:rPr lang="en-US" altLang="zh-CN" sz="2000" dirty="0"/>
               <a:t> side = 3.33; </a:t>
             </a:r>
+            <a:endParaRPr lang="en-US" altLang="zh-CN" sz="2000" dirty="0"/>
           </a:p>
         </p:txBody>
       </p:sp>
@@ -17490,11 +17750,6 @@
         </p:txBody>
       </p:sp>
     </p:spTree>
-    <p:extLst>
-      <p:ext uri="{BB962C8B-B14F-4D97-AF65-F5344CB8AC3E}">
-        <p14:creationId xmlns:p14="http://schemas.microsoft.com/office/powerpoint/2010/main" val="1703719110"/>
-      </p:ext>
-    </p:extLst>
   </p:cSld>
   <p:clrMapOvr>
     <a:masterClrMapping/>
@@ -17553,7 +17808,7 @@
           <a:p>
             <a:pPr lvl="0"/>
             <a:r>
-              <a:rPr lang="en" altLang="zh-CN" sz="3300" dirty="0"/>
+              <a:rPr lang="en-GB" altLang="zh-CN" sz="3300" dirty="0"/>
               <a:t>#8 </a:t>
             </a:r>
             <a:r>
@@ -17600,6 +17855,7 @@
               <a:rPr lang="en-US" altLang="zh-CN" sz="2400" dirty="0" smtClean="0"/>
               <a:t>.</a:t>
             </a:r>
+            <a:endParaRPr lang="en-US" altLang="zh-CN" sz="2400" dirty="0" smtClean="0"/>
           </a:p>
           <a:p>
             <a:pPr marL="0" lvl="0" indent="0">
@@ -17624,11 +17880,6 @@
         </p:txBody>
       </p:sp>
     </p:spTree>
-    <p:extLst>
-      <p:ext uri="{BB962C8B-B14F-4D97-AF65-F5344CB8AC3E}">
-        <p14:creationId xmlns:p14="http://schemas.microsoft.com/office/powerpoint/2010/main" val="3522978791"/>
-      </p:ext>
-    </p:extLst>
   </p:cSld>
   <p:clrMapOvr>
     <a:masterClrMapping/>
@@ -17692,6 +17943,7 @@
               <a:rPr lang="en-US" altLang="zh-CN" sz="2000" dirty="0" smtClean="0"/>
               <a:t>automatic conversions happen when</a:t>
             </a:r>
+            <a:endParaRPr lang="en-US" altLang="zh-CN" sz="2000" dirty="0" smtClean="0"/>
           </a:p>
           <a:p>
             <a:pPr marL="0" indent="0">
@@ -17705,6 +17957,7 @@
               <a:rPr lang="en-US" altLang="zh-CN" sz="2000" dirty="0"/>
               <a:t>1)C++ converts values when you assign a value of one arithmetic type to a variable of another arithmetic type.</a:t>
             </a:r>
+            <a:endParaRPr lang="en-US" altLang="zh-CN" sz="2000" dirty="0"/>
           </a:p>
           <a:p>
             <a:pPr marL="0" indent="0">
@@ -17714,6 +17967,7 @@
               <a:rPr lang="en-US" altLang="zh-CN" sz="2000" dirty="0"/>
               <a:t>(2) C++ converts values when you combine mixed types in expressions.</a:t>
             </a:r>
+            <a:endParaRPr lang="en-US" altLang="zh-CN" sz="2000" dirty="0"/>
           </a:p>
           <a:p>
             <a:pPr marL="0" indent="0">
@@ -17727,6 +17981,7 @@
               <a:rPr lang="en-US" altLang="zh-CN" sz="2000" dirty="0" smtClean="0"/>
               <a:t>.</a:t>
             </a:r>
+            <a:endParaRPr lang="en-US" altLang="zh-CN" sz="2000" dirty="0" smtClean="0"/>
           </a:p>
         </p:txBody>
       </p:sp>
@@ -17768,11 +18023,6 @@
         </p:txBody>
       </p:sp>
     </p:spTree>
-    <p:extLst>
-      <p:ext uri="{BB962C8B-B14F-4D97-AF65-F5344CB8AC3E}">
-        <p14:creationId xmlns:p14="http://schemas.microsoft.com/office/powerpoint/2010/main" val="1614513204"/>
-      </p:ext>
-    </p:extLst>
   </p:cSld>
   <p:clrMapOvr>
     <a:masterClrMapping/>
@@ -17851,6 +18101,7 @@
               <a:rPr lang="en-US" altLang="zh-CN" sz="2000" dirty="0" smtClean="0"/>
               <a:t>cast.</a:t>
             </a:r>
+            <a:endParaRPr lang="en-US" altLang="zh-CN" sz="2000" dirty="0" smtClean="0"/>
           </a:p>
           <a:p>
             <a:pPr marL="342900" indent="-342900">
@@ -17879,6 +18130,7 @@
               <a:rPr lang="en-US" altLang="zh-CN" sz="2000" dirty="0"/>
               <a:t>thorn=1;</a:t>
             </a:r>
+            <a:endParaRPr lang="en-US" altLang="zh-CN" sz="2000" dirty="0"/>
           </a:p>
           <a:p>
             <a:pPr marL="0" indent="0">
@@ -17892,6 +18144,7 @@
               <a:rPr lang="en-US" altLang="zh-CN" sz="2000" dirty="0"/>
               <a:t>long) thorn //From C</a:t>
             </a:r>
+            <a:endParaRPr lang="en-US" altLang="zh-CN" sz="2000" dirty="0"/>
           </a:p>
           <a:p>
             <a:pPr marL="0" indent="0">
@@ -17905,6 +18158,7 @@
               <a:rPr lang="en-US" altLang="zh-CN" sz="2000" dirty="0"/>
               <a:t>(thorn) // New C++</a:t>
             </a:r>
+            <a:endParaRPr lang="en-US" altLang="zh-CN" sz="2000" dirty="0"/>
           </a:p>
           <a:p>
             <a:endParaRPr lang="en-US" altLang="zh-CN" sz="2000" dirty="0">
@@ -17953,11 +18207,6 @@
         </p:txBody>
       </p:sp>
     </p:spTree>
-    <p:extLst>
-      <p:ext uri="{BB962C8B-B14F-4D97-AF65-F5344CB8AC3E}">
-        <p14:creationId xmlns:p14="http://schemas.microsoft.com/office/powerpoint/2010/main" val="1865396255"/>
-      </p:ext>
-    </p:extLst>
   </p:cSld>
   <p:clrMapOvr>
     <a:masterClrMapping/>
@@ -18128,6 +18377,11 @@
               </a:rPr>
               <a:t>a type cast.</a:t>
             </a:r>
+            <a:endParaRPr lang="en-US" altLang="zh-CN" sz="2000" dirty="0">
+              <a:solidFill>
+                <a:schemeClr val="bg1"/>
+              </a:solidFill>
+            </a:endParaRPr>
           </a:p>
         </p:txBody>
       </p:sp>
@@ -18169,11 +18423,6 @@
         </p:txBody>
       </p:sp>
     </p:spTree>
-    <p:extLst>
-      <p:ext uri="{BB962C8B-B14F-4D97-AF65-F5344CB8AC3E}">
-        <p14:creationId xmlns:p14="http://schemas.microsoft.com/office/powerpoint/2010/main" val="1621236808"/>
-      </p:ext>
-    </p:extLst>
   </p:cSld>
   <p:clrMapOvr>
     <a:masterClrMapping/>
@@ -18257,75 +18506,6 @@
               </a:rPr>
               <a:t>:</a:t>
             </a:r>
-          </a:p>
-          <a:p>
-            <a:pPr marL="109535" indent="0">
-              <a:buNone/>
-            </a:pPr>
-            <a:r>
-              <a:rPr lang="en-US" altLang="zh-CN" sz="2000" dirty="0" smtClean="0">
-                <a:solidFill>
-                  <a:schemeClr val="bg1"/>
-                </a:solidFill>
-              </a:rPr>
-              <a:t>(1) A </a:t>
-            </a:r>
-            <a:r>
-              <a:rPr lang="en-US" altLang="zh-CN" sz="2000" dirty="0">
-                <a:solidFill>
-                  <a:schemeClr val="bg1"/>
-                </a:solidFill>
-              </a:rPr>
-              <a:t>class</a:t>
-            </a:r>
-            <a:r>
-              <a:rPr lang="en-US" altLang="zh-CN" sz="2000" dirty="0">
-                <a:solidFill>
-                  <a:srgbClr val="FF0000"/>
-                </a:solidFill>
-              </a:rPr>
-              <a:t> </a:t>
-            </a:r>
-            <a:r>
-              <a:rPr lang="en-US" altLang="zh-CN" sz="2000" dirty="0" smtClean="0">
-                <a:solidFill>
-                  <a:srgbClr val="00B050"/>
-                </a:solidFill>
-              </a:rPr>
-              <a:t>conversion constructor </a:t>
-            </a:r>
-            <a:r>
-              <a:rPr lang="en-US" altLang="zh-CN" sz="2000" dirty="0">
-                <a:solidFill>
-                  <a:srgbClr val="FFFF00"/>
-                </a:solidFill>
-              </a:rPr>
-              <a:t>that has but a single argument</a:t>
-            </a:r>
-            <a:r>
-              <a:rPr lang="en-US" altLang="zh-CN" sz="2000" dirty="0">
-                <a:solidFill>
-                  <a:schemeClr val="bg1"/>
-                </a:solidFill>
-              </a:rPr>
-              <a:t> serves as an instruction for </a:t>
-            </a:r>
-            <a:r>
-              <a:rPr lang="en-US" altLang="zh-CN" sz="2000" dirty="0">
-                <a:solidFill>
-                  <a:srgbClr val="00B0F0"/>
-                </a:solidFill>
-              </a:rPr>
-              <a:t>converting a value of the argument type to the class type</a:t>
-            </a:r>
-            <a:r>
-              <a:rPr lang="en-US" altLang="zh-CN" sz="2000" dirty="0">
-                <a:solidFill>
-                  <a:schemeClr val="bg1"/>
-                </a:solidFill>
-              </a:rPr>
-              <a:t>. </a:t>
-            </a:r>
             <a:endParaRPr lang="en-US" altLang="zh-CN" sz="2000" dirty="0" smtClean="0">
               <a:solidFill>
                 <a:schemeClr val="bg1"/>
@@ -18333,15 +18513,89 @@
             </a:endParaRPr>
           </a:p>
           <a:p>
-            <a:pPr marL="109535" indent="0">
+            <a:pPr marL="109220" indent="0">
               <a:buNone/>
             </a:pPr>
             <a:r>
+              <a:rPr lang="en-US" altLang="zh-CN" sz="2000" dirty="0" smtClean="0">
+                <a:solidFill>
+                  <a:schemeClr val="bg1"/>
+                </a:solidFill>
+              </a:rPr>
+              <a:t>(1) A </a:t>
+            </a:r>
+            <a:r>
               <a:rPr lang="en-US" altLang="zh-CN" sz="2000" dirty="0">
                 <a:solidFill>
                   <a:schemeClr val="bg1"/>
                 </a:solidFill>
               </a:rPr>
+              <a:t>class</a:t>
+            </a:r>
+            <a:r>
+              <a:rPr lang="en-US" altLang="zh-CN" sz="2000" dirty="0">
+                <a:solidFill>
+                  <a:srgbClr val="FF0000"/>
+                </a:solidFill>
+              </a:rPr>
+              <a:t> </a:t>
+            </a:r>
+            <a:r>
+              <a:rPr lang="en-US" altLang="zh-CN" sz="2000" dirty="0" smtClean="0">
+                <a:solidFill>
+                  <a:srgbClr val="00B050"/>
+                </a:solidFill>
+              </a:rPr>
+              <a:t>conversion constructor </a:t>
+            </a:r>
+            <a:r>
+              <a:rPr lang="en-US" altLang="zh-CN" sz="2000" dirty="0">
+                <a:solidFill>
+                  <a:srgbClr val="FFFF00"/>
+                </a:solidFill>
+              </a:rPr>
+              <a:t>that has but a single argument</a:t>
+            </a:r>
+            <a:r>
+              <a:rPr lang="en-US" altLang="zh-CN" sz="2000" dirty="0">
+                <a:solidFill>
+                  <a:schemeClr val="bg1"/>
+                </a:solidFill>
+              </a:rPr>
+              <a:t> serves as an instruction for </a:t>
+            </a:r>
+            <a:r>
+              <a:rPr lang="en-US" altLang="zh-CN" sz="2000" dirty="0">
+                <a:solidFill>
+                  <a:srgbClr val="00B0F0"/>
+                </a:solidFill>
+              </a:rPr>
+              <a:t>converting a value of the argument type to the class type</a:t>
+            </a:r>
+            <a:r>
+              <a:rPr lang="en-US" altLang="zh-CN" sz="2000" dirty="0">
+                <a:solidFill>
+                  <a:schemeClr val="bg1"/>
+                </a:solidFill>
+              </a:rPr>
+              <a:t>. </a:t>
+            </a:r>
+            <a:endParaRPr lang="en-US" altLang="zh-CN" sz="2000" dirty="0" smtClean="0">
+              <a:solidFill>
+                <a:schemeClr val="bg1"/>
+              </a:solidFill>
+            </a:endParaRPr>
+          </a:p>
+          <a:p>
+            <a:pPr marL="109220" indent="0">
+              <a:buNone/>
+            </a:pPr>
+            <a:r>
+              <a:rPr lang="en-US" altLang="zh-CN" sz="2000" dirty="0">
+                <a:solidFill>
+                  <a:schemeClr val="bg1"/>
+                </a:solidFill>
+              </a:rPr>
               <a:t>(2) A special class </a:t>
             </a:r>
             <a:r>
@@ -18408,6 +18662,11 @@
               </a:rPr>
               <a:t>.</a:t>
             </a:r>
+            <a:endParaRPr lang="en-US" altLang="zh-CN" sz="2000" dirty="0">
+              <a:solidFill>
+                <a:schemeClr val="bg1"/>
+              </a:solidFill>
+            </a:endParaRPr>
           </a:p>
         </p:txBody>
       </p:sp>
@@ -18449,11 +18708,6 @@
         </p:txBody>
       </p:sp>
     </p:spTree>
-    <p:extLst>
-      <p:ext uri="{BB962C8B-B14F-4D97-AF65-F5344CB8AC3E}">
-        <p14:creationId xmlns:p14="http://schemas.microsoft.com/office/powerpoint/2010/main" val="1051302497"/>
-      </p:ext>
-    </p:extLst>
   </p:cSld>
   <p:clrMapOvr>
     <a:masterClrMapping/>
@@ -18559,7 +18813,7 @@
           <p:nvPr/>
         </p:nvPicPr>
         <p:blipFill>
-          <a:blip r:embed="rId2"/>
+          <a:blip r:embed="rId1"/>
           <a:stretch>
             <a:fillRect/>
           </a:stretch>
@@ -18759,11 +19013,6 @@
         </p:txBody>
       </p:sp>
     </p:spTree>
-    <p:extLst>
-      <p:ext uri="{BB962C8B-B14F-4D97-AF65-F5344CB8AC3E}">
-        <p14:creationId xmlns:p14="http://schemas.microsoft.com/office/powerpoint/2010/main" val="49226513"/>
-      </p:ext>
-    </p:extLst>
   </p:cSld>
   <p:clrMapOvr>
     <a:masterClrMapping/>
@@ -19110,7 +19359,7 @@
           <p:nvPr/>
         </p:nvPicPr>
         <p:blipFill>
-          <a:blip r:embed="rId2"/>
+          <a:blip r:embed="rId1"/>
           <a:stretch>
             <a:fillRect/>
           </a:stretch>
@@ -19318,7 +19567,7 @@
           <p:nvPr/>
         </p:nvPicPr>
         <p:blipFill>
-          <a:blip r:embed="rId3"/>
+          <a:blip r:embed="rId2"/>
           <a:stretch>
             <a:fillRect/>
           </a:stretch>
@@ -19339,11 +19588,6 @@
         </p:spPr>
       </p:pic>
     </p:spTree>
-    <p:extLst>
-      <p:ext uri="{BB962C8B-B14F-4D97-AF65-F5344CB8AC3E}">
-        <p14:creationId xmlns:p14="http://schemas.microsoft.com/office/powerpoint/2010/main" val="3128720645"/>
-      </p:ext>
-    </p:extLst>
   </p:cSld>
   <p:clrMapOvr>
     <a:masterClrMapping/>
@@ -19449,7 +19693,7 @@
           <p:nvPr/>
         </p:nvPicPr>
         <p:blipFill>
-          <a:blip r:embed="rId2"/>
+          <a:blip r:embed="rId1"/>
           <a:stretch>
             <a:fillRect/>
           </a:stretch>
@@ -19657,7 +19901,7 @@
           <p:nvPr/>
         </p:nvPicPr>
         <p:blipFill>
-          <a:blip r:embed="rId3"/>
+          <a:blip r:embed="rId2"/>
           <a:stretch>
             <a:fillRect/>
           </a:stretch>
@@ -19715,11 +19959,6 @@
         </p:txBody>
       </p:sp>
     </p:spTree>
-    <p:extLst>
-      <p:ext uri="{BB962C8B-B14F-4D97-AF65-F5344CB8AC3E}">
-        <p14:creationId xmlns:p14="http://schemas.microsoft.com/office/powerpoint/2010/main" val="187703523"/>
-      </p:ext>
-    </p:extLst>
   </p:cSld>
   <p:clrMapOvr>
     <a:masterClrMapping/>
@@ -19904,7 +20143,7 @@
           <p:nvPr/>
         </p:nvPicPr>
         <p:blipFill>
-          <a:blip r:embed="rId2"/>
+          <a:blip r:embed="rId1"/>
           <a:stretch>
             <a:fillRect/>
           </a:stretch>
@@ -20112,7 +20351,7 @@
           <p:nvPr/>
         </p:nvPicPr>
         <p:blipFill>
-          <a:blip r:embed="rId3"/>
+          <a:blip r:embed="rId2"/>
           <a:stretch>
             <a:fillRect/>
           </a:stretch>
@@ -20218,11 +20457,6 @@
         </p:cxnSp>
       </p:grpSp>
     </p:spTree>
-    <p:extLst>
-      <p:ext uri="{BB962C8B-B14F-4D97-AF65-F5344CB8AC3E}">
-        <p14:creationId xmlns:p14="http://schemas.microsoft.com/office/powerpoint/2010/main" val="1800307054"/>
-      </p:ext>
-    </p:extLst>
   </p:cSld>
   <p:clrMapOvr>
     <a:masterClrMapping/>
@@ -20438,6 +20672,11 @@
               </a:rPr>
               <a:t>.</a:t>
             </a:r>
+            <a:endParaRPr lang="en-US" altLang="zh-CN" sz="2000" dirty="0" smtClean="0">
+              <a:solidFill>
+                <a:schemeClr val="bg1"/>
+              </a:solidFill>
+            </a:endParaRPr>
           </a:p>
           <a:p>
             <a:endParaRPr lang="en-US" altLang="zh-CN" sz="2000" dirty="0" smtClean="0">
@@ -20490,11 +20729,6 @@
         </p:txBody>
       </p:sp>
     </p:spTree>
-    <p:extLst>
-      <p:ext uri="{BB962C8B-B14F-4D97-AF65-F5344CB8AC3E}">
-        <p14:creationId xmlns:p14="http://schemas.microsoft.com/office/powerpoint/2010/main" val="409056593"/>
-      </p:ext>
-    </p:extLst>
   </p:cSld>
   <p:clrMapOvr>
     <a:masterClrMapping/>
@@ -20578,75 +20812,6 @@
               </a:rPr>
               <a:t>conversion, thus</a:t>
             </a:r>
-          </a:p>
-          <a:p>
-            <a:pPr marL="109535" indent="0" algn="ctr">
-              <a:buNone/>
-            </a:pPr>
-            <a:r>
-              <a:rPr lang="en-US" altLang="zh-CN" sz="2000" dirty="0" err="1" smtClean="0">
-                <a:solidFill>
-                  <a:schemeClr val="bg1"/>
-                </a:solidFill>
-              </a:rPr>
-              <a:t>Stonewt</a:t>
-            </a:r>
-            <a:r>
-              <a:rPr lang="en-US" altLang="zh-CN" sz="2000" dirty="0" smtClean="0">
-                <a:solidFill>
-                  <a:schemeClr val="bg1"/>
-                </a:solidFill>
-              </a:rPr>
-              <a:t>(</a:t>
-            </a:r>
-            <a:r>
-              <a:rPr lang="en-US" altLang="zh-CN" sz="2000" dirty="0" err="1" smtClean="0">
-                <a:solidFill>
-                  <a:schemeClr val="bg1"/>
-                </a:solidFill>
-              </a:rPr>
-              <a:t>int</a:t>
-            </a:r>
-            <a:r>
-              <a:rPr lang="en-US" altLang="zh-CN" sz="2000" dirty="0" smtClean="0">
-                <a:solidFill>
-                  <a:schemeClr val="bg1"/>
-                </a:solidFill>
-              </a:rPr>
-              <a:t> </a:t>
-            </a:r>
-            <a:r>
-              <a:rPr lang="en-US" altLang="zh-CN" sz="2000" dirty="0" err="1">
-                <a:solidFill>
-                  <a:schemeClr val="bg1"/>
-                </a:solidFill>
-              </a:rPr>
-              <a:t>stn</a:t>
-            </a:r>
-            <a:r>
-              <a:rPr lang="en-US" altLang="zh-CN" sz="2000" dirty="0">
-                <a:solidFill>
-                  <a:schemeClr val="bg1"/>
-                </a:solidFill>
-              </a:rPr>
-              <a:t>, double </a:t>
-            </a:r>
-            <a:r>
-              <a:rPr lang="en-US" altLang="zh-CN" sz="2000" dirty="0" err="1">
-                <a:solidFill>
-                  <a:schemeClr val="bg1"/>
-                </a:solidFill>
-              </a:rPr>
-              <a:t>lbs</a:t>
-            </a:r>
-            <a:r>
-              <a:rPr lang="en-US" altLang="zh-CN" sz="2000" dirty="0">
-                <a:solidFill>
-                  <a:schemeClr val="bg1"/>
-                </a:solidFill>
-              </a:rPr>
-              <a:t>); </a:t>
-            </a:r>
             <a:endParaRPr lang="en-US" altLang="zh-CN" sz="2000" dirty="0" smtClean="0">
               <a:solidFill>
                 <a:schemeClr val="bg1"/>
@@ -20654,7 +20819,81 @@
             </a:endParaRPr>
           </a:p>
           <a:p>
-            <a:pPr marL="109535" indent="0" algn="r">
+            <a:pPr marL="109220" indent="0" algn="ctr">
+              <a:buNone/>
+            </a:pPr>
+            <a:r>
+              <a:rPr lang="en-US" altLang="zh-CN" sz="2000" dirty="0" err="1" smtClean="0">
+                <a:solidFill>
+                  <a:schemeClr val="bg1"/>
+                </a:solidFill>
+              </a:rPr>
+              <a:t>Stonewt</a:t>
+            </a:r>
+            <a:r>
+              <a:rPr lang="en-US" altLang="zh-CN" sz="2000" dirty="0" smtClean="0">
+                <a:solidFill>
+                  <a:schemeClr val="bg1"/>
+                </a:solidFill>
+              </a:rPr>
+              <a:t>(</a:t>
+            </a:r>
+            <a:r>
+              <a:rPr lang="en-US" altLang="zh-CN" sz="2000" dirty="0" err="1" smtClean="0">
+                <a:solidFill>
+                  <a:schemeClr val="bg1"/>
+                </a:solidFill>
+              </a:rPr>
+              <a:t>int</a:t>
+            </a:r>
+            <a:r>
+              <a:rPr lang="en-US" altLang="zh-CN" sz="2000" dirty="0" smtClean="0">
+                <a:solidFill>
+                  <a:schemeClr val="bg1"/>
+                </a:solidFill>
+              </a:rPr>
+              <a:t> </a:t>
+            </a:r>
+            <a:r>
+              <a:rPr lang="en-US" altLang="zh-CN" sz="2000" dirty="0" err="1">
+                <a:solidFill>
+                  <a:schemeClr val="bg1"/>
+                </a:solidFill>
+              </a:rPr>
+              <a:t>stn</a:t>
+            </a:r>
+            <a:r>
+              <a:rPr lang="en-US" altLang="zh-CN" sz="2000" dirty="0">
+                <a:solidFill>
+                  <a:schemeClr val="bg1"/>
+                </a:solidFill>
+              </a:rPr>
+              <a:t>, double </a:t>
+            </a:r>
+            <a:r>
+              <a:rPr lang="en-US" altLang="zh-CN" sz="2000" dirty="0" err="1">
+                <a:solidFill>
+                  <a:schemeClr val="bg1"/>
+                </a:solidFill>
+              </a:rPr>
+              <a:t>lbs</a:t>
+            </a:r>
+            <a:r>
+              <a:rPr lang="en-US" altLang="zh-CN" sz="2000" dirty="0">
+                <a:solidFill>
+                  <a:schemeClr val="bg1"/>
+                </a:solidFill>
+              </a:rPr>
+              <a:t>); </a:t>
+            </a:r>
+            <a:endParaRPr lang="en-US" altLang="zh-CN" sz="2000" dirty="0" smtClean="0">
+              <a:solidFill>
+                <a:schemeClr val="bg1"/>
+              </a:solidFill>
+            </a:endParaRPr>
+          </a:p>
+          <a:p>
+            <a:pPr marL="109220" indent="0" algn="r">
               <a:buNone/>
             </a:pPr>
             <a:r>
@@ -20728,9 +20967,14 @@
               </a:rPr>
               <a:t>:</a:t>
             </a:r>
-          </a:p>
-          <a:p>
-            <a:pPr marL="109535" indent="0" algn="ctr">
+            <a:endParaRPr lang="en-US" altLang="zh-CN" sz="2000" dirty="0">
+              <a:solidFill>
+                <a:schemeClr val="bg1"/>
+              </a:solidFill>
+            </a:endParaRPr>
+          </a:p>
+          <a:p>
+            <a:pPr marL="109220" indent="0" algn="ctr">
               <a:buNone/>
             </a:pPr>
             <a:r>
@@ -20820,7 +21064,7 @@
             </a:endParaRPr>
           </a:p>
           <a:p>
-            <a:pPr marL="109535" indent="0" algn="r">
+            <a:pPr marL="109220" indent="0" algn="r">
               <a:buNone/>
             </a:pPr>
             <a:r>
@@ -20921,11 +21165,6 @@
         </p:txBody>
       </p:sp>
     </p:spTree>
-    <p:extLst>
-      <p:ext uri="{BB962C8B-B14F-4D97-AF65-F5344CB8AC3E}">
-        <p14:creationId xmlns:p14="http://schemas.microsoft.com/office/powerpoint/2010/main" val="1076407641"/>
-      </p:ext>
-    </p:extLst>
   </p:cSld>
   <p:clrMapOvr>
     <a:masterClrMapping/>
@@ -20997,6 +21236,7 @@
               <a:rPr lang="en-US" altLang="zh-CN" sz="2000" dirty="0" smtClean="0"/>
               <a:t>.</a:t>
             </a:r>
+            <a:endParaRPr lang="en-US" altLang="zh-CN" sz="2000" dirty="0" smtClean="0"/>
           </a:p>
           <a:p>
             <a:r>
@@ -21010,7 +21250,7 @@
             <a:endParaRPr lang="en-US" altLang="zh-CN" sz="2000" dirty="0" smtClean="0"/>
           </a:p>
           <a:p>
-            <a:pPr marL="109535" indent="0">
+            <a:pPr marL="109220" indent="0">
               <a:buNone/>
             </a:pPr>
             <a:r>
@@ -21044,7 +21284,7 @@
             <a:endParaRPr lang="en-US" altLang="zh-CN" sz="2000" dirty="0" smtClean="0"/>
           </a:p>
           <a:p>
-            <a:pPr marL="109535" indent="0">
+            <a:pPr marL="109220" indent="0">
               <a:buNone/>
             </a:pPr>
             <a:r>
@@ -21067,6 +21307,7 @@
               <a:rPr lang="en-US" altLang="zh-CN" sz="2000" dirty="0" smtClean="0"/>
               <a:t>.</a:t>
             </a:r>
+            <a:endParaRPr lang="en-US" altLang="zh-CN" sz="2000" dirty="0" smtClean="0"/>
           </a:p>
         </p:txBody>
       </p:sp>
@@ -21104,11 +21345,6 @@
         </p:txBody>
       </p:sp>
     </p:spTree>
-    <p:extLst>
-      <p:ext uri="{BB962C8B-B14F-4D97-AF65-F5344CB8AC3E}">
-        <p14:creationId xmlns:p14="http://schemas.microsoft.com/office/powerpoint/2010/main" val="1648822023"/>
-      </p:ext>
-    </p:extLst>
   </p:cSld>
   <p:clrMapOvr>
     <a:masterClrMapping/>
@@ -21230,6 +21466,11 @@
               </a:rPr>
               <a:t> object, using 19.6 as the initialization value. </a:t>
             </a:r>
+            <a:endParaRPr lang="en-US" altLang="zh-CN" sz="2000" dirty="0" smtClean="0">
+              <a:solidFill>
+                <a:schemeClr val="bg1"/>
+              </a:solidFill>
+            </a:endParaRPr>
           </a:p>
           <a:p>
             <a:r>
@@ -21272,6 +21513,11 @@
               </a:rPr>
               <a:t>.</a:t>
             </a:r>
+            <a:endParaRPr lang="en-US" altLang="zh-CN" sz="2000" dirty="0" smtClean="0">
+              <a:solidFill>
+                <a:schemeClr val="bg1"/>
+              </a:solidFill>
+            </a:endParaRPr>
           </a:p>
           <a:p>
             <a:endParaRPr lang="en-US" altLang="zh-CN" sz="2000" dirty="0">
@@ -21332,7 +21578,7 @@
           <p:nvPr/>
         </p:nvPicPr>
         <p:blipFill>
-          <a:blip r:embed="rId2"/>
+          <a:blip r:embed="rId1"/>
           <a:stretch>
             <a:fillRect/>
           </a:stretch>
@@ -21398,11 +21644,6 @@
         </p:txBody>
       </p:sp>
     </p:spTree>
-    <p:extLst>
-      <p:ext uri="{BB962C8B-B14F-4D97-AF65-F5344CB8AC3E}">
-        <p14:creationId xmlns:p14="http://schemas.microsoft.com/office/powerpoint/2010/main" val="3831135693"/>
-      </p:ext>
-    </p:extLst>
   </p:cSld>
   <p:clrMapOvr>
     <a:masterClrMapping/>
@@ -21725,9 +21966,14 @@
               </a:rPr>
               <a:t>happened?</a:t>
             </a:r>
-          </a:p>
-          <a:p>
-            <a:pPr marL="109535" indent="0">
+            <a:endParaRPr lang="en-US" altLang="zh-CN" sz="2000" dirty="0" smtClean="0">
+              <a:solidFill>
+                <a:schemeClr val="bg1"/>
+              </a:solidFill>
+            </a:endParaRPr>
+          </a:p>
+          <a:p>
+            <a:pPr marL="109220" indent="0">
               <a:buNone/>
             </a:pPr>
             <a:r>
@@ -21794,9 +22040,14 @@
               </a:rPr>
               <a:t>double value;</a:t>
             </a:r>
-          </a:p>
-          <a:p>
-            <a:pPr marL="109535" indent="0">
+            <a:endParaRPr lang="en-US" altLang="zh-CN" sz="1900" dirty="0" smtClean="0">
+              <a:solidFill>
+                <a:schemeClr val="bg1"/>
+              </a:solidFill>
+            </a:endParaRPr>
+          </a:p>
+          <a:p>
+            <a:pPr marL="109220" indent="0">
               <a:buNone/>
             </a:pPr>
             <a:r>
@@ -21839,9 +22090,14 @@
               </a:rPr>
               <a:t> object;</a:t>
             </a:r>
-          </a:p>
-          <a:p>
-            <a:pPr marL="109535" indent="0">
+            <a:endParaRPr lang="en-US" altLang="zh-CN" sz="1900" dirty="0" smtClean="0">
+              <a:solidFill>
+                <a:schemeClr val="bg1"/>
+              </a:solidFill>
+            </a:endParaRPr>
+          </a:p>
+          <a:p>
+            <a:pPr marL="109220" indent="0">
               <a:buNone/>
             </a:pPr>
             <a:r>
@@ -21923,7 +22179,7 @@
             </a:endParaRPr>
           </a:p>
           <a:p>
-            <a:pPr marL="109535" indent="0">
+            <a:pPr marL="109220" indent="0">
               <a:buNone/>
             </a:pPr>
             <a:r>
@@ -22032,11 +22288,6 @@
         </p:txBody>
       </p:sp>
     </p:spTree>
-    <p:extLst>
-      <p:ext uri="{BB962C8B-B14F-4D97-AF65-F5344CB8AC3E}">
-        <p14:creationId xmlns:p14="http://schemas.microsoft.com/office/powerpoint/2010/main" val="869396472"/>
-      </p:ext>
-    </p:extLst>
   </p:cSld>
   <p:clrMapOvr>
     <a:masterClrMapping/>
@@ -22112,9 +22363,14 @@
               </a:rPr>
               <a:t>happened?</a:t>
             </a:r>
-          </a:p>
-          <a:p>
-            <a:pPr marL="109535" indent="0">
+            <a:endParaRPr lang="en-US" altLang="zh-CN" sz="2000" dirty="0" smtClean="0">
+              <a:solidFill>
+                <a:schemeClr val="bg1"/>
+              </a:solidFill>
+            </a:endParaRPr>
+          </a:p>
+          <a:p>
+            <a:pPr marL="109220" indent="0">
               <a:buNone/>
             </a:pPr>
             <a:r>
@@ -22157,9 +22413,14 @@
               </a:rPr>
               <a:t>double</a:t>
             </a:r>
-          </a:p>
-          <a:p>
-            <a:pPr marL="109535" indent="0">
+            <a:endParaRPr lang="en-US" altLang="zh-CN" sz="1900" b="1" dirty="0" smtClean="0">
+              <a:solidFill>
+                <a:srgbClr val="FFFF00"/>
+              </a:solidFill>
+            </a:endParaRPr>
+          </a:p>
+          <a:p>
+            <a:pPr marL="109220" indent="0">
               <a:buNone/>
             </a:pPr>
             <a:r>
@@ -22170,9 +22431,14 @@
               </a:rPr>
               <a:t>For example:</a:t>
             </a:r>
-          </a:p>
-          <a:p>
-            <a:pPr marL="109535" indent="0">
+            <a:endParaRPr lang="en-US" altLang="zh-CN" sz="1900" dirty="0" smtClean="0">
+              <a:solidFill>
+                <a:schemeClr val="bg1"/>
+              </a:solidFill>
+            </a:endParaRPr>
+          </a:p>
+          <a:p>
+            <a:pPr marL="109220" indent="0">
               <a:buNone/>
             </a:pPr>
             <a:r>
@@ -22246,7 +22512,7 @@
             </a:endParaRPr>
           </a:p>
           <a:p>
-            <a:pPr marL="109535" indent="0">
+            <a:pPr marL="109220" indent="0">
               <a:buNone/>
             </a:pPr>
             <a:r>
@@ -22289,9 +22555,14 @@
               </a:rPr>
               <a:t>(double)</a:t>
             </a:r>
-          </a:p>
-          <a:p>
-            <a:pPr marL="109535" indent="0">
+            <a:endParaRPr lang="en-US" altLang="zh-CN" sz="1900" dirty="0" smtClean="0">
+              <a:solidFill>
+                <a:srgbClr val="FFFF00"/>
+              </a:solidFill>
+            </a:endParaRPr>
+          </a:p>
+          <a:p>
+            <a:pPr marL="109220" indent="0">
               <a:buNone/>
             </a:pPr>
             <a:endParaRPr lang="en-US" altLang="zh-CN" sz="1900" dirty="0">
@@ -22396,6 +22667,11 @@
               </a:rPr>
               <a:t> choice. </a:t>
             </a:r>
+            <a:endParaRPr lang="en-US" altLang="zh-CN" sz="2000" dirty="0" smtClean="0">
+              <a:solidFill>
+                <a:srgbClr val="00B0F0"/>
+              </a:solidFill>
+            </a:endParaRPr>
           </a:p>
           <a:p>
             <a:r>
@@ -22479,11 +22755,6 @@
         </p:txBody>
       </p:sp>
     </p:spTree>
-    <p:extLst>
-      <p:ext uri="{BB962C8B-B14F-4D97-AF65-F5344CB8AC3E}">
-        <p14:creationId xmlns:p14="http://schemas.microsoft.com/office/powerpoint/2010/main" val="2597853077"/>
-      </p:ext>
-    </p:extLst>
   </p:cSld>
   <p:clrMapOvr>
     <a:masterClrMapping/>
@@ -22701,9 +22972,14 @@
               </a:rPr>
               <a:t>as :</a:t>
             </a:r>
-          </a:p>
-          <a:p>
-            <a:pPr marL="109535" indent="0" algn="ctr">
+            <a:endParaRPr lang="en-US" altLang="zh-CN" sz="2000" dirty="0" smtClean="0">
+              <a:solidFill>
+                <a:schemeClr val="bg1"/>
+              </a:solidFill>
+            </a:endParaRPr>
+          </a:p>
+          <a:p>
+            <a:pPr marL="109220" indent="0" algn="ctr">
               <a:buNone/>
             </a:pPr>
             <a:r>
@@ -22754,6 +23030,11 @@
               </a:rPr>
               <a:t>); </a:t>
             </a:r>
+            <a:endParaRPr lang="en-US" altLang="zh-CN" sz="2000" dirty="0">
+              <a:solidFill>
+                <a:schemeClr val="bg1"/>
+              </a:solidFill>
+            </a:endParaRPr>
           </a:p>
           <a:p>
             <a:r>
@@ -22764,9 +23045,14 @@
               </a:rPr>
               <a:t>Using explicit type casts:</a:t>
             </a:r>
-          </a:p>
-          <a:p>
-            <a:pPr marL="109535" indent="0">
+            <a:endParaRPr lang="en-US" altLang="zh-CN" sz="2000" dirty="0" smtClean="0">
+              <a:solidFill>
+                <a:schemeClr val="bg1"/>
+              </a:solidFill>
+            </a:endParaRPr>
+          </a:p>
+          <a:p>
+            <a:pPr marL="109220" indent="0">
               <a:buNone/>
             </a:pPr>
             <a:r>
@@ -22809,9 +23095,14 @@
               </a:rPr>
               <a:t>; </a:t>
             </a:r>
-          </a:p>
-          <a:p>
-            <a:pPr marL="109535" indent="0">
+            <a:endParaRPr lang="en-US" altLang="zh-CN" sz="2000" dirty="0">
+              <a:solidFill>
+                <a:schemeClr val="bg1"/>
+              </a:solidFill>
+            </a:endParaRPr>
+          </a:p>
+          <a:p>
+            <a:pPr marL="109220" indent="0">
               <a:buNone/>
             </a:pPr>
             <a:r>
@@ -22854,9 +23145,14 @@
               </a:rPr>
               <a:t>                        </a:t>
             </a:r>
-          </a:p>
-          <a:p>
-            <a:pPr marL="109535" indent="0">
+            <a:endParaRPr lang="en-US" altLang="zh-CN" sz="2000" dirty="0" smtClean="0">
+              <a:solidFill>
+                <a:schemeClr val="bg1"/>
+              </a:solidFill>
+            </a:endParaRPr>
+          </a:p>
+          <a:p>
+            <a:pPr marL="109220" indent="0">
               <a:buNone/>
             </a:pPr>
             <a:r>
@@ -22915,9 +23211,14 @@
               </a:rPr>
               <a:t>);  </a:t>
             </a:r>
-          </a:p>
-          <a:p>
-            <a:pPr marL="109535" indent="0">
+            <a:endParaRPr lang="en-US" altLang="zh-CN" sz="2000" dirty="0" smtClean="0">
+              <a:solidFill>
+                <a:schemeClr val="bg1"/>
+              </a:solidFill>
+            </a:endParaRPr>
+          </a:p>
+          <a:p>
+            <a:pPr marL="109220" indent="0">
               <a:buNone/>
             </a:pPr>
             <a:r>
@@ -23293,11 +23594,6 @@
         </p:cxnSp>
       </p:grpSp>
     </p:spTree>
-    <p:extLst>
-      <p:ext uri="{BB962C8B-B14F-4D97-AF65-F5344CB8AC3E}">
-        <p14:creationId xmlns:p14="http://schemas.microsoft.com/office/powerpoint/2010/main" val="988953204"/>
-      </p:ext>
-    </p:extLst>
   </p:cSld>
   <p:clrMapOvr>
     <a:masterClrMapping/>
@@ -24176,7 +24472,7 @@
           <p:nvPr/>
         </p:nvPicPr>
         <p:blipFill>
-          <a:blip r:embed="rId2"/>
+          <a:blip r:embed="rId1"/>
           <a:stretch>
             <a:fillRect/>
           </a:stretch>
@@ -24242,7 +24538,7 @@
           <p:nvPr/>
         </p:nvPicPr>
         <p:blipFill>
-          <a:blip r:embed="rId3"/>
+          <a:blip r:embed="rId2"/>
           <a:stretch>
             <a:fillRect/>
           </a:stretch>
@@ -24404,11 +24700,6 @@
         </p:txBody>
       </p:sp>
     </p:spTree>
-    <p:extLst>
-      <p:ext uri="{BB962C8B-B14F-4D97-AF65-F5344CB8AC3E}">
-        <p14:creationId xmlns:p14="http://schemas.microsoft.com/office/powerpoint/2010/main" val="1682083114"/>
-      </p:ext>
-    </p:extLst>
   </p:cSld>
   <p:clrMapOvr>
     <a:masterClrMapping/>
@@ -24719,9 +25010,14 @@
               </a:rPr>
               <a:t>form:</a:t>
             </a:r>
-          </a:p>
-          <a:p>
-            <a:pPr marL="109535" indent="0" algn="ctr">
+            <a:endParaRPr lang="en-US" altLang="zh-CN" sz="2000" dirty="0">
+              <a:solidFill>
+                <a:schemeClr val="bg1"/>
+              </a:solidFill>
+            </a:endParaRPr>
+          </a:p>
+          <a:p>
+            <a:pPr marL="109220" indent="0" algn="ctr">
               <a:buNone/>
             </a:pPr>
             <a:r>
@@ -24748,6 +25044,11 @@
               </a:rPr>
               <a:t>();</a:t>
             </a:r>
+            <a:endParaRPr lang="en-US" altLang="zh-CN" sz="2000" dirty="0" smtClean="0">
+              <a:solidFill>
+                <a:srgbClr val="FFFF00"/>
+              </a:solidFill>
+            </a:endParaRPr>
           </a:p>
           <a:p>
             <a:r>
@@ -24758,9 +25059,14 @@
               </a:rPr>
               <a:t>For example: </a:t>
             </a:r>
-          </a:p>
-          <a:p>
-            <a:pPr marL="109535" indent="0" algn="ctr">
+            <a:endParaRPr lang="en-US" altLang="zh-CN" sz="2000" dirty="0" smtClean="0">
+              <a:solidFill>
+                <a:schemeClr val="bg1"/>
+              </a:solidFill>
+            </a:endParaRPr>
+          </a:p>
+          <a:p>
+            <a:pPr marL="109220" indent="0" algn="ctr">
               <a:buNone/>
             </a:pPr>
             <a:r>
@@ -24779,9 +25085,14 @@
               </a:rPr>
               <a:t>();</a:t>
             </a:r>
-          </a:p>
-          <a:p>
-            <a:pPr marL="109535" indent="0" algn="ctr">
+            <a:endParaRPr lang="en-US" altLang="zh-CN" sz="2000" dirty="0" smtClean="0">
+              <a:solidFill>
+                <a:srgbClr val="FFFF00"/>
+              </a:solidFill>
+            </a:endParaRPr>
+          </a:p>
+          <a:p>
+            <a:pPr marL="109220" indent="0" algn="ctr">
               <a:buNone/>
             </a:pPr>
             <a:endParaRPr lang="en-US" altLang="zh-CN" sz="2000" dirty="0" smtClean="0">
@@ -24807,9 +25118,14 @@
               </a:rPr>
               <a:t>the following points:</a:t>
             </a:r>
-          </a:p>
-          <a:p>
-            <a:pPr marL="109535" indent="0">
+            <a:endParaRPr lang="en-US" altLang="zh-CN" sz="2000" dirty="0">
+              <a:solidFill>
+                <a:schemeClr val="bg1"/>
+              </a:solidFill>
+            </a:endParaRPr>
+          </a:p>
+          <a:p>
+            <a:pPr marL="109220" indent="0">
               <a:buNone/>
             </a:pPr>
             <a:r>
@@ -24844,9 +25160,14 @@
               </a:rPr>
               <a:t>.</a:t>
             </a:r>
-          </a:p>
-          <a:p>
-            <a:pPr marL="109535" indent="0">
+            <a:endParaRPr lang="en-US" altLang="zh-CN" sz="2000" dirty="0">
+              <a:solidFill>
+                <a:schemeClr val="bg1"/>
+              </a:solidFill>
+            </a:endParaRPr>
+          </a:p>
+          <a:p>
+            <a:pPr marL="109220" indent="0">
               <a:buNone/>
             </a:pPr>
             <a:r>
@@ -24881,9 +25202,14 @@
               </a:rPr>
               <a:t>.</a:t>
             </a:r>
-          </a:p>
-          <a:p>
-            <a:pPr marL="109535" indent="0">
+            <a:endParaRPr lang="en-US" altLang="zh-CN" sz="2000" dirty="0">
+              <a:solidFill>
+                <a:schemeClr val="bg1"/>
+              </a:solidFill>
+            </a:endParaRPr>
+          </a:p>
+          <a:p>
+            <a:pPr marL="109220" indent="0">
               <a:buNone/>
             </a:pPr>
             <a:r>
@@ -24918,6 +25244,11 @@
               </a:rPr>
               <a:t>.</a:t>
             </a:r>
+            <a:endParaRPr lang="en-US" altLang="zh-CN" sz="2000" dirty="0">
+              <a:solidFill>
+                <a:schemeClr val="bg1"/>
+              </a:solidFill>
+            </a:endParaRPr>
           </a:p>
         </p:txBody>
       </p:sp>
@@ -24967,11 +25298,6 @@
         </p:txBody>
       </p:sp>
     </p:spTree>
-    <p:extLst>
-      <p:ext uri="{BB962C8B-B14F-4D97-AF65-F5344CB8AC3E}">
-        <p14:creationId xmlns:p14="http://schemas.microsoft.com/office/powerpoint/2010/main" val="2088929772"/>
-      </p:ext>
-    </p:extLst>
   </p:cSld>
   <p:clrMapOvr>
     <a:masterClrMapping/>
@@ -25358,6 +25684,11 @@
               </a:rPr>
               <a:t>{</a:t>
             </a:r>
+            <a:endParaRPr lang="en-US" altLang="zh-CN" sz="1600" dirty="0" smtClean="0">
+              <a:solidFill>
+                <a:schemeClr val="tx1"/>
+              </a:solidFill>
+            </a:endParaRPr>
           </a:p>
           <a:p>
             <a:r>
@@ -25375,276 +25706,6 @@
                 </a:solidFill>
               </a:rPr>
               <a:t>:</a:t>
-            </a:r>
-          </a:p>
-          <a:p>
-            <a:r>
-              <a:rPr lang="en-US" altLang="zh-CN" sz="1600" dirty="0">
-                <a:solidFill>
-                  <a:schemeClr val="tx1"/>
-                </a:solidFill>
-              </a:rPr>
-              <a:t> </a:t>
-            </a:r>
-            <a:r>
-              <a:rPr lang="en-US" altLang="zh-CN" sz="1600" dirty="0" smtClean="0">
-                <a:solidFill>
-                  <a:schemeClr val="tx1"/>
-                </a:solidFill>
-              </a:rPr>
-              <a:t>   </a:t>
-            </a:r>
-            <a:r>
-              <a:rPr lang="en-US" altLang="zh-CN" sz="1600" dirty="0" err="1" smtClean="0">
-                <a:solidFill>
-                  <a:schemeClr val="tx1"/>
-                </a:solidFill>
-              </a:rPr>
-              <a:t>enum</a:t>
-            </a:r>
-            <a:r>
-              <a:rPr lang="en-US" altLang="zh-CN" sz="1600" dirty="0" smtClean="0">
-                <a:solidFill>
-                  <a:schemeClr val="tx1"/>
-                </a:solidFill>
-              </a:rPr>
-              <a:t> </a:t>
-            </a:r>
-            <a:r>
-              <a:rPr lang="en-US" altLang="zh-CN" sz="1600" dirty="0">
-                <a:solidFill>
-                  <a:schemeClr val="tx1"/>
-                </a:solidFill>
-              </a:rPr>
-              <a:t>{</a:t>
-            </a:r>
-            <a:r>
-              <a:rPr lang="en-US" altLang="zh-CN" sz="1600" dirty="0" err="1">
-                <a:solidFill>
-                  <a:schemeClr val="tx1"/>
-                </a:solidFill>
-              </a:rPr>
-              <a:t>Lbs_per_stn</a:t>
-            </a:r>
-            <a:r>
-              <a:rPr lang="en-US" altLang="zh-CN" sz="1600" dirty="0">
-                <a:solidFill>
-                  <a:schemeClr val="tx1"/>
-                </a:solidFill>
-              </a:rPr>
-              <a:t> = 14}; // pounds per stone</a:t>
-            </a:r>
-          </a:p>
-          <a:p>
-            <a:r>
-              <a:rPr lang="en-US" altLang="zh-CN" sz="1600" dirty="0" smtClean="0">
-                <a:solidFill>
-                  <a:schemeClr val="tx1"/>
-                </a:solidFill>
-              </a:rPr>
-              <a:t>    </a:t>
-            </a:r>
-            <a:r>
-              <a:rPr lang="en-US" altLang="zh-CN" sz="1600" dirty="0" err="1" smtClean="0">
-                <a:solidFill>
-                  <a:schemeClr val="tx1"/>
-                </a:solidFill>
-              </a:rPr>
-              <a:t>int</a:t>
-            </a:r>
-            <a:r>
-              <a:rPr lang="en-US" altLang="zh-CN" sz="1600" dirty="0" smtClean="0">
-                <a:solidFill>
-                  <a:schemeClr val="tx1"/>
-                </a:solidFill>
-              </a:rPr>
-              <a:t> </a:t>
-            </a:r>
-            <a:r>
-              <a:rPr lang="en-US" altLang="zh-CN" sz="1600" dirty="0">
-                <a:solidFill>
-                  <a:schemeClr val="tx1"/>
-                </a:solidFill>
-              </a:rPr>
-              <a:t>stone; // whole stones</a:t>
-            </a:r>
-          </a:p>
-          <a:p>
-            <a:r>
-              <a:rPr lang="en-US" altLang="zh-CN" sz="1600" dirty="0" smtClean="0">
-                <a:solidFill>
-                  <a:schemeClr val="tx1"/>
-                </a:solidFill>
-              </a:rPr>
-              <a:t>    double </a:t>
-            </a:r>
-            <a:r>
-              <a:rPr lang="en-US" altLang="zh-CN" sz="1600" dirty="0" err="1">
-                <a:solidFill>
-                  <a:schemeClr val="tx1"/>
-                </a:solidFill>
-              </a:rPr>
-              <a:t>pds_left</a:t>
-            </a:r>
-            <a:r>
-              <a:rPr lang="en-US" altLang="zh-CN" sz="1600" dirty="0">
-                <a:solidFill>
-                  <a:schemeClr val="tx1"/>
-                </a:solidFill>
-              </a:rPr>
-              <a:t>; // fractional pounds</a:t>
-            </a:r>
-          </a:p>
-          <a:p>
-            <a:r>
-              <a:rPr lang="en-US" altLang="zh-CN" sz="1600" dirty="0" smtClean="0">
-                <a:solidFill>
-                  <a:schemeClr val="tx1"/>
-                </a:solidFill>
-              </a:rPr>
-              <a:t>    double </a:t>
-            </a:r>
-            <a:r>
-              <a:rPr lang="en-US" altLang="zh-CN" sz="1600" dirty="0">
-                <a:solidFill>
-                  <a:schemeClr val="tx1"/>
-                </a:solidFill>
-              </a:rPr>
-              <a:t>pounds; // entire weight in pounds</a:t>
-            </a:r>
-          </a:p>
-          <a:p>
-            <a:r>
-              <a:rPr lang="en-US" altLang="zh-CN" sz="1600" dirty="0">
-                <a:solidFill>
-                  <a:schemeClr val="tx1"/>
-                </a:solidFill>
-              </a:rPr>
-              <a:t>public:</a:t>
-            </a:r>
-          </a:p>
-          <a:p>
-            <a:r>
-              <a:rPr lang="en-US" altLang="zh-CN" sz="1600" dirty="0" smtClean="0">
-                <a:solidFill>
-                  <a:schemeClr val="tx1"/>
-                </a:solidFill>
-              </a:rPr>
-              <a:t>    </a:t>
-            </a:r>
-            <a:r>
-              <a:rPr lang="en-US" altLang="zh-CN" sz="1600" dirty="0" err="1" smtClean="0">
-                <a:solidFill>
-                  <a:schemeClr val="tx1"/>
-                </a:solidFill>
-              </a:rPr>
-              <a:t>Stonewt</a:t>
-            </a:r>
-            <a:r>
-              <a:rPr lang="en-US" altLang="zh-CN" sz="1600" dirty="0" smtClean="0">
-                <a:solidFill>
-                  <a:schemeClr val="tx1"/>
-                </a:solidFill>
-              </a:rPr>
-              <a:t>(double </a:t>
-            </a:r>
-            <a:r>
-              <a:rPr lang="en-US" altLang="zh-CN" sz="1600" dirty="0" err="1">
-                <a:solidFill>
-                  <a:schemeClr val="tx1"/>
-                </a:solidFill>
-              </a:rPr>
-              <a:t>lbs</a:t>
-            </a:r>
-            <a:r>
-              <a:rPr lang="en-US" altLang="zh-CN" sz="1600" dirty="0">
-                <a:solidFill>
-                  <a:schemeClr val="tx1"/>
-                </a:solidFill>
-              </a:rPr>
-              <a:t>); // construct from double pounds</a:t>
-            </a:r>
-          </a:p>
-          <a:p>
-            <a:r>
-              <a:rPr lang="en-US" altLang="zh-CN" sz="1600" dirty="0" smtClean="0">
-                <a:solidFill>
-                  <a:schemeClr val="tx1"/>
-                </a:solidFill>
-              </a:rPr>
-              <a:t>    </a:t>
-            </a:r>
-            <a:r>
-              <a:rPr lang="en-US" altLang="zh-CN" sz="1600" dirty="0" err="1" smtClean="0">
-                <a:solidFill>
-                  <a:schemeClr val="tx1"/>
-                </a:solidFill>
-              </a:rPr>
-              <a:t>Stonewt</a:t>
-            </a:r>
-            <a:r>
-              <a:rPr lang="en-US" altLang="zh-CN" sz="1600" dirty="0" smtClean="0">
-                <a:solidFill>
-                  <a:schemeClr val="tx1"/>
-                </a:solidFill>
-              </a:rPr>
-              <a:t>(</a:t>
-            </a:r>
-            <a:r>
-              <a:rPr lang="en-US" altLang="zh-CN" sz="1600" dirty="0" err="1" smtClean="0">
-                <a:solidFill>
-                  <a:schemeClr val="tx1"/>
-                </a:solidFill>
-              </a:rPr>
-              <a:t>int</a:t>
-            </a:r>
-            <a:r>
-              <a:rPr lang="en-US" altLang="zh-CN" sz="1600" dirty="0" smtClean="0">
-                <a:solidFill>
-                  <a:schemeClr val="tx1"/>
-                </a:solidFill>
-              </a:rPr>
-              <a:t> </a:t>
-            </a:r>
-            <a:r>
-              <a:rPr lang="en-US" altLang="zh-CN" sz="1600" dirty="0" err="1">
-                <a:solidFill>
-                  <a:schemeClr val="tx1"/>
-                </a:solidFill>
-              </a:rPr>
-              <a:t>stn</a:t>
-            </a:r>
-            <a:r>
-              <a:rPr lang="en-US" altLang="zh-CN" sz="1600" dirty="0">
-                <a:solidFill>
-                  <a:schemeClr val="tx1"/>
-                </a:solidFill>
-              </a:rPr>
-              <a:t>, double </a:t>
-            </a:r>
-            <a:r>
-              <a:rPr lang="en-US" altLang="zh-CN" sz="1600" dirty="0" err="1">
-                <a:solidFill>
-                  <a:schemeClr val="tx1"/>
-                </a:solidFill>
-              </a:rPr>
-              <a:t>lbs</a:t>
-            </a:r>
-            <a:r>
-              <a:rPr lang="en-US" altLang="zh-CN" sz="1600" dirty="0">
-                <a:solidFill>
-                  <a:schemeClr val="tx1"/>
-                </a:solidFill>
-              </a:rPr>
-              <a:t>); // construct from stone, </a:t>
-            </a:r>
-            <a:r>
-              <a:rPr lang="en-US" altLang="zh-CN" sz="1600" dirty="0" err="1">
-                <a:solidFill>
-                  <a:schemeClr val="tx1"/>
-                </a:solidFill>
-              </a:rPr>
-              <a:t>lbs</a:t>
             </a:r>
             <a:endParaRPr lang="en-US" altLang="zh-CN" sz="1600" dirty="0">
               <a:solidFill>
@@ -25654,11 +25715,74 @@
           </a:p>
           <a:p>
             <a:r>
+              <a:rPr lang="en-US" altLang="zh-CN" sz="1600" dirty="0">
+                <a:solidFill>
+                  <a:schemeClr val="tx1"/>
+                </a:solidFill>
+              </a:rPr>
+              <a:t> </a:t>
+            </a:r>
+            <a:r>
               <a:rPr lang="en-US" altLang="zh-CN" sz="1600" dirty="0" smtClean="0">
                 <a:solidFill>
                   <a:schemeClr val="tx1"/>
                 </a:solidFill>
               </a:rPr>
+              <a:t>   </a:t>
+            </a:r>
+            <a:r>
+              <a:rPr lang="en-US" altLang="zh-CN" sz="1600" dirty="0" err="1" smtClean="0">
+                <a:solidFill>
+                  <a:schemeClr val="tx1"/>
+                </a:solidFill>
+              </a:rPr>
+              <a:t>enum</a:t>
+            </a:r>
+            <a:r>
+              <a:rPr lang="en-US" altLang="zh-CN" sz="1600" dirty="0" smtClean="0">
+                <a:solidFill>
+                  <a:schemeClr val="tx1"/>
+                </a:solidFill>
+              </a:rPr>
+              <a:t> </a:t>
+            </a:r>
+            <a:r>
+              <a:rPr lang="en-US" altLang="zh-CN" sz="1600" dirty="0">
+                <a:solidFill>
+                  <a:schemeClr val="tx1"/>
+                </a:solidFill>
+              </a:rPr>
+              <a:t>{</a:t>
+            </a:r>
+            <a:r>
+              <a:rPr lang="en-US" altLang="zh-CN" sz="1600" dirty="0" err="1">
+                <a:solidFill>
+                  <a:schemeClr val="tx1"/>
+                </a:solidFill>
+              </a:rPr>
+              <a:t>Lbs_per_stn</a:t>
+            </a:r>
+            <a:r>
+              <a:rPr lang="en-US" altLang="zh-CN" sz="1600" dirty="0">
+                <a:solidFill>
+                  <a:schemeClr val="tx1"/>
+                </a:solidFill>
+              </a:rPr>
+              <a:t> = 14}; // pounds per stone</a:t>
+            </a:r>
+            <a:endParaRPr lang="en-US" altLang="zh-CN" sz="1600" dirty="0">
+              <a:solidFill>
+                <a:schemeClr val="tx1"/>
+              </a:solidFill>
+            </a:endParaRPr>
+          </a:p>
+          <a:p>
+            <a:r>
+              <a:rPr lang="en-US" altLang="zh-CN" sz="1600" dirty="0" smtClean="0">
+                <a:solidFill>
+                  <a:schemeClr val="tx1"/>
+                </a:solidFill>
+              </a:rPr>
               <a:t>    </a:t>
             </a:r>
             <a:r>
@@ -25667,16 +25791,263 @@
                   <a:schemeClr val="tx1"/>
                 </a:solidFill>
               </a:rPr>
+              <a:t>int</a:t>
+            </a:r>
+            <a:r>
+              <a:rPr lang="en-US" altLang="zh-CN" sz="1600" dirty="0" smtClean="0">
+                <a:solidFill>
+                  <a:schemeClr val="tx1"/>
+                </a:solidFill>
+              </a:rPr>
+              <a:t> </a:t>
+            </a:r>
+            <a:r>
+              <a:rPr lang="en-US" altLang="zh-CN" sz="1600" dirty="0">
+                <a:solidFill>
+                  <a:schemeClr val="tx1"/>
+                </a:solidFill>
+              </a:rPr>
+              <a:t>stone; // whole stones</a:t>
+            </a:r>
+            <a:endParaRPr lang="en-US" altLang="zh-CN" sz="1600" dirty="0">
+              <a:solidFill>
+                <a:schemeClr val="tx1"/>
+              </a:solidFill>
+            </a:endParaRPr>
+          </a:p>
+          <a:p>
+            <a:r>
+              <a:rPr lang="en-US" altLang="zh-CN" sz="1600" dirty="0" smtClean="0">
+                <a:solidFill>
+                  <a:schemeClr val="tx1"/>
+                </a:solidFill>
+              </a:rPr>
+              <a:t>    double </a:t>
+            </a:r>
+            <a:r>
+              <a:rPr lang="en-US" altLang="zh-CN" sz="1600" dirty="0" err="1">
+                <a:solidFill>
+                  <a:schemeClr val="tx1"/>
+                </a:solidFill>
+              </a:rPr>
+              <a:t>pds_left</a:t>
+            </a:r>
+            <a:r>
+              <a:rPr lang="en-US" altLang="zh-CN" sz="1600" dirty="0">
+                <a:solidFill>
+                  <a:schemeClr val="tx1"/>
+                </a:solidFill>
+              </a:rPr>
+              <a:t>; // fractional pounds</a:t>
+            </a:r>
+            <a:endParaRPr lang="en-US" altLang="zh-CN" sz="1600" dirty="0">
+              <a:solidFill>
+                <a:schemeClr val="tx1"/>
+              </a:solidFill>
+            </a:endParaRPr>
+          </a:p>
+          <a:p>
+            <a:r>
+              <a:rPr lang="en-US" altLang="zh-CN" sz="1600" dirty="0" smtClean="0">
+                <a:solidFill>
+                  <a:schemeClr val="tx1"/>
+                </a:solidFill>
+              </a:rPr>
+              <a:t>    double </a:t>
+            </a:r>
+            <a:r>
+              <a:rPr lang="en-US" altLang="zh-CN" sz="1600" dirty="0">
+                <a:solidFill>
+                  <a:schemeClr val="tx1"/>
+                </a:solidFill>
+              </a:rPr>
+              <a:t>pounds; // entire weight in pounds</a:t>
+            </a:r>
+            <a:endParaRPr lang="en-US" altLang="zh-CN" sz="1600" dirty="0">
+              <a:solidFill>
+                <a:schemeClr val="tx1"/>
+              </a:solidFill>
+            </a:endParaRPr>
+          </a:p>
+          <a:p>
+            <a:r>
+              <a:rPr lang="en-US" altLang="zh-CN" sz="1600" dirty="0">
+                <a:solidFill>
+                  <a:schemeClr val="tx1"/>
+                </a:solidFill>
+              </a:rPr>
+              <a:t>public:</a:t>
+            </a:r>
+            <a:endParaRPr lang="en-US" altLang="zh-CN" sz="1600" dirty="0">
+              <a:solidFill>
+                <a:schemeClr val="tx1"/>
+              </a:solidFill>
+            </a:endParaRPr>
+          </a:p>
+          <a:p>
+            <a:r>
+              <a:rPr lang="en-US" altLang="zh-CN" sz="1600" dirty="0" smtClean="0">
+                <a:solidFill>
+                  <a:schemeClr val="tx1"/>
+                </a:solidFill>
+              </a:rPr>
+              <a:t>    </a:t>
+            </a:r>
+            <a:r>
+              <a:rPr lang="en-US" altLang="zh-CN" sz="1600" dirty="0" err="1" smtClean="0">
+                <a:solidFill>
+                  <a:schemeClr val="tx1"/>
+                </a:solidFill>
+              </a:rPr>
               <a:t>Stonewt</a:t>
             </a:r>
             <a:r>
+              <a:rPr lang="en-US" altLang="zh-CN" sz="1600" dirty="0" smtClean="0">
+                <a:solidFill>
+                  <a:schemeClr val="tx1"/>
+                </a:solidFill>
+              </a:rPr>
+              <a:t>(double </a:t>
+            </a:r>
+            <a:r>
+              <a:rPr lang="en-US" altLang="zh-CN" sz="1600" dirty="0" err="1">
+                <a:solidFill>
+                  <a:schemeClr val="tx1"/>
+                </a:solidFill>
+              </a:rPr>
+              <a:t>lbs</a:t>
+            </a:r>
+            <a:r>
               <a:rPr lang="en-US" altLang="zh-CN" sz="1600" dirty="0">
                 <a:solidFill>
                   <a:schemeClr val="tx1"/>
                 </a:solidFill>
               </a:rPr>
+              <a:t>); // construct from double pounds</a:t>
+            </a:r>
+            <a:endParaRPr lang="en-US" altLang="zh-CN" sz="1600" dirty="0">
+              <a:solidFill>
+                <a:schemeClr val="tx1"/>
+              </a:solidFill>
+            </a:endParaRPr>
+          </a:p>
+          <a:p>
+            <a:r>
+              <a:rPr lang="en-US" altLang="zh-CN" sz="1600" dirty="0" smtClean="0">
+                <a:solidFill>
+                  <a:schemeClr val="tx1"/>
+                </a:solidFill>
+              </a:rPr>
+              <a:t>    </a:t>
+            </a:r>
+            <a:r>
+              <a:rPr lang="en-US" altLang="zh-CN" sz="1600" dirty="0" err="1" smtClean="0">
+                <a:solidFill>
+                  <a:schemeClr val="tx1"/>
+                </a:solidFill>
+              </a:rPr>
+              <a:t>Stonewt</a:t>
+            </a:r>
+            <a:r>
+              <a:rPr lang="en-US" altLang="zh-CN" sz="1600" dirty="0" smtClean="0">
+                <a:solidFill>
+                  <a:schemeClr val="tx1"/>
+                </a:solidFill>
+              </a:rPr>
+              <a:t>(</a:t>
+            </a:r>
+            <a:r>
+              <a:rPr lang="en-US" altLang="zh-CN" sz="1600" dirty="0" err="1" smtClean="0">
+                <a:solidFill>
+                  <a:schemeClr val="tx1"/>
+                </a:solidFill>
+              </a:rPr>
+              <a:t>int</a:t>
+            </a:r>
+            <a:r>
+              <a:rPr lang="en-US" altLang="zh-CN" sz="1600" dirty="0" smtClean="0">
+                <a:solidFill>
+                  <a:schemeClr val="tx1"/>
+                </a:solidFill>
+              </a:rPr>
+              <a:t> </a:t>
+            </a:r>
+            <a:r>
+              <a:rPr lang="en-US" altLang="zh-CN" sz="1600" dirty="0" err="1">
+                <a:solidFill>
+                  <a:schemeClr val="tx1"/>
+                </a:solidFill>
+              </a:rPr>
+              <a:t>stn</a:t>
+            </a:r>
+            <a:r>
+              <a:rPr lang="en-US" altLang="zh-CN" sz="1600" dirty="0">
+                <a:solidFill>
+                  <a:schemeClr val="tx1"/>
+                </a:solidFill>
+              </a:rPr>
+              <a:t>, double </a:t>
+            </a:r>
+            <a:r>
+              <a:rPr lang="en-US" altLang="zh-CN" sz="1600" dirty="0" err="1">
+                <a:solidFill>
+                  <a:schemeClr val="tx1"/>
+                </a:solidFill>
+              </a:rPr>
+              <a:t>lbs</a:t>
+            </a:r>
+            <a:r>
+              <a:rPr lang="en-US" altLang="zh-CN" sz="1600" dirty="0">
+                <a:solidFill>
+                  <a:schemeClr val="tx1"/>
+                </a:solidFill>
+              </a:rPr>
+              <a:t>); // construct from stone, </a:t>
+            </a:r>
+            <a:r>
+              <a:rPr lang="en-US" altLang="zh-CN" sz="1600" dirty="0" err="1">
+                <a:solidFill>
+                  <a:schemeClr val="tx1"/>
+                </a:solidFill>
+              </a:rPr>
+              <a:t>lbs</a:t>
+            </a:r>
+            <a:endParaRPr lang="en-US" altLang="zh-CN" sz="1600" dirty="0">
+              <a:solidFill>
+                <a:schemeClr val="tx1"/>
+              </a:solidFill>
+            </a:endParaRPr>
+          </a:p>
+          <a:p>
+            <a:r>
+              <a:rPr lang="en-US" altLang="zh-CN" sz="1600" dirty="0" smtClean="0">
+                <a:solidFill>
+                  <a:schemeClr val="tx1"/>
+                </a:solidFill>
+              </a:rPr>
+              <a:t>    </a:t>
+            </a:r>
+            <a:r>
+              <a:rPr lang="en-US" altLang="zh-CN" sz="1600" dirty="0" err="1" smtClean="0">
+                <a:solidFill>
+                  <a:schemeClr val="tx1"/>
+                </a:solidFill>
+              </a:rPr>
+              <a:t>Stonewt</a:t>
+            </a:r>
+            <a:r>
+              <a:rPr lang="en-US" altLang="zh-CN" sz="1600" dirty="0">
+                <a:solidFill>
+                  <a:schemeClr val="tx1"/>
+                </a:solidFill>
+              </a:rPr>
               <a:t>(); // default constructor</a:t>
             </a:r>
+            <a:endParaRPr lang="en-US" altLang="zh-CN" sz="1600" dirty="0">
+              <a:solidFill>
+                <a:schemeClr val="tx1"/>
+              </a:solidFill>
+            </a:endParaRPr>
           </a:p>
           <a:p>
             <a:r>
@@ -25703,6 +26074,11 @@
               </a:rPr>
               <a:t>();</a:t>
             </a:r>
+            <a:endParaRPr lang="en-US" altLang="zh-CN" sz="1600" dirty="0">
+              <a:solidFill>
+                <a:schemeClr val="tx1"/>
+              </a:solidFill>
+            </a:endParaRPr>
           </a:p>
           <a:p>
             <a:r>
@@ -25721,6 +26097,11 @@
               </a:rPr>
               <a:t>conversion functions</a:t>
             </a:r>
+            <a:endParaRPr lang="en-US" altLang="zh-CN" sz="1600" dirty="0">
+              <a:solidFill>
+                <a:schemeClr val="tx1"/>
+              </a:solidFill>
+            </a:endParaRPr>
           </a:p>
           <a:p>
             <a:r>
@@ -25763,6 +26144,11 @@
               </a:rPr>
               <a:t>;</a:t>
             </a:r>
+            <a:endParaRPr lang="en-US" altLang="zh-CN" sz="1600" dirty="0">
+              <a:solidFill>
+                <a:schemeClr val="tx1"/>
+              </a:solidFill>
+            </a:endParaRPr>
           </a:p>
           <a:p>
             <a:r>
@@ -25805,6 +26191,11 @@
               </a:rPr>
               <a:t>;</a:t>
             </a:r>
+            <a:endParaRPr lang="en-US" altLang="zh-CN" sz="1600" dirty="0">
+              <a:solidFill>
+                <a:schemeClr val="tx1"/>
+              </a:solidFill>
+            </a:endParaRPr>
           </a:p>
           <a:p>
             <a:r>
@@ -25916,11 +26307,6 @@
         </p:txBody>
       </p:sp>
     </p:spTree>
-    <p:extLst>
-      <p:ext uri="{BB962C8B-B14F-4D97-AF65-F5344CB8AC3E}">
-        <p14:creationId xmlns:p14="http://schemas.microsoft.com/office/powerpoint/2010/main" val="3616672193"/>
-      </p:ext>
-    </p:extLst>
   </p:cSld>
   <p:clrMapOvr>
     <a:masterClrMapping/>
@@ -26167,7 +26553,7 @@
           <p:nvPr/>
         </p:nvPicPr>
         <p:blipFill>
-          <a:blip r:embed="rId2"/>
+          <a:blip r:embed="rId1"/>
           <a:stretch>
             <a:fillRect/>
           </a:stretch>
@@ -26183,11 +26569,6 @@
         </p:spPr>
       </p:pic>
     </p:spTree>
-    <p:extLst>
-      <p:ext uri="{BB962C8B-B14F-4D97-AF65-F5344CB8AC3E}">
-        <p14:creationId xmlns:p14="http://schemas.microsoft.com/office/powerpoint/2010/main" val="3271141400"/>
-      </p:ext>
-    </p:extLst>
   </p:cSld>
   <p:clrMapOvr>
     <a:masterClrMapping/>
@@ -26280,9 +26661,14 @@
               </a:rPr>
               <a:t>type cast:</a:t>
             </a:r>
-          </a:p>
-          <a:p>
-            <a:pPr marL="109535" indent="0">
+            <a:endParaRPr lang="en-US" altLang="zh-CN" sz="2000" dirty="0" smtClean="0">
+              <a:solidFill>
+                <a:srgbClr val="00B050"/>
+              </a:solidFill>
+            </a:endParaRPr>
+          </a:p>
+          <a:p>
+            <a:pPr marL="109220" indent="0">
               <a:buNone/>
             </a:pPr>
             <a:r>
@@ -26324,51 +26710,6 @@
                 </a:solidFill>
               </a:rPr>
               <a:t>(285.7);</a:t>
-            </a:r>
-          </a:p>
-          <a:p>
-            <a:pPr marL="109535" indent="0">
-              <a:buNone/>
-            </a:pPr>
-            <a:r>
-              <a:rPr lang="en-US" altLang="zh-CN" sz="2000" dirty="0" smtClean="0">
-                <a:solidFill>
-                  <a:schemeClr val="bg1"/>
-                </a:solidFill>
-              </a:rPr>
-              <a:t>	double </a:t>
-            </a:r>
-            <a:r>
-              <a:rPr lang="en-US" altLang="zh-CN" sz="2000" dirty="0">
-                <a:solidFill>
-                  <a:schemeClr val="bg1"/>
-                </a:solidFill>
-              </a:rPr>
-              <a:t>host = double (</a:t>
-            </a:r>
-            <a:r>
-              <a:rPr lang="en-US" altLang="zh-CN" sz="2000" dirty="0" err="1">
-                <a:solidFill>
-                  <a:schemeClr val="bg1"/>
-                </a:solidFill>
-              </a:rPr>
-              <a:t>wolfe</a:t>
-            </a:r>
-            <a:r>
-              <a:rPr lang="en-US" altLang="zh-CN" sz="2000" dirty="0">
-                <a:solidFill>
-                  <a:schemeClr val="bg1"/>
-                </a:solidFill>
-              </a:rPr>
-              <a:t>); // </a:t>
-            </a:r>
-            <a:r>
-              <a:rPr lang="en-US" altLang="zh-CN" sz="2000" dirty="0" smtClean="0">
-                <a:solidFill>
-                  <a:schemeClr val="bg1"/>
-                </a:solidFill>
-              </a:rPr>
-              <a:t>From C</a:t>
             </a:r>
             <a:endParaRPr lang="en-US" altLang="zh-CN" sz="2000" dirty="0">
               <a:solidFill>
@@ -26377,7 +26718,7 @@
             </a:endParaRPr>
           </a:p>
           <a:p>
-            <a:pPr marL="109535" indent="0">
+            <a:pPr marL="109220" indent="0">
               <a:buNone/>
             </a:pPr>
             <a:r>
@@ -26394,6 +26735,56 @@
                   <a:schemeClr val="bg1"/>
                 </a:solidFill>
               </a:rPr>
+              <a:t>host = double (</a:t>
+            </a:r>
+            <a:r>
+              <a:rPr lang="en-US" altLang="zh-CN" sz="2000" dirty="0" err="1">
+                <a:solidFill>
+                  <a:schemeClr val="bg1"/>
+                </a:solidFill>
+              </a:rPr>
+              <a:t>wolfe</a:t>
+            </a:r>
+            <a:r>
+              <a:rPr lang="en-US" altLang="zh-CN" sz="2000" dirty="0">
+                <a:solidFill>
+                  <a:schemeClr val="bg1"/>
+                </a:solidFill>
+              </a:rPr>
+              <a:t>); // </a:t>
+            </a:r>
+            <a:r>
+              <a:rPr lang="en-US" altLang="zh-CN" sz="2000" dirty="0" smtClean="0">
+                <a:solidFill>
+                  <a:schemeClr val="bg1"/>
+                </a:solidFill>
+              </a:rPr>
+              <a:t>From C</a:t>
+            </a:r>
+            <a:endParaRPr lang="en-US" altLang="zh-CN" sz="2000" dirty="0">
+              <a:solidFill>
+                <a:schemeClr val="bg1"/>
+              </a:solidFill>
+            </a:endParaRPr>
+          </a:p>
+          <a:p>
+            <a:pPr marL="109220" indent="0">
+              <a:buNone/>
+            </a:pPr>
+            <a:r>
+              <a:rPr lang="en-US" altLang="zh-CN" sz="2000" dirty="0" smtClean="0">
+                <a:solidFill>
+                  <a:schemeClr val="bg1"/>
+                </a:solidFill>
+              </a:rPr>
+              <a:t>	double </a:t>
+            </a:r>
+            <a:r>
+              <a:rPr lang="en-US" altLang="zh-CN" sz="2000" dirty="0">
+                <a:solidFill>
+                  <a:schemeClr val="bg1"/>
+                </a:solidFill>
+              </a:rPr>
               <a:t>thinker = (double) </a:t>
             </a:r>
             <a:r>
@@ -26420,6 +26811,11 @@
               </a:rPr>
               <a:t>New C++</a:t>
             </a:r>
+            <a:endParaRPr lang="en-US" altLang="zh-CN" sz="2000" dirty="0" smtClean="0">
+              <a:solidFill>
+                <a:schemeClr val="bg1"/>
+              </a:solidFill>
+            </a:endParaRPr>
           </a:p>
           <a:p>
             <a:endParaRPr lang="en-US" altLang="zh-CN" sz="2000" dirty="0">
@@ -26483,11 +26879,6 @@
         </p:txBody>
       </p:sp>
     </p:spTree>
-    <p:extLst>
-      <p:ext uri="{BB962C8B-B14F-4D97-AF65-F5344CB8AC3E}">
-        <p14:creationId xmlns:p14="http://schemas.microsoft.com/office/powerpoint/2010/main" val="3112940831"/>
-      </p:ext>
-    </p:extLst>
   </p:cSld>
   <p:clrMapOvr>
     <a:masterClrMapping/>
@@ -26607,9 +26998,14 @@
               </a:rPr>
               <a:t>:</a:t>
             </a:r>
-          </a:p>
-          <a:p>
-            <a:pPr marL="109535" indent="0">
+            <a:endParaRPr lang="en-US" altLang="zh-CN" sz="2000" dirty="0" smtClean="0">
+              <a:solidFill>
+                <a:schemeClr val="bg1"/>
+              </a:solidFill>
+            </a:endParaRPr>
+          </a:p>
+          <a:p>
+            <a:pPr marL="109220" indent="0">
               <a:buNone/>
             </a:pPr>
             <a:r>
@@ -26628,9 +27024,10 @@
               <a:rPr lang="en-US" altLang="zh-CN" sz="2000" dirty="0"/>
               <a:t>wells(20, 3);</a:t>
             </a:r>
-          </a:p>
-          <a:p>
-            <a:pPr marL="109535" indent="0">
+            <a:endParaRPr lang="en-US" altLang="zh-CN" sz="2000" dirty="0"/>
+          </a:p>
+          <a:p>
+            <a:pPr marL="109220" indent="0">
               <a:buNone/>
             </a:pPr>
             <a:r>
@@ -26660,9 +27057,14 @@
               </a:rPr>
               <a:t>But for the following statement: </a:t>
             </a:r>
-          </a:p>
-          <a:p>
-            <a:pPr marL="109535" indent="0">
+            <a:endParaRPr lang="en-US" altLang="zh-CN" sz="2000" dirty="0" smtClean="0">
+              <a:solidFill>
+                <a:srgbClr val="00B050"/>
+              </a:solidFill>
+            </a:endParaRPr>
+          </a:p>
+          <a:p>
+            <a:pPr marL="109220" indent="0">
               <a:buNone/>
             </a:pPr>
             <a:r>
@@ -26697,18 +27099,24 @@
               </a:rPr>
               <a:t>//ambiguous</a:t>
             </a:r>
-          </a:p>
-          <a:p>
-            <a:pPr marL="109535" indent="0">
+            <a:endParaRPr lang="en-US" altLang="zh-CN" sz="2000" dirty="0" smtClean="0">
+              <a:solidFill>
+                <a:schemeClr val="bg1"/>
+              </a:solidFill>
+            </a:endParaRPr>
+          </a:p>
+          <a:p>
+            <a:pPr marL="109220" indent="0">
               <a:buNone/>
             </a:pPr>
             <a:r>
               <a:rPr lang="en-US" altLang="zh-CN" sz="2000" dirty="0" smtClean="0"/>
               <a:t>	</a:t>
             </a:r>
-          </a:p>
-          <a:p>
-            <a:pPr marL="109535" indent="0">
+            <a:endParaRPr lang="en-US" altLang="zh-CN" sz="2000" dirty="0" smtClean="0"/>
+          </a:p>
+          <a:p>
+            <a:pPr marL="109220" indent="0">
               <a:buNone/>
             </a:pPr>
             <a:endParaRPr lang="en-US" altLang="zh-CN" sz="2000" dirty="0">
@@ -27033,6 +27441,11 @@
               </a:rPr>
               <a:t>.</a:t>
             </a:r>
+            <a:endParaRPr lang="en-US" altLang="zh-CN" sz="2000" dirty="0" smtClean="0">
+              <a:solidFill>
+                <a:schemeClr val="bg1"/>
+              </a:solidFill>
+            </a:endParaRPr>
           </a:p>
           <a:p>
             <a:r>
@@ -27075,6 +27488,11 @@
               </a:rPr>
               <a:t>// use double conversion</a:t>
             </a:r>
+            <a:endParaRPr lang="en-US" altLang="zh-CN" sz="2000" dirty="0">
+              <a:solidFill>
+                <a:srgbClr val="00B050"/>
+              </a:solidFill>
+            </a:endParaRPr>
           </a:p>
           <a:p>
             <a:r>
@@ -27166,11 +27584,6 @@
         </p:txBody>
       </p:sp>
     </p:spTree>
-    <p:extLst>
-      <p:ext uri="{BB962C8B-B14F-4D97-AF65-F5344CB8AC3E}">
-        <p14:creationId xmlns:p14="http://schemas.microsoft.com/office/powerpoint/2010/main" val="1083336823"/>
-      </p:ext>
-    </p:extLst>
   </p:cSld>
   <p:clrMapOvr>
     <a:masterClrMapping/>
@@ -27473,9 +27886,10 @@
               <a:rPr lang="en-US" altLang="zh-CN" sz="2000" dirty="0"/>
               <a:t>.</a:t>
             </a:r>
-          </a:p>
-          <a:p>
-            <a:pPr marL="109535" indent="0">
+            <a:endParaRPr lang="en-US" altLang="zh-CN" sz="2000" dirty="0"/>
+          </a:p>
+          <a:p>
+            <a:pPr marL="109220" indent="0">
               <a:buNone/>
             </a:pPr>
             <a:r>
@@ -27506,9 +27920,10 @@
               <a:rPr lang="en-US" altLang="zh-CN" sz="2000" dirty="0"/>
               <a:t>.</a:t>
             </a:r>
-          </a:p>
-          <a:p>
-            <a:pPr marL="109535" indent="0">
+            <a:endParaRPr lang="en-US" altLang="zh-CN" sz="2000" dirty="0"/>
+          </a:p>
+          <a:p>
+            <a:pPr marL="109220" indent="0">
               <a:buNone/>
             </a:pPr>
             <a:r>
@@ -27553,11 +27968,6 @@
         </p:txBody>
       </p:sp>
     </p:spTree>
-    <p:extLst>
-      <p:ext uri="{BB962C8B-B14F-4D97-AF65-F5344CB8AC3E}">
-        <p14:creationId xmlns:p14="http://schemas.microsoft.com/office/powerpoint/2010/main" val="2443784245"/>
-      </p:ext>
-    </p:extLst>
   </p:cSld>
   <p:clrMapOvr>
     <a:masterClrMapping/>
@@ -27728,6 +28138,11 @@
               </a:rPr>
               <a:t>, you can declare a conversion operator as explicit:</a:t>
             </a:r>
+            <a:endParaRPr lang="en-US" altLang="zh-CN" sz="2000" dirty="0">
+              <a:solidFill>
+                <a:schemeClr val="bg1"/>
+              </a:solidFill>
+            </a:endParaRPr>
           </a:p>
         </p:txBody>
       </p:sp>
@@ -27785,7 +28200,7 @@
           <p:nvPr/>
         </p:nvPicPr>
         <p:blipFill>
-          <a:blip r:embed="rId3"/>
+          <a:blip r:embed="rId1"/>
           <a:stretch>
             <a:fillRect/>
           </a:stretch>
@@ -27801,11 +28216,6 @@
         </p:spPr>
       </p:pic>
     </p:spTree>
-    <p:extLst>
-      <p:ext uri="{BB962C8B-B14F-4D97-AF65-F5344CB8AC3E}">
-        <p14:creationId xmlns:p14="http://schemas.microsoft.com/office/powerpoint/2010/main" val="1632666710"/>
-      </p:ext>
-    </p:extLst>
   </p:cSld>
   <p:clrMapOvr>
     <a:masterClrMapping/>
@@ -27877,9 +28287,7 @@
       <p:grpSp>
         <p:nvGrpSpPr>
           <p:cNvPr id="6" name="组合 2"/>
-          <p:cNvGrpSpPr>
-            <a:grpSpLocks/>
-          </p:cNvGrpSpPr>
+          <p:cNvGrpSpPr/>
           <p:nvPr/>
         </p:nvGrpSpPr>
         <p:grpSpPr bwMode="auto">
@@ -27916,8 +28324,6 @@
                 <a:schemeClr val="tx1"/>
               </a:solidFill>
               <a:round/>
-              <a:headEnd/>
-              <a:tailEnd/>
             </a:ln>
           </p:spPr>
           <p:txBody>
@@ -28281,10 +28687,16 @@
                   <a:solidFill>
                     <a:schemeClr val="tx1"/>
                   </a:solidFill>
-                  <a:latin typeface="Lato" panose="02010600030101010101" charset="0"/>
+                  <a:latin typeface="Lato" panose="020F0502020204030203" charset="0"/>
                 </a:rPr>
                 <a:t>class Rational            </a:t>
               </a:r>
+              <a:endParaRPr lang="en-US" altLang="zh-CN" sz="2000" dirty="0">
+                <a:solidFill>
+                  <a:schemeClr val="tx1"/>
+                </a:solidFill>
+                <a:latin typeface="Lato" panose="020F0502020204030203" charset="0"/>
+              </a:endParaRPr>
             </a:p>
             <a:p>
               <a:pPr marL="0" lvl="1" eaLnBrk="1" hangingPunct="1">
@@ -28302,10 +28714,16 @@
                   <a:solidFill>
                     <a:schemeClr val="tx1"/>
                   </a:solidFill>
-                  <a:latin typeface="Lato" panose="02010600030101010101" charset="0"/>
+                  <a:latin typeface="Lato" panose="020F0502020204030203" charset="0"/>
                 </a:rPr>
                 <a:t>{  public:</a:t>
               </a:r>
+              <a:endParaRPr lang="en-US" altLang="zh-CN" sz="2000" dirty="0">
+                <a:solidFill>
+                  <a:schemeClr val="tx1"/>
+                </a:solidFill>
+                <a:latin typeface="Lato" panose="020F0502020204030203" charset="0"/>
+              </a:endParaRPr>
             </a:p>
             <a:p>
               <a:pPr marL="0" lvl="1" eaLnBrk="1" hangingPunct="1">
@@ -28323,7 +28741,7 @@
                   <a:solidFill>
                     <a:schemeClr val="tx1"/>
                   </a:solidFill>
-                  <a:latin typeface="Lato" panose="02010600030101010101" charset="0"/>
+                  <a:latin typeface="Lato" panose="020F0502020204030203" charset="0"/>
                 </a:rPr>
                 <a:t>       Rational();                      </a:t>
               </a:r>
@@ -28331,7 +28749,7 @@
                 <a:solidFill>
                   <a:srgbClr val="008000"/>
                 </a:solidFill>
-                <a:latin typeface="Lato" panose="02010600030101010101" charset="0"/>
+                <a:latin typeface="Lato" panose="020F0502020204030203" charset="0"/>
               </a:endParaRPr>
             </a:p>
             <a:p>
@@ -28350,7 +28768,7 @@
                   <a:solidFill>
                     <a:schemeClr val="tx1"/>
                   </a:solidFill>
-                  <a:latin typeface="Lato" panose="02010600030101010101" charset="0"/>
+                  <a:latin typeface="Lato" panose="020F0502020204030203" charset="0"/>
                 </a:rPr>
                 <a:t>       </a:t>
               </a:r>
@@ -28359,7 +28777,7 @@
                   <a:solidFill>
                     <a:schemeClr val="tx1"/>
                   </a:solidFill>
-                  <a:latin typeface="Lato" panose="02010600030101010101" charset="0"/>
+                  <a:latin typeface="Lato" panose="020F0502020204030203" charset="0"/>
                 </a:rPr>
                 <a:t>Rational(</a:t>
               </a:r>
@@ -28368,7 +28786,7 @@
                   <a:solidFill>
                     <a:schemeClr val="tx1"/>
                   </a:solidFill>
-                  <a:latin typeface="Lato" panose="02010600030101010101" charset="0"/>
+                  <a:latin typeface="Lato" panose="020F0502020204030203" charset="0"/>
                 </a:rPr>
                 <a:t>int</a:t>
               </a:r>
@@ -28377,7 +28795,7 @@
                   <a:solidFill>
                     <a:schemeClr val="tx1"/>
                   </a:solidFill>
-                  <a:latin typeface="Lato" panose="02010600030101010101" charset="0"/>
+                  <a:latin typeface="Lato" panose="020F0502020204030203" charset="0"/>
                 </a:rPr>
                 <a:t> </a:t>
               </a:r>
@@ -28386,7 +28804,7 @@
                   <a:solidFill>
                     <a:schemeClr val="tx1"/>
                   </a:solidFill>
-                  <a:latin typeface="Lato" panose="02010600030101010101" charset="0"/>
+                  <a:latin typeface="Lato" panose="020F0502020204030203" charset="0"/>
                 </a:rPr>
                 <a:t>x,int</a:t>
               </a:r>
@@ -28395,7 +28813,7 @@
                   <a:solidFill>
                     <a:schemeClr val="tx1"/>
                   </a:solidFill>
-                  <a:latin typeface="Lato" panose="02010600030101010101" charset="0"/>
+                  <a:latin typeface="Lato" panose="020F0502020204030203" charset="0"/>
                 </a:rPr>
                 <a:t> y);      </a:t>
               </a:r>
@@ -28403,7 +28821,7 @@
                 <a:solidFill>
                   <a:srgbClr val="008000"/>
                 </a:solidFill>
-                <a:latin typeface="Lato" panose="02010600030101010101" charset="0"/>
+                <a:latin typeface="Lato" panose="020F0502020204030203" charset="0"/>
               </a:endParaRPr>
             </a:p>
             <a:p>
@@ -28421,7 +28839,7 @@
                   <a:solidFill>
                     <a:schemeClr val="tx1"/>
                   </a:solidFill>
-                  <a:latin typeface="Lato" panose="02010600030101010101" charset="0"/>
+                  <a:latin typeface="Lato" panose="020F0502020204030203" charset="0"/>
                 </a:rPr>
                 <a:t> </a:t>
               </a:r>
@@ -28430,7 +28848,7 @@
                   <a:solidFill>
                     <a:schemeClr val="tx1"/>
                   </a:solidFill>
-                  <a:latin typeface="Lato" panose="02010600030101010101" charset="0"/>
+                  <a:latin typeface="Lato" panose="020F0502020204030203" charset="0"/>
                 </a:rPr>
                 <a:t>      </a:t>
               </a:r>
@@ -28439,7 +28857,7 @@
                   <a:solidFill>
                     <a:srgbClr val="008000"/>
                   </a:solidFill>
-                  <a:latin typeface="Lato" panose="02010600030101010101" charset="0"/>
+                  <a:latin typeface="Lato" panose="020F0502020204030203" charset="0"/>
                 </a:rPr>
                 <a:t>Rational(</a:t>
               </a:r>
@@ -28448,7 +28866,7 @@
                   <a:solidFill>
                     <a:srgbClr val="008000"/>
                   </a:solidFill>
-                  <a:latin typeface="Lato" panose="02010600030101010101" charset="0"/>
+                  <a:latin typeface="Lato" panose="020F0502020204030203" charset="0"/>
                 </a:rPr>
                 <a:t>int</a:t>
               </a:r>
@@ -28457,7 +28875,7 @@
                   <a:solidFill>
                     <a:srgbClr val="008000"/>
                   </a:solidFill>
-                  <a:latin typeface="Lato" panose="02010600030101010101" charset="0"/>
+                  <a:latin typeface="Lato" panose="020F0502020204030203" charset="0"/>
                 </a:rPr>
                 <a:t> </a:t>
               </a:r>
@@ -28466,7 +28884,7 @@
                   <a:solidFill>
                     <a:srgbClr val="008000"/>
                   </a:solidFill>
-                  <a:latin typeface="Lato" panose="02010600030101010101" charset="0"/>
+                  <a:latin typeface="Lato" panose="020F0502020204030203" charset="0"/>
                 </a:rPr>
                 <a:t>x) { </a:t>
               </a:r>
@@ -28475,7 +28893,7 @@
                   <a:solidFill>
                     <a:srgbClr val="008000"/>
                   </a:solidFill>
-                  <a:latin typeface="Lato" panose="02010600030101010101" charset="0"/>
+                  <a:latin typeface="Lato" panose="020F0502020204030203" charset="0"/>
                 </a:rPr>
                 <a:t>num</a:t>
               </a:r>
@@ -28484,7 +28902,7 @@
                   <a:solidFill>
                     <a:srgbClr val="008000"/>
                   </a:solidFill>
-                  <a:latin typeface="Lato" panose="02010600030101010101" charset="0"/>
+                  <a:latin typeface="Lato" panose="020F0502020204030203" charset="0"/>
                 </a:rPr>
                 <a:t>=x;  den=1; } //</a:t>
               </a:r>
@@ -28493,7 +28911,7 @@
                   <a:solidFill>
                     <a:srgbClr val="008000"/>
                   </a:solidFill>
-                  <a:latin typeface="Lato" panose="02010600030101010101" charset="0"/>
+                  <a:latin typeface="Lato" panose="020F0502020204030203" charset="0"/>
                 </a:rPr>
                 <a:t>conversion constructor</a:t>
               </a:r>
@@ -28501,7 +28919,7 @@
                 <a:solidFill>
                   <a:srgbClr val="FF0000"/>
                 </a:solidFill>
-                <a:latin typeface="Lato" panose="02010600030101010101" charset="0"/>
+                <a:latin typeface="Lato" panose="020F0502020204030203" charset="0"/>
               </a:endParaRPr>
             </a:p>
             <a:p>
@@ -28520,7 +28938,7 @@
                   <a:solidFill>
                     <a:schemeClr val="tx1"/>
                   </a:solidFill>
-                  <a:latin typeface="Lato" panose="02010600030101010101" charset="0"/>
+                  <a:latin typeface="Lato" panose="020F0502020204030203" charset="0"/>
                 </a:rPr>
                 <a:t>       </a:t>
               </a:r>
@@ -28529,7 +28947,7 @@
                   <a:solidFill>
                     <a:srgbClr val="CC00FF"/>
                   </a:solidFill>
-                  <a:latin typeface="Lato" panose="02010600030101010101" charset="0"/>
+                  <a:latin typeface="Lato" panose="020F0502020204030203" charset="0"/>
                 </a:rPr>
                 <a:t>friend</a:t>
               </a:r>
@@ -28538,7 +28956,7 @@
                   <a:solidFill>
                     <a:schemeClr val="tx1"/>
                   </a:solidFill>
-                  <a:latin typeface="Lato" panose="02010600030101010101" charset="0"/>
+                  <a:latin typeface="Lato" panose="020F0502020204030203" charset="0"/>
                 </a:rPr>
                 <a:t> Rational </a:t>
               </a:r>
@@ -28547,7 +28965,7 @@
                   <a:solidFill>
                     <a:srgbClr val="CC00FF"/>
                   </a:solidFill>
-                  <a:latin typeface="Lato" panose="02010600030101010101" charset="0"/>
+                  <a:latin typeface="Lato" panose="020F0502020204030203" charset="0"/>
                 </a:rPr>
                 <a:t>operator+</a:t>
               </a:r>
@@ -28556,10 +28974,16 @@
                   <a:solidFill>
                     <a:schemeClr val="tx1"/>
                   </a:solidFill>
-                  <a:latin typeface="Lato" panose="02010600030101010101" charset="0"/>
+                  <a:latin typeface="Lato" panose="020F0502020204030203" charset="0"/>
                 </a:rPr>
                 <a:t>(Rational a, Rational b); </a:t>
               </a:r>
+              <a:endParaRPr lang="en-US" altLang="zh-CN" sz="2000" dirty="0">
+                <a:solidFill>
+                  <a:schemeClr val="tx1"/>
+                </a:solidFill>
+                <a:latin typeface="Lato" panose="020F0502020204030203" charset="0"/>
+              </a:endParaRPr>
             </a:p>
             <a:p>
               <a:pPr marL="0" lvl="1" eaLnBrk="1" hangingPunct="1">
@@ -28577,10 +29001,16 @@
                   <a:solidFill>
                     <a:schemeClr val="tx1"/>
                   </a:solidFill>
-                  <a:latin typeface="Lato" panose="02010600030101010101" charset="0"/>
+                  <a:latin typeface="Lato" panose="020F0502020204030203" charset="0"/>
                 </a:rPr>
                 <a:t>    private:</a:t>
               </a:r>
+              <a:endParaRPr lang="en-US" altLang="zh-CN" sz="2000" dirty="0">
+                <a:solidFill>
+                  <a:schemeClr val="tx1"/>
+                </a:solidFill>
+                <a:latin typeface="Lato" panose="020F0502020204030203" charset="0"/>
+              </a:endParaRPr>
             </a:p>
             <a:p>
               <a:pPr marL="0" lvl="1" eaLnBrk="1" hangingPunct="1">
@@ -28598,7 +29028,7 @@
                   <a:solidFill>
                     <a:schemeClr val="tx1"/>
                   </a:solidFill>
-                  <a:latin typeface="Lato" panose="02010600030101010101" charset="0"/>
+                  <a:latin typeface="Lato" panose="020F0502020204030203" charset="0"/>
                 </a:rPr>
                 <a:t>        </a:t>
               </a:r>
@@ -28607,7 +29037,7 @@
                   <a:solidFill>
                     <a:schemeClr val="tx1"/>
                   </a:solidFill>
-                  <a:latin typeface="Lato" panose="02010600030101010101" charset="0"/>
+                  <a:latin typeface="Lato" panose="020F0502020204030203" charset="0"/>
                 </a:rPr>
                 <a:t>int</a:t>
               </a:r>
@@ -28616,7 +29046,7 @@
                   <a:solidFill>
                     <a:schemeClr val="tx1"/>
                   </a:solidFill>
-                  <a:latin typeface="Lato" panose="02010600030101010101" charset="0"/>
+                  <a:latin typeface="Lato" panose="020F0502020204030203" charset="0"/>
                 </a:rPr>
                 <a:t> </a:t>
               </a:r>
@@ -28625,7 +29055,7 @@
                   <a:solidFill>
                     <a:schemeClr val="tx1"/>
                   </a:solidFill>
-                  <a:latin typeface="Lato" panose="02010600030101010101" charset="0"/>
+                  <a:latin typeface="Lato" panose="020F0502020204030203" charset="0"/>
                 </a:rPr>
                 <a:t>num</a:t>
               </a:r>
@@ -28634,7 +29064,7 @@
                   <a:solidFill>
                     <a:schemeClr val="tx1"/>
                   </a:solidFill>
-                  <a:latin typeface="Lato" panose="02010600030101010101" charset="0"/>
+                  <a:latin typeface="Lato" panose="020F0502020204030203" charset="0"/>
                 </a:rPr>
                 <a:t>, den</a:t>
               </a:r>
@@ -28643,10 +29073,16 @@
                   <a:solidFill>
                     <a:schemeClr val="tx1"/>
                   </a:solidFill>
-                  <a:latin typeface="Lato" panose="02010600030101010101" charset="0"/>
+                  <a:latin typeface="Lato" panose="020F0502020204030203" charset="0"/>
                 </a:rPr>
                 <a:t>;</a:t>
               </a:r>
+              <a:endParaRPr lang="en-US" altLang="zh-CN" sz="2000" dirty="0">
+                <a:solidFill>
+                  <a:schemeClr val="tx1"/>
+                </a:solidFill>
+                <a:latin typeface="Lato" panose="020F0502020204030203" charset="0"/>
+              </a:endParaRPr>
             </a:p>
             <a:p>
               <a:pPr marL="0" lvl="1" eaLnBrk="1" hangingPunct="1">
@@ -28664,10 +29100,16 @@
                   <a:solidFill>
                     <a:schemeClr val="tx1"/>
                   </a:solidFill>
-                  <a:latin typeface="Lato" panose="02010600030101010101" charset="0"/>
+                  <a:latin typeface="Lato" panose="020F0502020204030203" charset="0"/>
                 </a:rPr>
                 <a:t>};</a:t>
               </a:r>
+              <a:endParaRPr lang="en-US" altLang="zh-CN" sz="2000" dirty="0">
+                <a:solidFill>
+                  <a:schemeClr val="tx1"/>
+                </a:solidFill>
+                <a:latin typeface="Lato" panose="020F0502020204030203" charset="0"/>
+              </a:endParaRPr>
             </a:p>
           </p:txBody>
         </p:sp>
@@ -28675,9 +29117,7 @@
       <p:grpSp>
         <p:nvGrpSpPr>
           <p:cNvPr id="9" name="组合 8"/>
-          <p:cNvGrpSpPr>
-            <a:grpSpLocks/>
-          </p:cNvGrpSpPr>
+          <p:cNvGrpSpPr/>
           <p:nvPr/>
         </p:nvGrpSpPr>
         <p:grpSpPr bwMode="auto">
@@ -28714,8 +29154,6 @@
                 <a:schemeClr val="tx1"/>
               </a:solidFill>
               <a:round/>
-              <a:headEnd/>
-              <a:tailEnd/>
             </a:ln>
           </p:spPr>
           <p:txBody>
@@ -28897,7 +29335,6 @@
             <a:ln>
               <a:noFill/>
             </a:ln>
-            <a:extLst/>
           </p:spPr>
           <p:txBody>
             <a:bodyPr>
@@ -29059,36 +29496,16 @@
                   <a:solidFill>
                     <a:schemeClr val="tx1"/>
                   </a:solidFill>
-                  <a:latin typeface="Lato" panose="02010600030101010101" charset="0"/>
+                  <a:latin typeface="Lato" panose="020F0502020204030203" charset="0"/>
                   <a:ea typeface="华文中宋" panose="02010600040101010101" pitchFamily="2" charset="-122"/>
                 </a:rPr>
                 <a:t>int main()</a:t>
               </a:r>
-            </a:p>
-            <a:p>
-              <a:pPr marL="0" lvl="1" eaLnBrk="1" hangingPunct="1">
-                <a:spcBef>
-                  <a:spcPct val="0"/>
-                </a:spcBef>
-                <a:buFont typeface="Wingdings" panose="05000000000000000000" pitchFamily="2" charset="2"/>
-                <a:buNone/>
-                <a:defRPr/>
-              </a:pPr>
-              <a:r>
-                <a:rPr lang="pt-BR" altLang="zh-CN" sz="2000" dirty="0">
-                  <a:solidFill>
-                    <a:schemeClr val="tx1"/>
-                  </a:solidFill>
-                  <a:latin typeface="Lato" panose="02010600030101010101" charset="0"/>
-                  <a:ea typeface="华文中宋" panose="02010600040101010101" pitchFamily="2" charset="-122"/>
-                </a:rPr>
-                <a:t>{   Rational r1(3,5), r2, r3;   </a:t>
-              </a:r>
-              <a:endParaRPr lang="pt-BR" altLang="zh-CN" sz="2000" dirty="0" smtClean="0">
+              <a:endParaRPr lang="pt-BR" altLang="zh-CN" sz="2000" dirty="0">
                 <a:solidFill>
                   <a:schemeClr val="tx1"/>
                 </a:solidFill>
-                <a:latin typeface="Lato" panose="02010600030101010101" charset="0"/>
+                <a:latin typeface="Lato" panose="020F0502020204030203" charset="0"/>
                 <a:ea typeface="华文中宋" panose="02010600040101010101" pitchFamily="2" charset="-122"/>
               </a:endParaRPr>
             </a:p>
@@ -29106,76 +29523,16 @@
                   <a:solidFill>
                     <a:schemeClr val="tx1"/>
                   </a:solidFill>
-                  <a:latin typeface="Lato" panose="02010600030101010101" charset="0"/>
+                  <a:latin typeface="Lato" panose="020F0502020204030203" charset="0"/>
                   <a:ea typeface="华文中宋" panose="02010600040101010101" pitchFamily="2" charset="-122"/>
                 </a:rPr>
-                <a:t> </a:t>
-              </a:r>
-              <a:r>
-                <a:rPr lang="pt-BR" altLang="zh-CN" sz="2000" dirty="0" smtClean="0">
-                  <a:solidFill>
-                    <a:schemeClr val="tx1"/>
-                  </a:solidFill>
-                  <a:latin typeface="Lato" panose="02010600030101010101" charset="0"/>
-                  <a:ea typeface="华文中宋" panose="02010600040101010101" pitchFamily="2" charset="-122"/>
-                </a:rPr>
-                <a:t>   int </a:t>
-              </a:r>
-              <a:r>
-                <a:rPr lang="pt-BR" altLang="zh-CN" sz="2000" dirty="0">
-                  <a:solidFill>
-                    <a:schemeClr val="tx1"/>
-                  </a:solidFill>
-                  <a:latin typeface="Lato" panose="02010600030101010101" charset="0"/>
-                  <a:ea typeface="华文中宋" panose="02010600040101010101" pitchFamily="2" charset="-122"/>
-                </a:rPr>
-                <a:t>n=3;</a:t>
-              </a:r>
-            </a:p>
-            <a:p>
-              <a:pPr marL="0" lvl="1" eaLnBrk="1" hangingPunct="1">
-                <a:spcBef>
-                  <a:spcPct val="0"/>
-                </a:spcBef>
-                <a:buFont typeface="Wingdings" panose="05000000000000000000" pitchFamily="2" charset="2"/>
-                <a:buNone/>
-                <a:defRPr/>
-              </a:pPr>
-              <a:r>
-                <a:rPr lang="pt-BR" altLang="zh-CN" sz="2000" dirty="0">
-                  <a:solidFill>
-                    <a:schemeClr val="tx1"/>
-                  </a:solidFill>
-                  <a:latin typeface="Lato" panose="02010600030101010101" charset="0"/>
-                  <a:ea typeface="华文中宋" panose="02010600040101010101" pitchFamily="2" charset="-122"/>
-                </a:rPr>
-                <a:t>    </a:t>
-              </a:r>
-              <a:r>
-                <a:rPr lang="pt-BR" altLang="zh-CN" sz="2000" dirty="0">
-                  <a:solidFill>
-                    <a:srgbClr val="CC00FF"/>
-                  </a:solidFill>
-                  <a:latin typeface="Lato" panose="02010600030101010101" charset="0"/>
-                  <a:ea typeface="华文中宋" panose="02010600040101010101" pitchFamily="2" charset="-122"/>
-                </a:rPr>
-                <a:t>r2=r1+n;</a:t>
-              </a:r>
-              <a:r>
-                <a:rPr lang="pt-BR" altLang="zh-CN" sz="2000" dirty="0">
-                  <a:solidFill>
-                    <a:schemeClr val="tx1"/>
-                  </a:solidFill>
-                  <a:latin typeface="Lato" panose="02010600030101010101" charset="0"/>
-                  <a:ea typeface="华文中宋" panose="02010600040101010101" pitchFamily="2" charset="-122"/>
-                </a:rPr>
-                <a:t> </a:t>
+                <a:t>{   Rational r1(3,5), r2, r3;   </a:t>
               </a:r>
               <a:endParaRPr lang="pt-BR" altLang="zh-CN" sz="2000" dirty="0" smtClean="0">
                 <a:solidFill>
                   <a:schemeClr val="tx1"/>
                 </a:solidFill>
-                <a:latin typeface="Lato" panose="02010600030101010101" charset="0"/>
+                <a:latin typeface="Lato" panose="020F0502020204030203" charset="0"/>
                 <a:ea typeface="华文中宋" panose="02010600040101010101" pitchFamily="2" charset="-122"/>
               </a:endParaRPr>
             </a:p>
@@ -29193,7 +29550,7 @@
                   <a:solidFill>
                     <a:schemeClr val="tx1"/>
                   </a:solidFill>
-                  <a:latin typeface="Lato" panose="02010600030101010101" charset="0"/>
+                  <a:latin typeface="Lato" panose="020F0502020204030203" charset="0"/>
                   <a:ea typeface="华文中宋" panose="02010600040101010101" pitchFamily="2" charset="-122"/>
                 </a:rPr>
                 <a:t> </a:t>
@@ -29203,7 +29560,101 @@
                   <a:solidFill>
                     <a:schemeClr val="tx1"/>
                   </a:solidFill>
-                  <a:latin typeface="Lato" panose="02010600030101010101" charset="0"/>
+                  <a:latin typeface="Lato" panose="020F0502020204030203" charset="0"/>
+                  <a:ea typeface="华文中宋" panose="02010600040101010101" pitchFamily="2" charset="-122"/>
+                </a:rPr>
+                <a:t>   int </a:t>
+              </a:r>
+              <a:r>
+                <a:rPr lang="pt-BR" altLang="zh-CN" sz="2000" dirty="0">
+                  <a:solidFill>
+                    <a:schemeClr val="tx1"/>
+                  </a:solidFill>
+                  <a:latin typeface="Lato" panose="020F0502020204030203" charset="0"/>
+                  <a:ea typeface="华文中宋" panose="02010600040101010101" pitchFamily="2" charset="-122"/>
+                </a:rPr>
+                <a:t>n=3;</a:t>
+              </a:r>
+              <a:endParaRPr lang="pt-BR" altLang="zh-CN" sz="2000" dirty="0">
+                <a:solidFill>
+                  <a:schemeClr val="tx1"/>
+                </a:solidFill>
+                <a:latin typeface="Lato" panose="020F0502020204030203" charset="0"/>
+                <a:ea typeface="华文中宋" panose="02010600040101010101" pitchFamily="2" charset="-122"/>
+              </a:endParaRPr>
+            </a:p>
+            <a:p>
+              <a:pPr marL="0" lvl="1" eaLnBrk="1" hangingPunct="1">
+                <a:spcBef>
+                  <a:spcPct val="0"/>
+                </a:spcBef>
+                <a:buFont typeface="Wingdings" panose="05000000000000000000" pitchFamily="2" charset="2"/>
+                <a:buNone/>
+                <a:defRPr/>
+              </a:pPr>
+              <a:r>
+                <a:rPr lang="pt-BR" altLang="zh-CN" sz="2000" dirty="0">
+                  <a:solidFill>
+                    <a:schemeClr val="tx1"/>
+                  </a:solidFill>
+                  <a:latin typeface="Lato" panose="020F0502020204030203" charset="0"/>
+                  <a:ea typeface="华文中宋" panose="02010600040101010101" pitchFamily="2" charset="-122"/>
+                </a:rPr>
+                <a:t>    </a:t>
+              </a:r>
+              <a:r>
+                <a:rPr lang="pt-BR" altLang="zh-CN" sz="2000" dirty="0">
+                  <a:solidFill>
+                    <a:srgbClr val="CC00FF"/>
+                  </a:solidFill>
+                  <a:latin typeface="Lato" panose="020F0502020204030203" charset="0"/>
+                  <a:ea typeface="华文中宋" panose="02010600040101010101" pitchFamily="2" charset="-122"/>
+                </a:rPr>
+                <a:t>r2=r1+n;</a:t>
+              </a:r>
+              <a:r>
+                <a:rPr lang="pt-BR" altLang="zh-CN" sz="2000" dirty="0">
+                  <a:solidFill>
+                    <a:schemeClr val="tx1"/>
+                  </a:solidFill>
+                  <a:latin typeface="Lato" panose="020F0502020204030203" charset="0"/>
+                  <a:ea typeface="华文中宋" panose="02010600040101010101" pitchFamily="2" charset="-122"/>
+                </a:rPr>
+                <a:t> </a:t>
+              </a:r>
+              <a:endParaRPr lang="pt-BR" altLang="zh-CN" sz="2000" dirty="0" smtClean="0">
+                <a:solidFill>
+                  <a:schemeClr val="tx1"/>
+                </a:solidFill>
+                <a:latin typeface="Lato" panose="020F0502020204030203" charset="0"/>
+                <a:ea typeface="华文中宋" panose="02010600040101010101" pitchFamily="2" charset="-122"/>
+              </a:endParaRPr>
+            </a:p>
+            <a:p>
+              <a:pPr marL="0" lvl="1" eaLnBrk="1" hangingPunct="1">
+                <a:spcBef>
+                  <a:spcPct val="0"/>
+                </a:spcBef>
+                <a:buFont typeface="Wingdings" panose="05000000000000000000" pitchFamily="2" charset="2"/>
+                <a:buNone/>
+                <a:defRPr/>
+              </a:pPr>
+              <a:r>
+                <a:rPr lang="pt-BR" altLang="zh-CN" sz="2000" dirty="0">
+                  <a:solidFill>
+                    <a:schemeClr val="tx1"/>
+                  </a:solidFill>
+                  <a:latin typeface="Lato" panose="020F0502020204030203" charset="0"/>
+                  <a:ea typeface="华文中宋" panose="02010600040101010101" pitchFamily="2" charset="-122"/>
+                </a:rPr>
+                <a:t> </a:t>
+              </a:r>
+              <a:r>
+                <a:rPr lang="pt-BR" altLang="zh-CN" sz="2000" dirty="0" smtClean="0">
+                  <a:solidFill>
+                    <a:schemeClr val="tx1"/>
+                  </a:solidFill>
+                  <a:latin typeface="Lato" panose="020F0502020204030203" charset="0"/>
                   <a:ea typeface="华文中宋" panose="02010600040101010101" pitchFamily="2" charset="-122"/>
                 </a:rPr>
                 <a:t>   return </a:t>
@@ -29213,11 +29664,18 @@
                   <a:solidFill>
                     <a:schemeClr val="tx1"/>
                   </a:solidFill>
-                  <a:latin typeface="Lato" panose="02010600030101010101" charset="0"/>
+                  <a:latin typeface="Lato" panose="020F0502020204030203" charset="0"/>
                   <a:ea typeface="华文中宋" panose="02010600040101010101" pitchFamily="2" charset="-122"/>
                 </a:rPr>
                 <a:t>0;</a:t>
               </a:r>
+              <a:endParaRPr lang="pt-BR" altLang="zh-CN" sz="2000" dirty="0">
+                <a:solidFill>
+                  <a:schemeClr val="tx1"/>
+                </a:solidFill>
+                <a:latin typeface="Lato" panose="020F0502020204030203" charset="0"/>
+                <a:ea typeface="华文中宋" panose="02010600040101010101" pitchFamily="2" charset="-122"/>
+              </a:endParaRPr>
             </a:p>
             <a:p>
               <a:pPr marL="0" lvl="1" eaLnBrk="1" hangingPunct="1">
@@ -29233,7 +29691,7 @@
                   <a:solidFill>
                     <a:schemeClr val="tx1"/>
                   </a:solidFill>
-                  <a:latin typeface="Lato" panose="02010600030101010101" charset="0"/>
+                  <a:latin typeface="Lato" panose="020F0502020204030203" charset="0"/>
                   <a:ea typeface="华文中宋" panose="02010600040101010101" pitchFamily="2" charset="-122"/>
                 </a:rPr>
                 <a:t>}</a:t>
@@ -29242,7 +29700,7 @@
                 <a:solidFill>
                   <a:schemeClr val="tx1"/>
                 </a:solidFill>
-                <a:latin typeface="Lato" panose="02010600030101010101" charset="0"/>
+                <a:latin typeface="Lato" panose="020F0502020204030203" charset="0"/>
                 <a:ea typeface="华文中宋" panose="02010600040101010101" pitchFamily="2" charset="-122"/>
               </a:endParaRPr>
             </a:p>
@@ -29335,11 +29793,6 @@
         </p:cxnSp>
       </p:grpSp>
     </p:spTree>
-    <p:extLst>
-      <p:ext uri="{BB962C8B-B14F-4D97-AF65-F5344CB8AC3E}">
-        <p14:creationId xmlns:p14="http://schemas.microsoft.com/office/powerpoint/2010/main" val="3178976272"/>
-      </p:ext>
-    </p:extLst>
   </p:cSld>
   <p:clrMapOvr>
     <a:masterClrMapping/>
@@ -29540,9 +29993,7 @@
       <p:grpSp>
         <p:nvGrpSpPr>
           <p:cNvPr id="6" name="组合 2"/>
-          <p:cNvGrpSpPr>
-            <a:grpSpLocks/>
-          </p:cNvGrpSpPr>
+          <p:cNvGrpSpPr/>
           <p:nvPr/>
         </p:nvGrpSpPr>
         <p:grpSpPr bwMode="auto">
@@ -29579,8 +30030,6 @@
                 <a:schemeClr val="tx1"/>
               </a:solidFill>
               <a:round/>
-              <a:headEnd/>
-              <a:tailEnd/>
             </a:ln>
           </p:spPr>
           <p:txBody>
@@ -29944,10 +30393,16 @@
                   <a:solidFill>
                     <a:schemeClr val="tx1"/>
                   </a:solidFill>
-                  <a:latin typeface="Lato" panose="02010600030101010101" charset="0"/>
+                  <a:latin typeface="Lato" panose="020F0502020204030203" charset="0"/>
                 </a:rPr>
                 <a:t>class Rational            </a:t>
               </a:r>
+              <a:endParaRPr lang="en-US" altLang="zh-CN" sz="2000" dirty="0">
+                <a:solidFill>
+                  <a:schemeClr val="tx1"/>
+                </a:solidFill>
+                <a:latin typeface="Lato" panose="020F0502020204030203" charset="0"/>
+              </a:endParaRPr>
             </a:p>
             <a:p>
               <a:pPr marL="0" lvl="1" eaLnBrk="1" hangingPunct="1">
@@ -29965,10 +30420,16 @@
                   <a:solidFill>
                     <a:schemeClr val="tx1"/>
                   </a:solidFill>
-                  <a:latin typeface="Lato" panose="02010600030101010101" charset="0"/>
+                  <a:latin typeface="Lato" panose="020F0502020204030203" charset="0"/>
                 </a:rPr>
                 <a:t>{  public:</a:t>
               </a:r>
+              <a:endParaRPr lang="en-US" altLang="zh-CN" sz="2000" dirty="0">
+                <a:solidFill>
+                  <a:schemeClr val="tx1"/>
+                </a:solidFill>
+                <a:latin typeface="Lato" panose="020F0502020204030203" charset="0"/>
+              </a:endParaRPr>
             </a:p>
             <a:p>
               <a:pPr marL="0" lvl="1" eaLnBrk="1" hangingPunct="1">
@@ -29986,7 +30447,7 @@
                   <a:solidFill>
                     <a:schemeClr val="tx1"/>
                   </a:solidFill>
-                  <a:latin typeface="Lato" panose="02010600030101010101" charset="0"/>
+                  <a:latin typeface="Lato" panose="020F0502020204030203" charset="0"/>
                 </a:rPr>
                 <a:t>       Rational();                      </a:t>
               </a:r>
@@ -29994,7 +30455,7 @@
                 <a:solidFill>
                   <a:srgbClr val="008000"/>
                 </a:solidFill>
-                <a:latin typeface="Lato" panose="02010600030101010101" charset="0"/>
+                <a:latin typeface="Lato" panose="020F0502020204030203" charset="0"/>
               </a:endParaRPr>
             </a:p>
             <a:p>
@@ -30013,7 +30474,7 @@
                   <a:solidFill>
                     <a:schemeClr val="tx1"/>
                   </a:solidFill>
-                  <a:latin typeface="Lato" panose="02010600030101010101" charset="0"/>
+                  <a:latin typeface="Lato" panose="020F0502020204030203" charset="0"/>
                 </a:rPr>
                 <a:t>       </a:t>
               </a:r>
@@ -30022,7 +30483,7 @@
                   <a:solidFill>
                     <a:schemeClr val="tx1"/>
                   </a:solidFill>
-                  <a:latin typeface="Lato" panose="02010600030101010101" charset="0"/>
+                  <a:latin typeface="Lato" panose="020F0502020204030203" charset="0"/>
                 </a:rPr>
                 <a:t>Rational(</a:t>
               </a:r>
@@ -30031,7 +30492,7 @@
                   <a:solidFill>
                     <a:schemeClr val="tx1"/>
                   </a:solidFill>
-                  <a:latin typeface="Lato" panose="02010600030101010101" charset="0"/>
+                  <a:latin typeface="Lato" panose="020F0502020204030203" charset="0"/>
                 </a:rPr>
                 <a:t>int</a:t>
               </a:r>
@@ -30040,7 +30501,7 @@
                   <a:solidFill>
                     <a:schemeClr val="tx1"/>
                   </a:solidFill>
-                  <a:latin typeface="Lato" panose="02010600030101010101" charset="0"/>
+                  <a:latin typeface="Lato" panose="020F0502020204030203" charset="0"/>
                 </a:rPr>
                 <a:t> </a:t>
               </a:r>
@@ -30049,7 +30510,7 @@
                   <a:solidFill>
                     <a:schemeClr val="tx1"/>
                   </a:solidFill>
-                  <a:latin typeface="Lato" panose="02010600030101010101" charset="0"/>
+                  <a:latin typeface="Lato" panose="020F0502020204030203" charset="0"/>
                 </a:rPr>
                 <a:t>x,int</a:t>
               </a:r>
@@ -30058,7 +30519,7 @@
                   <a:solidFill>
                     <a:schemeClr val="tx1"/>
                   </a:solidFill>
-                  <a:latin typeface="Lato" panose="02010600030101010101" charset="0"/>
+                  <a:latin typeface="Lato" panose="020F0502020204030203" charset="0"/>
                 </a:rPr>
                 <a:t> y);      </a:t>
               </a:r>
@@ -30066,7 +30527,7 @@
                 <a:solidFill>
                   <a:srgbClr val="008000"/>
                 </a:solidFill>
-                <a:latin typeface="Lato" panose="02010600030101010101" charset="0"/>
+                <a:latin typeface="Lato" panose="020F0502020204030203" charset="0"/>
               </a:endParaRPr>
             </a:p>
             <a:p>
@@ -30085,7 +30546,7 @@
                   <a:solidFill>
                     <a:schemeClr val="tx1"/>
                   </a:solidFill>
-                  <a:latin typeface="Lato" panose="02010600030101010101" charset="0"/>
+                  <a:latin typeface="Lato" panose="020F0502020204030203" charset="0"/>
                 </a:rPr>
                 <a:t>       </a:t>
               </a:r>
@@ -30094,7 +30555,7 @@
                   <a:solidFill>
                     <a:srgbClr val="FF3300"/>
                   </a:solidFill>
-                  <a:latin typeface="Lato" panose="02010600030101010101" charset="0"/>
+                  <a:latin typeface="Lato" panose="020F0502020204030203" charset="0"/>
                 </a:rPr>
                 <a:t>operator </a:t>
               </a:r>
@@ -30103,7 +30564,7 @@
                   <a:solidFill>
                     <a:srgbClr val="FF3300"/>
                   </a:solidFill>
-                  <a:latin typeface="Lato" panose="02010600030101010101" charset="0"/>
+                  <a:latin typeface="Lato" panose="020F0502020204030203" charset="0"/>
                 </a:rPr>
                 <a:t>int</a:t>
               </a:r>
@@ -30112,7 +30573,7 @@
                   <a:solidFill>
                     <a:srgbClr val="FF3300"/>
                   </a:solidFill>
-                  <a:latin typeface="Lato" panose="02010600030101010101" charset="0"/>
+                  <a:latin typeface="Lato" panose="020F0502020204030203" charset="0"/>
                 </a:rPr>
                 <a:t>() { return </a:t>
               </a:r>
@@ -30121,7 +30582,7 @@
                   <a:solidFill>
                     <a:srgbClr val="FF3300"/>
                   </a:solidFill>
-                  <a:latin typeface="Lato" panose="02010600030101010101" charset="0"/>
+                  <a:latin typeface="Lato" panose="020F0502020204030203" charset="0"/>
                 </a:rPr>
                 <a:t>num</a:t>
               </a:r>
@@ -30130,7 +30591,7 @@
                   <a:solidFill>
                     <a:srgbClr val="FF3300"/>
                   </a:solidFill>
-                  <a:latin typeface="Lato" panose="02010600030101010101" charset="0"/>
+                  <a:latin typeface="Lato" panose="020F0502020204030203" charset="0"/>
                 </a:rPr>
                 <a:t>;} </a:t>
               </a:r>
@@ -30139,7 +30600,7 @@
                   <a:solidFill>
                     <a:srgbClr val="FF3300"/>
                   </a:solidFill>
-                  <a:latin typeface="Lato" panose="02010600030101010101" charset="0"/>
+                  <a:latin typeface="Lato" panose="020F0502020204030203" charset="0"/>
                 </a:rPr>
                 <a:t> </a:t>
               </a:r>
@@ -30148,10 +30609,16 @@
                   <a:solidFill>
                     <a:srgbClr val="FF0000"/>
                   </a:solidFill>
-                  <a:latin typeface="Lato" panose="02010600030101010101" charset="0"/>
+                  <a:latin typeface="Lato" panose="020F0502020204030203" charset="0"/>
                 </a:rPr>
                 <a:t>//conversion function</a:t>
               </a:r>
+              <a:endParaRPr lang="en-US" altLang="zh-CN" sz="2000" dirty="0" smtClean="0">
+                <a:solidFill>
+                  <a:srgbClr val="FF0000"/>
+                </a:solidFill>
+                <a:latin typeface="Lato" panose="020F0502020204030203" charset="0"/>
+              </a:endParaRPr>
             </a:p>
             <a:p>
               <a:pPr lvl="1">
@@ -30168,7 +30635,7 @@
                   <a:solidFill>
                     <a:srgbClr val="008000"/>
                   </a:solidFill>
-                  <a:latin typeface="Lato" panose="02010600030101010101" charset="0"/>
+                  <a:latin typeface="Lato" panose="020F0502020204030203" charset="0"/>
                 </a:rPr>
                 <a:t>       Rational(</a:t>
               </a:r>
@@ -30177,7 +30644,7 @@
                   <a:solidFill>
                     <a:srgbClr val="008000"/>
                   </a:solidFill>
-                  <a:latin typeface="Lato" panose="02010600030101010101" charset="0"/>
+                  <a:latin typeface="Lato" panose="020F0502020204030203" charset="0"/>
                 </a:rPr>
                 <a:t>int</a:t>
               </a:r>
@@ -30186,7 +30653,7 @@
                   <a:solidFill>
                     <a:srgbClr val="008000"/>
                   </a:solidFill>
-                  <a:latin typeface="Lato" panose="02010600030101010101" charset="0"/>
+                  <a:latin typeface="Lato" panose="020F0502020204030203" charset="0"/>
                 </a:rPr>
                 <a:t> </a:t>
               </a:r>
@@ -30195,7 +30662,7 @@
                   <a:solidFill>
                     <a:srgbClr val="008000"/>
                   </a:solidFill>
-                  <a:latin typeface="Lato" panose="02010600030101010101" charset="0"/>
+                  <a:latin typeface="Lato" panose="020F0502020204030203" charset="0"/>
                 </a:rPr>
                 <a:t>x) { </a:t>
               </a:r>
@@ -30204,7 +30671,7 @@
                   <a:solidFill>
                     <a:srgbClr val="008000"/>
                   </a:solidFill>
-                  <a:latin typeface="Lato" panose="02010600030101010101" charset="0"/>
+                  <a:latin typeface="Lato" panose="020F0502020204030203" charset="0"/>
                 </a:rPr>
                 <a:t>num</a:t>
               </a:r>
@@ -30213,7 +30680,7 @@
                   <a:solidFill>
                     <a:srgbClr val="008000"/>
                   </a:solidFill>
-                  <a:latin typeface="Lato" panose="02010600030101010101" charset="0"/>
+                  <a:latin typeface="Lato" panose="020F0502020204030203" charset="0"/>
                 </a:rPr>
                 <a:t>=x;  den=1; } </a:t>
               </a:r>
@@ -30222,7 +30689,7 @@
                   <a:solidFill>
                     <a:srgbClr val="008000"/>
                   </a:solidFill>
-                  <a:latin typeface="Lato" panose="02010600030101010101" charset="0"/>
+                  <a:latin typeface="Lato" panose="020F0502020204030203" charset="0"/>
                 </a:rPr>
                 <a:t>//</a:t>
               </a:r>
@@ -30231,7 +30698,7 @@
                   <a:solidFill>
                     <a:srgbClr val="008000"/>
                   </a:solidFill>
-                  <a:latin typeface="Lato" panose="02010600030101010101" charset="0"/>
+                  <a:latin typeface="Lato" panose="020F0502020204030203" charset="0"/>
                 </a:rPr>
                 <a:t>conversion constructor</a:t>
               </a:r>
@@ -30239,7 +30706,7 @@
                 <a:solidFill>
                   <a:srgbClr val="008000"/>
                 </a:solidFill>
-                <a:latin typeface="Lato" panose="02010600030101010101" charset="0"/>
+                <a:latin typeface="Lato" panose="020F0502020204030203" charset="0"/>
               </a:endParaRPr>
             </a:p>
             <a:p>
@@ -30258,7 +30725,7 @@
                   <a:solidFill>
                     <a:schemeClr val="tx1"/>
                   </a:solidFill>
-                  <a:latin typeface="Lato" panose="02010600030101010101" charset="0"/>
+                  <a:latin typeface="Lato" panose="020F0502020204030203" charset="0"/>
                 </a:rPr>
                 <a:t>       </a:t>
               </a:r>
@@ -30267,7 +30734,7 @@
                   <a:solidFill>
                     <a:srgbClr val="CC00FF"/>
                   </a:solidFill>
-                  <a:latin typeface="Lato" panose="02010600030101010101" charset="0"/>
+                  <a:latin typeface="Lato" panose="020F0502020204030203" charset="0"/>
                 </a:rPr>
                 <a:t>friend</a:t>
               </a:r>
@@ -30276,7 +30743,7 @@
                   <a:solidFill>
                     <a:schemeClr val="tx1"/>
                   </a:solidFill>
-                  <a:latin typeface="Lato" panose="02010600030101010101" charset="0"/>
+                  <a:latin typeface="Lato" panose="020F0502020204030203" charset="0"/>
                 </a:rPr>
                 <a:t> Rational </a:t>
               </a:r>
@@ -30285,7 +30752,7 @@
                   <a:solidFill>
                     <a:srgbClr val="CC00FF"/>
                   </a:solidFill>
-                  <a:latin typeface="Lato" panose="02010600030101010101" charset="0"/>
+                  <a:latin typeface="Lato" panose="020F0502020204030203" charset="0"/>
                 </a:rPr>
                 <a:t>operator+</a:t>
               </a:r>
@@ -30294,10 +30761,16 @@
                   <a:solidFill>
                     <a:schemeClr val="tx1"/>
                   </a:solidFill>
-                  <a:latin typeface="Lato" panose="02010600030101010101" charset="0"/>
+                  <a:latin typeface="Lato" panose="020F0502020204030203" charset="0"/>
                 </a:rPr>
                 <a:t>(Rational a, Rational b); </a:t>
               </a:r>
+              <a:endParaRPr lang="en-US" altLang="zh-CN" sz="2000" dirty="0">
+                <a:solidFill>
+                  <a:schemeClr val="tx1"/>
+                </a:solidFill>
+                <a:latin typeface="Lato" panose="020F0502020204030203" charset="0"/>
+              </a:endParaRPr>
             </a:p>
             <a:p>
               <a:pPr marL="0" lvl="1" eaLnBrk="1" hangingPunct="1">
@@ -30315,10 +30788,16 @@
                   <a:solidFill>
                     <a:schemeClr val="tx1"/>
                   </a:solidFill>
-                  <a:latin typeface="Lato" panose="02010600030101010101" charset="0"/>
+                  <a:latin typeface="Lato" panose="020F0502020204030203" charset="0"/>
                 </a:rPr>
                 <a:t>    private:</a:t>
               </a:r>
+              <a:endParaRPr lang="en-US" altLang="zh-CN" sz="2000" dirty="0">
+                <a:solidFill>
+                  <a:schemeClr val="tx1"/>
+                </a:solidFill>
+                <a:latin typeface="Lato" panose="020F0502020204030203" charset="0"/>
+              </a:endParaRPr>
             </a:p>
             <a:p>
               <a:pPr marL="0" lvl="1" eaLnBrk="1" hangingPunct="1">
@@ -30336,7 +30815,7 @@
                   <a:solidFill>
                     <a:schemeClr val="tx1"/>
                   </a:solidFill>
-                  <a:latin typeface="Lato" panose="02010600030101010101" charset="0"/>
+                  <a:latin typeface="Lato" panose="020F0502020204030203" charset="0"/>
                 </a:rPr>
                 <a:t>        </a:t>
               </a:r>
@@ -30345,7 +30824,7 @@
                   <a:solidFill>
                     <a:schemeClr val="tx1"/>
                   </a:solidFill>
-                  <a:latin typeface="Lato" panose="02010600030101010101" charset="0"/>
+                  <a:latin typeface="Lato" panose="020F0502020204030203" charset="0"/>
                 </a:rPr>
                 <a:t>int</a:t>
               </a:r>
@@ -30354,7 +30833,7 @@
                   <a:solidFill>
                     <a:schemeClr val="tx1"/>
                   </a:solidFill>
-                  <a:latin typeface="Lato" panose="02010600030101010101" charset="0"/>
+                  <a:latin typeface="Lato" panose="020F0502020204030203" charset="0"/>
                 </a:rPr>
                 <a:t> </a:t>
               </a:r>
@@ -30363,7 +30842,7 @@
                   <a:solidFill>
                     <a:schemeClr val="tx1"/>
                   </a:solidFill>
-                  <a:latin typeface="Lato" panose="02010600030101010101" charset="0"/>
+                  <a:latin typeface="Lato" panose="020F0502020204030203" charset="0"/>
                 </a:rPr>
                 <a:t>num</a:t>
               </a:r>
@@ -30372,7 +30851,7 @@
                   <a:solidFill>
                     <a:schemeClr val="tx1"/>
                   </a:solidFill>
-                  <a:latin typeface="Lato" panose="02010600030101010101" charset="0"/>
+                  <a:latin typeface="Lato" panose="020F0502020204030203" charset="0"/>
                 </a:rPr>
                 <a:t>, den</a:t>
               </a:r>
@@ -30381,10 +30860,16 @@
                   <a:solidFill>
                     <a:schemeClr val="tx1"/>
                   </a:solidFill>
-                  <a:latin typeface="Lato" panose="02010600030101010101" charset="0"/>
+                  <a:latin typeface="Lato" panose="020F0502020204030203" charset="0"/>
                 </a:rPr>
                 <a:t>;</a:t>
               </a:r>
+              <a:endParaRPr lang="en-US" altLang="zh-CN" sz="2000" dirty="0">
+                <a:solidFill>
+                  <a:schemeClr val="tx1"/>
+                </a:solidFill>
+                <a:latin typeface="Lato" panose="020F0502020204030203" charset="0"/>
+              </a:endParaRPr>
             </a:p>
             <a:p>
               <a:pPr marL="0" lvl="1" eaLnBrk="1" hangingPunct="1">
@@ -30402,10 +30887,16 @@
                   <a:solidFill>
                     <a:schemeClr val="tx1"/>
                   </a:solidFill>
-                  <a:latin typeface="Lato" panose="02010600030101010101" charset="0"/>
+                  <a:latin typeface="Lato" panose="020F0502020204030203" charset="0"/>
                 </a:rPr>
                 <a:t>};</a:t>
               </a:r>
+              <a:endParaRPr lang="en-US" altLang="zh-CN" sz="2000" dirty="0">
+                <a:solidFill>
+                  <a:schemeClr val="tx1"/>
+                </a:solidFill>
+                <a:latin typeface="Lato" panose="020F0502020204030203" charset="0"/>
+              </a:endParaRPr>
             </a:p>
           </p:txBody>
         </p:sp>
@@ -30413,9 +30904,7 @@
       <p:grpSp>
         <p:nvGrpSpPr>
           <p:cNvPr id="9" name="组合 8"/>
-          <p:cNvGrpSpPr>
-            <a:grpSpLocks/>
-          </p:cNvGrpSpPr>
+          <p:cNvGrpSpPr/>
           <p:nvPr/>
         </p:nvGrpSpPr>
         <p:grpSpPr bwMode="auto">
@@ -30452,8 +30941,6 @@
                 <a:schemeClr val="tx1"/>
               </a:solidFill>
               <a:round/>
-              <a:headEnd/>
-              <a:tailEnd/>
             </a:ln>
           </p:spPr>
           <p:txBody>
@@ -30635,7 +31122,6 @@
             <a:ln>
               <a:noFill/>
             </a:ln>
-            <a:extLst/>
           </p:spPr>
           <p:txBody>
             <a:bodyPr>
@@ -30797,36 +31283,16 @@
                   <a:solidFill>
                     <a:schemeClr val="tx1"/>
                   </a:solidFill>
-                  <a:latin typeface="Lato" panose="02010600030101010101" charset="0"/>
+                  <a:latin typeface="Lato" panose="020F0502020204030203" charset="0"/>
                   <a:ea typeface="华文中宋" panose="02010600040101010101" pitchFamily="2" charset="-122"/>
                 </a:rPr>
                 <a:t>int main()</a:t>
               </a:r>
-            </a:p>
-            <a:p>
-              <a:pPr marL="0" lvl="1" eaLnBrk="1" hangingPunct="1">
-                <a:spcBef>
-                  <a:spcPct val="0"/>
-                </a:spcBef>
-                <a:buFont typeface="Wingdings" panose="05000000000000000000" pitchFamily="2" charset="2"/>
-                <a:buNone/>
-                <a:defRPr/>
-              </a:pPr>
-              <a:r>
-                <a:rPr lang="pt-BR" altLang="zh-CN" sz="2000" dirty="0">
-                  <a:solidFill>
-                    <a:schemeClr val="tx1"/>
-                  </a:solidFill>
-                  <a:latin typeface="Lato" panose="02010600030101010101" charset="0"/>
-                  <a:ea typeface="华文中宋" panose="02010600040101010101" pitchFamily="2" charset="-122"/>
-                </a:rPr>
-                <a:t>{   Rational r1(3,5), r2, r3;   </a:t>
-              </a:r>
-              <a:endParaRPr lang="pt-BR" altLang="zh-CN" sz="2000" dirty="0" smtClean="0">
+              <a:endParaRPr lang="pt-BR" altLang="zh-CN" sz="2000" dirty="0">
                 <a:solidFill>
                   <a:schemeClr val="tx1"/>
                 </a:solidFill>
-                <a:latin typeface="Lato" panose="02010600030101010101" charset="0"/>
+                <a:latin typeface="Lato" panose="020F0502020204030203" charset="0"/>
                 <a:ea typeface="华文中宋" panose="02010600040101010101" pitchFamily="2" charset="-122"/>
               </a:endParaRPr>
             </a:p>
@@ -30844,31 +31310,18 @@
                   <a:solidFill>
                     <a:schemeClr val="tx1"/>
                   </a:solidFill>
-                  <a:latin typeface="Lato" panose="02010600030101010101" charset="0"/>
+                  <a:latin typeface="Lato" panose="020F0502020204030203" charset="0"/>
                   <a:ea typeface="华文中宋" panose="02010600040101010101" pitchFamily="2" charset="-122"/>
                 </a:rPr>
-                <a:t> </a:t>
+                <a:t>{   Rational r1(3,5), r2, r3;   </a:t>
               </a:r>
-              <a:r>
-                <a:rPr lang="pt-BR" altLang="zh-CN" sz="2000" dirty="0" smtClean="0">
-                  <a:solidFill>
-                    <a:schemeClr val="tx1"/>
-                  </a:solidFill>
-                  <a:latin typeface="Lato" panose="02010600030101010101" charset="0"/>
-                  <a:ea typeface="华文中宋" panose="02010600040101010101" pitchFamily="2" charset="-122"/>
-                </a:rPr>
-                <a:t>   int </a:t>
-              </a:r>
-              <a:r>
-                <a:rPr lang="pt-BR" altLang="zh-CN" sz="2000" dirty="0">
-                  <a:solidFill>
-                    <a:schemeClr val="tx1"/>
-                  </a:solidFill>
-                  <a:latin typeface="Lato" panose="02010600030101010101" charset="0"/>
-                  <a:ea typeface="华文中宋" panose="02010600040101010101" pitchFamily="2" charset="-122"/>
-                </a:rPr>
-                <a:t>n=3;</a:t>
-              </a:r>
+              <a:endParaRPr lang="pt-BR" altLang="zh-CN" sz="2000" dirty="0" smtClean="0">
+                <a:solidFill>
+                  <a:schemeClr val="tx1"/>
+                </a:solidFill>
+                <a:latin typeface="Lato" panose="020F0502020204030203" charset="0"/>
+                <a:ea typeface="华文中宋" panose="02010600040101010101" pitchFamily="2" charset="-122"/>
+              </a:endParaRPr>
             </a:p>
             <a:p>
               <a:pPr marL="0" lvl="1" eaLnBrk="1" hangingPunct="1">
@@ -30884,7 +31337,54 @@
                   <a:solidFill>
                     <a:schemeClr val="tx1"/>
                   </a:solidFill>
-                  <a:latin typeface="Lato" panose="02010600030101010101" charset="0"/>
+                  <a:latin typeface="Lato" panose="020F0502020204030203" charset="0"/>
+                  <a:ea typeface="华文中宋" panose="02010600040101010101" pitchFamily="2" charset="-122"/>
+                </a:rPr>
+                <a:t> </a:t>
+              </a:r>
+              <a:r>
+                <a:rPr lang="pt-BR" altLang="zh-CN" sz="2000" dirty="0" smtClean="0">
+                  <a:solidFill>
+                    <a:schemeClr val="tx1"/>
+                  </a:solidFill>
+                  <a:latin typeface="Lato" panose="020F0502020204030203" charset="0"/>
+                  <a:ea typeface="华文中宋" panose="02010600040101010101" pitchFamily="2" charset="-122"/>
+                </a:rPr>
+                <a:t>   int </a:t>
+              </a:r>
+              <a:r>
+                <a:rPr lang="pt-BR" altLang="zh-CN" sz="2000" dirty="0">
+                  <a:solidFill>
+                    <a:schemeClr val="tx1"/>
+                  </a:solidFill>
+                  <a:latin typeface="Lato" panose="020F0502020204030203" charset="0"/>
+                  <a:ea typeface="华文中宋" panose="02010600040101010101" pitchFamily="2" charset="-122"/>
+                </a:rPr>
+                <a:t>n=3;</a:t>
+              </a:r>
+              <a:endParaRPr lang="pt-BR" altLang="zh-CN" sz="2000" dirty="0">
+                <a:solidFill>
+                  <a:schemeClr val="tx1"/>
+                </a:solidFill>
+                <a:latin typeface="Lato" panose="020F0502020204030203" charset="0"/>
+                <a:ea typeface="华文中宋" panose="02010600040101010101" pitchFamily="2" charset="-122"/>
+              </a:endParaRPr>
+            </a:p>
+            <a:p>
+              <a:pPr marL="0" lvl="1" eaLnBrk="1" hangingPunct="1">
+                <a:spcBef>
+                  <a:spcPct val="0"/>
+                </a:spcBef>
+                <a:buFont typeface="Wingdings" panose="05000000000000000000" pitchFamily="2" charset="2"/>
+                <a:buNone/>
+                <a:defRPr/>
+              </a:pPr>
+              <a:r>
+                <a:rPr lang="pt-BR" altLang="zh-CN" sz="2000" dirty="0">
+                  <a:solidFill>
+                    <a:schemeClr val="tx1"/>
+                  </a:solidFill>
+                  <a:latin typeface="Lato" panose="020F0502020204030203" charset="0"/>
                   <a:ea typeface="华文中宋" panose="02010600040101010101" pitchFamily="2" charset="-122"/>
                 </a:rPr>
                 <a:t>    </a:t>
@@ -30894,7 +31394,7 @@
                   <a:solidFill>
                     <a:srgbClr val="CC00FF"/>
                   </a:solidFill>
-                  <a:latin typeface="Lato" panose="02010600030101010101" charset="0"/>
+                  <a:latin typeface="Lato" panose="020F0502020204030203" charset="0"/>
                   <a:ea typeface="华文中宋" panose="02010600040101010101" pitchFamily="2" charset="-122"/>
                 </a:rPr>
                 <a:t>r2=r1+n;</a:t>
@@ -30904,7 +31404,7 @@
                   <a:solidFill>
                     <a:schemeClr val="tx1"/>
                   </a:solidFill>
-                  <a:latin typeface="Lato" panose="02010600030101010101" charset="0"/>
+                  <a:latin typeface="Lato" panose="020F0502020204030203" charset="0"/>
                   <a:ea typeface="华文中宋" panose="02010600040101010101" pitchFamily="2" charset="-122"/>
                 </a:rPr>
                 <a:t> </a:t>
@@ -30913,7 +31413,7 @@
                 <a:solidFill>
                   <a:srgbClr val="C00000"/>
                 </a:solidFill>
-                <a:latin typeface="Lato" panose="02010600030101010101" charset="0"/>
+                <a:latin typeface="Lato" panose="020F0502020204030203" charset="0"/>
                 <a:ea typeface="华文中宋" panose="02010600040101010101" pitchFamily="2" charset="-122"/>
               </a:endParaRPr>
             </a:p>
@@ -30931,11 +31431,18 @@
                   <a:solidFill>
                     <a:schemeClr val="tx1"/>
                   </a:solidFill>
-                  <a:latin typeface="Lato" panose="02010600030101010101" charset="0"/>
+                  <a:latin typeface="Lato" panose="020F0502020204030203" charset="0"/>
                   <a:ea typeface="华文中宋" panose="02010600040101010101" pitchFamily="2" charset="-122"/>
                 </a:rPr>
                 <a:t>    return 0;</a:t>
               </a:r>
+              <a:endParaRPr lang="pt-BR" altLang="zh-CN" sz="2000" dirty="0" smtClean="0">
+                <a:solidFill>
+                  <a:schemeClr val="tx1"/>
+                </a:solidFill>
+                <a:latin typeface="Lato" panose="020F0502020204030203" charset="0"/>
+                <a:ea typeface="华文中宋" panose="02010600040101010101" pitchFamily="2" charset="-122"/>
+              </a:endParaRPr>
             </a:p>
             <a:p>
               <a:pPr marL="0" lvl="1" eaLnBrk="1" hangingPunct="1">
@@ -30951,7 +31458,7 @@
                   <a:solidFill>
                     <a:schemeClr val="tx1"/>
                   </a:solidFill>
-                  <a:latin typeface="Lato" panose="02010600030101010101" charset="0"/>
+                  <a:latin typeface="Lato" panose="020F0502020204030203" charset="0"/>
                   <a:ea typeface="华文中宋" panose="02010600040101010101" pitchFamily="2" charset="-122"/>
                 </a:rPr>
                 <a:t>}</a:t>
@@ -30960,7 +31467,7 @@
                 <a:solidFill>
                   <a:schemeClr val="tx1"/>
                 </a:solidFill>
-                <a:latin typeface="Lato" panose="02010600030101010101" charset="0"/>
+                <a:latin typeface="Lato" panose="020F0502020204030203" charset="0"/>
                 <a:ea typeface="华文中宋" panose="02010600040101010101" pitchFamily="2" charset="-122"/>
               </a:endParaRPr>
             </a:p>
@@ -30993,7 +31500,7 @@
                 <a:solidFill>
                   <a:srgbClr val="C00000"/>
                 </a:solidFill>
-                <a:latin typeface="Lato" panose="02010600030101010101" charset="0"/>
+                <a:latin typeface="Lato" panose="020F0502020204030203" charset="0"/>
                 <a:ea typeface="华文中宋" panose="02010600040101010101" pitchFamily="2" charset="-122"/>
               </a:rPr>
               <a:t>//ambiguous</a:t>
@@ -31088,11 +31595,6 @@
         </p:cxnSp>
       </p:grpSp>
     </p:spTree>
-    <p:extLst>
-      <p:ext uri="{BB962C8B-B14F-4D97-AF65-F5344CB8AC3E}">
-        <p14:creationId xmlns:p14="http://schemas.microsoft.com/office/powerpoint/2010/main" val="271816702"/>
-      </p:ext>
-    </p:extLst>
   </p:cSld>
   <p:clrMapOvr>
     <a:masterClrMapping/>
@@ -31446,9 +31948,14 @@
               </a:rPr>
               <a:t> user-defined: </a:t>
             </a:r>
-          </a:p>
-          <a:p>
-            <a:pPr marL="109535" indent="0">
+            <a:endParaRPr lang="en-US" altLang="zh-CN" sz="2000" dirty="0" smtClean="0">
+              <a:solidFill>
+                <a:srgbClr val="00B050"/>
+              </a:solidFill>
+            </a:endParaRPr>
+          </a:p>
+          <a:p>
+            <a:pPr marL="109220" indent="0">
               <a:buNone/>
             </a:pPr>
             <a:r>
@@ -31522,9 +32029,7 @@
       <p:grpSp>
         <p:nvGrpSpPr>
           <p:cNvPr id="6" name="组合 5"/>
-          <p:cNvGrpSpPr>
-            <a:grpSpLocks/>
-          </p:cNvGrpSpPr>
+          <p:cNvGrpSpPr/>
           <p:nvPr/>
         </p:nvGrpSpPr>
         <p:grpSpPr bwMode="auto">
@@ -31561,8 +32066,6 @@
                 <a:schemeClr val="tx1"/>
               </a:solidFill>
               <a:round/>
-              <a:headEnd/>
-              <a:tailEnd/>
             </a:ln>
           </p:spPr>
           <p:txBody>
@@ -31744,7 +32247,6 @@
             <a:ln>
               <a:noFill/>
             </a:ln>
-            <a:extLst/>
           </p:spPr>
           <p:txBody>
             <a:bodyPr>
@@ -31909,7 +32411,7 @@
                   <a:solidFill>
                     <a:schemeClr val="tx1"/>
                   </a:solidFill>
-                  <a:latin typeface="Lato" panose="02010600030101010101" charset="0"/>
+                  <a:latin typeface="Lato" panose="020F0502020204030203" charset="0"/>
                   <a:ea typeface="华文中宋" panose="02010600040101010101" pitchFamily="2" charset="-122"/>
                 </a:rPr>
                 <a:t>class </a:t>
@@ -31919,105 +32421,16 @@
                   <a:solidFill>
                     <a:srgbClr val="FF3300"/>
                   </a:solidFill>
-                  <a:latin typeface="Lato" panose="02010600030101010101" charset="0"/>
+                  <a:latin typeface="Lato" panose="020F0502020204030203" charset="0"/>
                   <a:ea typeface="华文中宋" panose="02010600040101010101" pitchFamily="2" charset="-122"/>
                 </a:rPr>
                 <a:t>Teacher</a:t>
               </a:r>
-            </a:p>
-            <a:p>
-              <a:pPr marL="0" lvl="1" eaLnBrk="1" hangingPunct="1">
-                <a:lnSpc>
-                  <a:spcPct val="120000"/>
-                </a:lnSpc>
-                <a:spcBef>
-                  <a:spcPct val="0"/>
-                </a:spcBef>
-                <a:buFont typeface="Wingdings" panose="05000000000000000000" pitchFamily="2" charset="2"/>
-                <a:buNone/>
-                <a:defRPr/>
-              </a:pPr>
-              <a:r>
-                <a:rPr lang="pt-BR" altLang="zh-CN" sz="1800" dirty="0" smtClean="0">
-                  <a:solidFill>
-                    <a:schemeClr val="tx1"/>
-                  </a:solidFill>
-                  <a:latin typeface="Lato" panose="02010600030101010101" charset="0"/>
-                  <a:ea typeface="华文中宋" panose="02010600040101010101" pitchFamily="2" charset="-122"/>
-                </a:rPr>
-                <a:t>{  public:</a:t>
-              </a:r>
-            </a:p>
-            <a:p>
-              <a:pPr marL="0" lvl="1" eaLnBrk="1" hangingPunct="1">
-                <a:lnSpc>
-                  <a:spcPct val="120000"/>
-                </a:lnSpc>
-                <a:spcBef>
-                  <a:spcPct val="0"/>
-                </a:spcBef>
-                <a:buFont typeface="Wingdings" panose="05000000000000000000" pitchFamily="2" charset="2"/>
-                <a:buNone/>
-                <a:defRPr/>
-              </a:pPr>
-              <a:r>
-                <a:rPr lang="pt-BR" altLang="zh-CN" sz="1800" dirty="0" smtClean="0">
-                  <a:solidFill>
-                    <a:schemeClr val="tx1"/>
-                  </a:solidFill>
-                  <a:latin typeface="Lato" panose="02010600030101010101" charset="0"/>
-                  <a:ea typeface="华文中宋" panose="02010600040101010101" pitchFamily="2" charset="-122"/>
-                </a:rPr>
-                <a:t>        Teacher </a:t>
-              </a:r>
-              <a:r>
-                <a:rPr lang="pt-BR" altLang="zh-CN" sz="1800" dirty="0">
-                  <a:solidFill>
-                    <a:schemeClr val="tx1"/>
-                  </a:solidFill>
-                  <a:latin typeface="Lato" panose="02010600030101010101" charset="0"/>
-                  <a:ea typeface="华文中宋" panose="02010600040101010101" pitchFamily="2" charset="-122"/>
-                </a:rPr>
-                <a:t>(Student &amp;s</a:t>
-              </a:r>
-              <a:r>
-                <a:rPr lang="pt-BR" altLang="zh-CN" sz="1800" dirty="0" smtClean="0">
-                  <a:solidFill>
-                    <a:schemeClr val="tx1"/>
-                  </a:solidFill>
-                  <a:latin typeface="Lato" panose="02010600030101010101" charset="0"/>
-                  <a:ea typeface="华文中宋" panose="02010600040101010101" pitchFamily="2" charset="-122"/>
-                </a:rPr>
-                <a:t>);</a:t>
-              </a:r>
-            </a:p>
-            <a:p>
-              <a:pPr marL="0" lvl="1" eaLnBrk="1" hangingPunct="1">
-                <a:lnSpc>
-                  <a:spcPct val="120000"/>
-                </a:lnSpc>
-                <a:spcBef>
-                  <a:spcPct val="0"/>
-                </a:spcBef>
-                <a:buFont typeface="Wingdings" panose="05000000000000000000" pitchFamily="2" charset="2"/>
-                <a:buNone/>
-                <a:defRPr/>
-              </a:pPr>
-              <a:r>
-                <a:rPr lang="pt-BR" altLang="zh-CN" sz="1800" dirty="0" smtClean="0">
-                  <a:solidFill>
-                    <a:schemeClr val="tx1"/>
-                  </a:solidFill>
-                  <a:latin typeface="Lato" panose="02010600030101010101" charset="0"/>
-                  <a:ea typeface="华文中宋" panose="02010600040101010101" pitchFamily="2" charset="-122"/>
-                </a:rPr>
-                <a:t>        operator Student ( );</a:t>
-              </a:r>
-              <a:endParaRPr lang="pt-BR" altLang="zh-CN" sz="1800" dirty="0">
-                <a:solidFill>
-                  <a:schemeClr val="tx1"/>
-                </a:solidFill>
-                <a:latin typeface="Lato" panose="02010600030101010101" charset="0"/>
+              <a:endParaRPr lang="pt-BR" altLang="zh-CN" sz="1800" dirty="0" smtClean="0">
+                <a:solidFill>
+                  <a:srgbClr val="FF3300"/>
+                </a:solidFill>
+                <a:latin typeface="Lato" panose="020F0502020204030203" charset="0"/>
                 <a:ea typeface="华文中宋" panose="02010600040101010101" pitchFamily="2" charset="-122"/>
               </a:endParaRPr>
             </a:p>
@@ -32038,11 +32451,128 @@
                   <a:solidFill>
                     <a:schemeClr val="tx1"/>
                   </a:solidFill>
-                  <a:latin typeface="Lato" panose="02010600030101010101" charset="0"/>
+                  <a:latin typeface="Lato" panose="020F0502020204030203" charset="0"/>
+                  <a:ea typeface="华文中宋" panose="02010600040101010101" pitchFamily="2" charset="-122"/>
+                </a:rPr>
+                <a:t>{  public:</a:t>
+              </a:r>
+              <a:endParaRPr lang="pt-BR" altLang="zh-CN" sz="1800" dirty="0" smtClean="0">
+                <a:solidFill>
+                  <a:schemeClr val="tx1"/>
+                </a:solidFill>
+                <a:latin typeface="Lato" panose="020F0502020204030203" charset="0"/>
+                <a:ea typeface="华文中宋" panose="02010600040101010101" pitchFamily="2" charset="-122"/>
+              </a:endParaRPr>
+            </a:p>
+            <a:p>
+              <a:pPr marL="0" lvl="1" eaLnBrk="1" hangingPunct="1">
+                <a:lnSpc>
+                  <a:spcPct val="120000"/>
+                </a:lnSpc>
+                <a:spcBef>
+                  <a:spcPct val="0"/>
+                </a:spcBef>
+                <a:buFont typeface="Wingdings" panose="05000000000000000000" pitchFamily="2" charset="2"/>
+                <a:buNone/>
+                <a:defRPr/>
+              </a:pPr>
+              <a:r>
+                <a:rPr lang="pt-BR" altLang="zh-CN" sz="1800" dirty="0" smtClean="0">
+                  <a:solidFill>
+                    <a:schemeClr val="tx1"/>
+                  </a:solidFill>
+                  <a:latin typeface="Lato" panose="020F0502020204030203" charset="0"/>
+                  <a:ea typeface="华文中宋" panose="02010600040101010101" pitchFamily="2" charset="-122"/>
+                </a:rPr>
+                <a:t>        Teacher </a:t>
+              </a:r>
+              <a:r>
+                <a:rPr lang="pt-BR" altLang="zh-CN" sz="1800" dirty="0">
+                  <a:solidFill>
+                    <a:schemeClr val="tx1"/>
+                  </a:solidFill>
+                  <a:latin typeface="Lato" panose="020F0502020204030203" charset="0"/>
+                  <a:ea typeface="华文中宋" panose="02010600040101010101" pitchFamily="2" charset="-122"/>
+                </a:rPr>
+                <a:t>(Student &amp;s</a:t>
+              </a:r>
+              <a:r>
+                <a:rPr lang="pt-BR" altLang="zh-CN" sz="1800" dirty="0" smtClean="0">
+                  <a:solidFill>
+                    <a:schemeClr val="tx1"/>
+                  </a:solidFill>
+                  <a:latin typeface="Lato" panose="020F0502020204030203" charset="0"/>
+                  <a:ea typeface="华文中宋" panose="02010600040101010101" pitchFamily="2" charset="-122"/>
+                </a:rPr>
+                <a:t>);</a:t>
+              </a:r>
+              <a:endParaRPr lang="pt-BR" altLang="zh-CN" sz="1800" dirty="0" smtClean="0">
+                <a:solidFill>
+                  <a:schemeClr val="tx1"/>
+                </a:solidFill>
+                <a:latin typeface="Lato" panose="020F0502020204030203" charset="0"/>
+                <a:ea typeface="华文中宋" panose="02010600040101010101" pitchFamily="2" charset="-122"/>
+              </a:endParaRPr>
+            </a:p>
+            <a:p>
+              <a:pPr marL="0" lvl="1" eaLnBrk="1" hangingPunct="1">
+                <a:lnSpc>
+                  <a:spcPct val="120000"/>
+                </a:lnSpc>
+                <a:spcBef>
+                  <a:spcPct val="0"/>
+                </a:spcBef>
+                <a:buFont typeface="Wingdings" panose="05000000000000000000" pitchFamily="2" charset="2"/>
+                <a:buNone/>
+                <a:defRPr/>
+              </a:pPr>
+              <a:r>
+                <a:rPr lang="pt-BR" altLang="zh-CN" sz="1800" dirty="0" smtClean="0">
+                  <a:solidFill>
+                    <a:schemeClr val="tx1"/>
+                  </a:solidFill>
+                  <a:latin typeface="Lato" panose="020F0502020204030203" charset="0"/>
+                  <a:ea typeface="华文中宋" panose="02010600040101010101" pitchFamily="2" charset="-122"/>
+                </a:rPr>
+                <a:t>        operator Student ( );</a:t>
+              </a:r>
+              <a:endParaRPr lang="pt-BR" altLang="zh-CN" sz="1800" dirty="0">
+                <a:solidFill>
+                  <a:schemeClr val="tx1"/>
+                </a:solidFill>
+                <a:latin typeface="Lato" panose="020F0502020204030203" charset="0"/>
+                <a:ea typeface="华文中宋" panose="02010600040101010101" pitchFamily="2" charset="-122"/>
+              </a:endParaRPr>
+            </a:p>
+            <a:p>
+              <a:pPr marL="0" lvl="1" eaLnBrk="1" hangingPunct="1">
+                <a:lnSpc>
+                  <a:spcPct val="120000"/>
+                </a:lnSpc>
+                <a:spcBef>
+                  <a:spcPct val="0"/>
+                </a:spcBef>
+                <a:buFont typeface="Wingdings" panose="05000000000000000000" pitchFamily="2" charset="2"/>
+                <a:buNone/>
+                <a:defRPr/>
+              </a:pPr>
+              <a:r>
+                <a:rPr lang="pt-BR" altLang="zh-CN" sz="1800" dirty="0" smtClean="0">
+                  <a:solidFill>
+                    <a:schemeClr val="tx1"/>
+                  </a:solidFill>
+                  <a:latin typeface="Lato" panose="020F0502020204030203" charset="0"/>
                   <a:ea typeface="华文中宋" panose="02010600040101010101" pitchFamily="2" charset="-122"/>
                 </a:rPr>
                 <a:t>};</a:t>
               </a:r>
+              <a:endParaRPr lang="pt-BR" altLang="zh-CN" sz="1800" dirty="0" smtClean="0">
+                <a:solidFill>
+                  <a:schemeClr val="tx1"/>
+                </a:solidFill>
+                <a:latin typeface="Lato" panose="020F0502020204030203" charset="0"/>
+                <a:ea typeface="华文中宋" panose="02010600040101010101" pitchFamily="2" charset="-122"/>
+              </a:endParaRPr>
             </a:p>
           </p:txBody>
         </p:sp>
@@ -32138,11 +32668,6 @@
         </p:txBody>
       </p:sp>
     </p:spTree>
-    <p:extLst>
-      <p:ext uri="{BB962C8B-B14F-4D97-AF65-F5344CB8AC3E}">
-        <p14:creationId xmlns:p14="http://schemas.microsoft.com/office/powerpoint/2010/main" val="348133162"/>
-      </p:ext>
-    </p:extLst>
   </p:cSld>
   <p:clrMapOvr>
     <a:masterClrMapping/>
@@ -32526,11 +33051,6 @@
         </p:txBody>
       </p:sp>
     </p:spTree>
-    <p:extLst>
-      <p:ext uri="{BB962C8B-B14F-4D97-AF65-F5344CB8AC3E}">
-        <p14:creationId xmlns:p14="http://schemas.microsoft.com/office/powerpoint/2010/main" val="489789200"/>
-      </p:ext>
-    </p:extLst>
   </p:cSld>
   <p:clrMapOvr>
     <a:masterClrMapping/>
@@ -32627,6 +33147,7 @@
               <a:rPr lang="en-US" altLang="zh-CN" sz="2000" dirty="0" smtClean="0"/>
               <a:t>6.2 Continued:</a:t>
             </a:r>
+            <a:endParaRPr lang="en-US" altLang="zh-CN" sz="2000" dirty="0" smtClean="0"/>
           </a:p>
           <a:p>
             <a:pPr marL="0" indent="0">
@@ -32681,11 +33202,6 @@
         </p:txBody>
       </p:sp>
     </p:spTree>
-    <p:extLst>
-      <p:ext uri="{BB962C8B-B14F-4D97-AF65-F5344CB8AC3E}">
-        <p14:creationId xmlns:p14="http://schemas.microsoft.com/office/powerpoint/2010/main" val="1481154702"/>
-      </p:ext>
-    </p:extLst>
   </p:cSld>
   <p:clrMapOvr>
     <a:masterClrMapping/>
@@ -32757,6 +33273,7 @@
               <a:rPr lang="en-US" altLang="zh-CN" sz="2000" dirty="0"/>
               <a:t>.</a:t>
             </a:r>
+            <a:endParaRPr lang="en-US" altLang="zh-CN" sz="2000" dirty="0"/>
           </a:p>
           <a:p>
             <a:r>
@@ -32779,6 +33296,7 @@
               <a:rPr lang="en-US" altLang="zh-CN" sz="2000" dirty="0"/>
               <a:t>.</a:t>
             </a:r>
+            <a:endParaRPr lang="en-US" altLang="zh-CN" sz="2000" dirty="0"/>
           </a:p>
           <a:p>
             <a:r>
@@ -32835,11 +33353,6 @@
         </p:txBody>
       </p:sp>
     </p:spTree>
-    <p:extLst>
-      <p:ext uri="{BB962C8B-B14F-4D97-AF65-F5344CB8AC3E}">
-        <p14:creationId xmlns:p14="http://schemas.microsoft.com/office/powerpoint/2010/main" val="2751804159"/>
-      </p:ext>
-    </p:extLst>
   </p:cSld>
   <p:clrMapOvr>
     <a:masterClrMapping/>
@@ -32918,7 +33431,7 @@
             <a:endParaRPr lang="en-US" altLang="zh-CN" sz="2000" dirty="0" smtClean="0"/>
           </a:p>
           <a:p>
-            <a:pPr marL="109535" indent="0" algn="ctr">
+            <a:pPr marL="109220" indent="0" algn="ctr">
               <a:spcBef>
                 <a:spcPts val="600"/>
               </a:spcBef>
@@ -32967,15 +33480,21 @@
               </a:rPr>
               <a:t>op is a operator</a:t>
             </a:r>
+            <a:endParaRPr lang="en-US" altLang="zh-CN" sz="2000" i="1" dirty="0" smtClean="0">
+              <a:solidFill>
+                <a:srgbClr val="00B050"/>
+              </a:solidFill>
+            </a:endParaRPr>
           </a:p>
           <a:p>
             <a:r>
               <a:rPr lang="en-US" altLang="zh-CN" sz="2000" dirty="0" smtClean="0"/>
               <a:t>Examples:</a:t>
             </a:r>
-          </a:p>
-          <a:p>
-            <a:pPr marL="109535" indent="0">
+            <a:endParaRPr lang="en-US" altLang="zh-CN" sz="2000" dirty="0" smtClean="0"/>
+          </a:p>
+          <a:p>
+            <a:pPr marL="109220" indent="0">
               <a:buNone/>
             </a:pPr>
             <a:r>
@@ -33014,9 +33533,10 @@
               <a:rPr lang="en-US" altLang="zh-CN" sz="2000" dirty="0" smtClean="0"/>
               <a:t>operator</a:t>
             </a:r>
-          </a:p>
-          <a:p>
-            <a:pPr marL="109535" indent="0">
+            <a:endParaRPr lang="en-US" altLang="zh-CN" sz="2000" dirty="0" smtClean="0"/>
+          </a:p>
+          <a:p>
+            <a:pPr marL="109220" indent="0">
               <a:buNone/>
             </a:pPr>
             <a:r>
@@ -33144,11 +33664,6 @@
         </p:txBody>
       </p:sp>
     </p:spTree>
-    <p:extLst>
-      <p:ext uri="{BB962C8B-B14F-4D97-AF65-F5344CB8AC3E}">
-        <p14:creationId xmlns:p14="http://schemas.microsoft.com/office/powerpoint/2010/main" val="889929147"/>
-      </p:ext>
-    </p:extLst>
   </p:cSld>
   <p:clrMapOvr>
     <a:masterClrMapping/>
@@ -33264,6 +33779,7 @@
               <a:rPr lang="en-US" altLang="zh-CN" sz="2000" dirty="0" smtClean="0"/>
               <a:t>.</a:t>
             </a:r>
+            <a:endParaRPr lang="en-US" altLang="zh-CN" sz="2000" dirty="0" smtClean="0"/>
           </a:p>
           <a:p>
             <a:r>
@@ -33306,9 +33822,10 @@
               <a:rPr lang="en-US" altLang="zh-CN" sz="2000" dirty="0"/>
               <a:t>can write this equation:</a:t>
             </a:r>
-          </a:p>
-          <a:p>
-            <a:pPr marL="109535" indent="0" algn="ctr">
+            <a:endParaRPr lang="en-US" altLang="zh-CN" sz="2000" dirty="0"/>
+          </a:p>
+          <a:p>
+            <a:pPr marL="109220" indent="0" algn="ctr">
               <a:buNone/>
             </a:pPr>
             <a:r>
@@ -33367,6 +33884,11 @@
               </a:rPr>
               <a:t>;</a:t>
             </a:r>
+            <a:endParaRPr lang="en-US" altLang="zh-CN" sz="2000" dirty="0">
+              <a:solidFill>
+                <a:srgbClr val="FFFF00"/>
+              </a:solidFill>
+            </a:endParaRPr>
           </a:p>
           <a:p>
             <a:r>
@@ -33393,9 +33915,10 @@
               <a:rPr lang="en-US" altLang="zh-CN" sz="2000" dirty="0"/>
               <a:t>the operator with the corresponding operator function:</a:t>
             </a:r>
-          </a:p>
-          <a:p>
-            <a:pPr marL="109535" indent="0" algn="ctr">
+            <a:endParaRPr lang="en-US" altLang="zh-CN" sz="2000" dirty="0"/>
+          </a:p>
+          <a:p>
+            <a:pPr marL="109220" indent="0" algn="ctr">
               <a:buNone/>
             </a:pPr>
             <a:r>
@@ -33500,11 +34023,6 @@
         </p:txBody>
       </p:sp>
     </p:spTree>
-    <p:extLst>
-      <p:ext uri="{BB962C8B-B14F-4D97-AF65-F5344CB8AC3E}">
-        <p14:creationId xmlns:p14="http://schemas.microsoft.com/office/powerpoint/2010/main" val="2279528330"/>
-      </p:ext>
-    </p:extLst>
   </p:cSld>
   <p:clrMapOvr>
     <a:masterClrMapping/>
@@ -34018,6 +34536,11 @@
               </a:rPr>
               <a:t>class Time</a:t>
             </a:r>
+            <a:endParaRPr lang="en-US" altLang="zh-CN" sz="1800" dirty="0">
+              <a:solidFill>
+                <a:schemeClr val="tx1"/>
+              </a:solidFill>
+            </a:endParaRPr>
           </a:p>
           <a:p>
             <a:r>
@@ -34028,6 +34551,11 @@
               </a:rPr>
               <a:t>{</a:t>
             </a:r>
+            <a:endParaRPr lang="en-US" altLang="zh-CN" sz="1800" dirty="0">
+              <a:solidFill>
+                <a:schemeClr val="tx1"/>
+              </a:solidFill>
+            </a:endParaRPr>
           </a:p>
           <a:p>
             <a:r>
@@ -34038,6 +34566,11 @@
               </a:rPr>
               <a:t>private:</a:t>
             </a:r>
+            <a:endParaRPr lang="en-US" altLang="zh-CN" sz="1800" dirty="0">
+              <a:solidFill>
+                <a:schemeClr val="tx1"/>
+              </a:solidFill>
+            </a:endParaRPr>
           </a:p>
           <a:p>
             <a:pPr lvl="3"/>
@@ -34073,6 +34606,11 @@
               </a:rPr>
               <a:t>hours;</a:t>
             </a:r>
+            <a:endParaRPr lang="en-US" altLang="zh-CN" sz="1800" dirty="0">
+              <a:solidFill>
+                <a:schemeClr val="tx1"/>
+              </a:solidFill>
+            </a:endParaRPr>
           </a:p>
           <a:p>
             <a:pPr lvl="3"/>
@@ -34108,6 +34646,11 @@
               </a:rPr>
               <a:t>minutes;</a:t>
             </a:r>
+            <a:endParaRPr lang="en-US" altLang="zh-CN" sz="1800" dirty="0">
+              <a:solidFill>
+                <a:schemeClr val="tx1"/>
+              </a:solidFill>
+            </a:endParaRPr>
           </a:p>
           <a:p>
             <a:r>
@@ -34118,6 +34661,11 @@
               </a:rPr>
               <a:t>public:</a:t>
             </a:r>
+            <a:endParaRPr lang="en-US" altLang="zh-CN" sz="1800" dirty="0">
+              <a:solidFill>
+                <a:schemeClr val="tx1"/>
+              </a:solidFill>
+            </a:endParaRPr>
           </a:p>
           <a:p>
             <a:r>
@@ -34136,6 +34684,11 @@
               </a:rPr>
               <a:t>();</a:t>
             </a:r>
+            <a:endParaRPr lang="en-US" altLang="zh-CN" sz="1800" dirty="0">
+              <a:solidFill>
+                <a:schemeClr val="tx1"/>
+              </a:solidFill>
+            </a:endParaRPr>
           </a:p>
           <a:p>
             <a:r>
@@ -34186,6 +34739,11 @@
               </a:rPr>
               <a:t> m = 0);</a:t>
             </a:r>
+            <a:endParaRPr lang="en-US" altLang="zh-CN" sz="1800" dirty="0">
+              <a:solidFill>
+                <a:schemeClr val="tx1"/>
+              </a:solidFill>
+            </a:endParaRPr>
           </a:p>
           <a:p>
             <a:r>
@@ -34228,6 +34786,11 @@
               </a:rPr>
               <a:t> m);</a:t>
             </a:r>
+            <a:endParaRPr lang="en-US" altLang="zh-CN" sz="1800" dirty="0">
+              <a:solidFill>
+                <a:schemeClr val="tx1"/>
+              </a:solidFill>
+            </a:endParaRPr>
           </a:p>
           <a:p>
             <a:r>
@@ -34270,6 +34833,11 @@
               </a:rPr>
               <a:t> h);</a:t>
             </a:r>
+            <a:endParaRPr lang="en-US" altLang="zh-CN" sz="1800" dirty="0">
+              <a:solidFill>
+                <a:schemeClr val="tx1"/>
+              </a:solidFill>
+            </a:endParaRPr>
           </a:p>
           <a:p>
             <a:r>
@@ -34328,6 +34896,11 @@
               </a:rPr>
               <a:t>);</a:t>
             </a:r>
+            <a:endParaRPr lang="en-US" altLang="zh-CN" sz="1800" dirty="0" smtClean="0">
+              <a:solidFill>
+                <a:schemeClr val="tx1"/>
+              </a:solidFill>
+            </a:endParaRPr>
           </a:p>
           <a:p>
             <a:r>
@@ -34354,6 +34927,11 @@
               </a:rPr>
               <a:t>;</a:t>
             </a:r>
+            <a:endParaRPr lang="en-US" altLang="zh-CN" sz="1800" dirty="0">
+              <a:solidFill>
+                <a:schemeClr val="tx1"/>
+              </a:solidFill>
+            </a:endParaRPr>
           </a:p>
           <a:p>
             <a:r>
@@ -34436,11 +35014,6 @@
         </p:txBody>
       </p:sp>
     </p:spTree>
-    <p:extLst>
-      <p:ext uri="{BB962C8B-B14F-4D97-AF65-F5344CB8AC3E}">
-        <p14:creationId xmlns:p14="http://schemas.microsoft.com/office/powerpoint/2010/main" val="3550261232"/>
-      </p:ext>
-    </p:extLst>
   </p:cSld>
   <p:clrMapOvr>
     <a:masterClrMapping/>
@@ -34731,8 +35304,11 @@
       </a:bgFillStyleLst>
     </a:fmtScheme>
   </a:themeElements>
-  <a:objectDefaults/>
-  <a:extraClrSchemeLst/>
+  <a:extLst>
+    <a:ext uri="{05A4C25C-085E-4340-85A3-A5531E510DB2}">
+      <thm15:themeFamily xmlns:thm15="http://schemas.microsoft.com/office/thememl/2012/main" name="Office Theme" id="{62F939B6-93AF-4DB8-9C6B-D6C7DFDC589F}" vid="{4A3C46E8-61CC-4603-A589-7422A47A8E4A}"/>
+    </a:ext>
+  </a:extLst>
 </a:theme>
 </file>
 
@@ -35012,7 +35588,10 @@
       </a:bgFillStyleLst>
     </a:fmtScheme>
   </a:themeElements>
-  <a:objectDefaults/>
-  <a:extraClrSchemeLst/>
+  <a:extLst>
+    <a:ext uri="{05A4C25C-085E-4340-85A3-A5531E510DB2}">
+      <thm15:themeFamily xmlns:thm15="http://schemas.microsoft.com/office/thememl/2012/main" name="Office Theme" id="{62F939B6-93AF-4DB8-9C6B-D6C7DFDC589F}" vid="{4A3C46E8-61CC-4603-A589-7422A47A8E4A}"/>
+    </a:ext>
+  </a:extLst>
 </a:theme>
 </file>